--- a/Fake News Detection with Machine Learning.pptx
+++ b/Fake News Detection with Machine Learning.pptx
@@ -4,29 +4,31 @@
   <p:sldMasterIdLst>
     <p:sldMasterId id="2147483648" r:id="rId1"/>
   </p:sldMasterIdLst>
+  <p:notesMasterIdLst>
+    <p:notesMasterId r:id="rId23"/>
+  </p:notesMasterIdLst>
   <p:sldIdLst>
     <p:sldId id="256" r:id="rId2"/>
-    <p:sldId id="257" r:id="rId3"/>
+    <p:sldId id="282" r:id="rId3"/>
     <p:sldId id="258" r:id="rId4"/>
     <p:sldId id="259" r:id="rId5"/>
-    <p:sldId id="260" r:id="rId6"/>
-    <p:sldId id="261" r:id="rId7"/>
-    <p:sldId id="262" r:id="rId8"/>
-    <p:sldId id="263" r:id="rId9"/>
-    <p:sldId id="264" r:id="rId10"/>
-    <p:sldId id="265" r:id="rId11"/>
-    <p:sldId id="266" r:id="rId12"/>
-    <p:sldId id="267" r:id="rId13"/>
-    <p:sldId id="268" r:id="rId14"/>
-    <p:sldId id="269" r:id="rId15"/>
-    <p:sldId id="270" r:id="rId16"/>
-    <p:sldId id="271" r:id="rId17"/>
-    <p:sldId id="272" r:id="rId18"/>
-    <p:sldId id="273" r:id="rId19"/>
-    <p:sldId id="274" r:id="rId20"/>
-    <p:sldId id="275" r:id="rId21"/>
-    <p:sldId id="276" r:id="rId22"/>
-    <p:sldId id="277" r:id="rId23"/>
+    <p:sldId id="257" r:id="rId6"/>
+    <p:sldId id="265" r:id="rId7"/>
+    <p:sldId id="281" r:id="rId8"/>
+    <p:sldId id="266" r:id="rId9"/>
+    <p:sldId id="268" r:id="rId10"/>
+    <p:sldId id="269" r:id="rId11"/>
+    <p:sldId id="271" r:id="rId12"/>
+    <p:sldId id="273" r:id="rId13"/>
+    <p:sldId id="284" r:id="rId14"/>
+    <p:sldId id="280" r:id="rId15"/>
+    <p:sldId id="285" r:id="rId16"/>
+    <p:sldId id="283" r:id="rId17"/>
+    <p:sldId id="286" r:id="rId18"/>
+    <p:sldId id="275" r:id="rId19"/>
+    <p:sldId id="287" r:id="rId20"/>
+    <p:sldId id="277" r:id="rId21"/>
+    <p:sldId id="279" r:id="rId22"/>
   </p:sldIdLst>
   <p:sldSz cx="12192000" cy="6858000"/>
   <p:notesSz cx="6858000" cy="9144000"/>
@@ -125,1184 +127,362 @@
       </a:defRPr>
     </a:lvl9pPr>
   </p:defaultTextStyle>
+  <p:extLst>
+    <p:ext uri="{EFAFB233-063F-42B5-8137-9DF3F51BA10A}">
+      <p15:sldGuideLst xmlns:p15="http://schemas.microsoft.com/office/powerpoint/2012/main"/>
+    </p:ext>
+  </p:extLst>
 </p:presentation>
 </file>
 
-<file path=ppt/charts/chart1.xml><?xml version="1.0" encoding="utf-8"?>
-<c:chartSpace xmlns:c="http://schemas.openxmlformats.org/drawingml/2006/chart" xmlns:a="http://schemas.openxmlformats.org/drawingml/2006/main" xmlns:r="http://schemas.openxmlformats.org/officeDocument/2006/relationships" xmlns:c16r2="http://schemas.microsoft.com/office/drawing/2015/06/chart">
-  <c:date1904 val="0"/>
-  <c:lang val="en-US"/>
-  <c:roundedCorners val="0"/>
-  <mc:AlternateContent xmlns:mc="http://schemas.openxmlformats.org/markup-compatibility/2006">
-    <mc:Choice xmlns:c14="http://schemas.microsoft.com/office/drawing/2007/8/2/chart" Requires="c14">
-      <c14:style val="102"/>
-    </mc:Choice>
-    <mc:Fallback>
-      <c:style val="2"/>
-    </mc:Fallback>
-  </mc:AlternateContent>
-  <c:chart>
-    <c:title>
-      <c:overlay val="0"/>
-      <c:spPr>
-        <a:noFill/>
-        <a:ln>
+<file path=ppt/notesMasters/notesMaster1.xml><?xml version="1.0" encoding="utf-8"?>
+<p:notesMaster xmlns:a="http://schemas.openxmlformats.org/drawingml/2006/main" xmlns:r="http://schemas.openxmlformats.org/officeDocument/2006/relationships" xmlns:p="http://schemas.openxmlformats.org/presentationml/2006/main">
+  <p:cSld>
+    <p:bg>
+      <p:bgRef idx="1001">
+        <a:schemeClr val="bg1"/>
+      </p:bgRef>
+    </p:bg>
+    <p:spTree>
+      <p:nvGrpSpPr>
+        <p:cNvPr id="1" name=""/>
+        <p:cNvGrpSpPr/>
+        <p:nvPr/>
+      </p:nvGrpSpPr>
+      <p:grpSpPr>
+        <a:xfrm>
+          <a:off x="0" y="0"/>
+          <a:ext cx="0" cy="0"/>
+          <a:chOff x="0" y="0"/>
+          <a:chExt cx="0" cy="0"/>
+        </a:xfrm>
+      </p:grpSpPr>
+      <p:sp>
+        <p:nvSpPr>
+          <p:cNvPr id="2" name="Header Placeholder 1"/>
+          <p:cNvSpPr>
+            <a:spLocks noGrp="1"/>
+          </p:cNvSpPr>
+          <p:nvPr>
+            <p:ph type="hdr" sz="quarter"/>
+          </p:nvPr>
+        </p:nvSpPr>
+        <p:spPr>
+          <a:xfrm>
+            <a:off x="0" y="0"/>
+            <a:ext cx="2971800" cy="458788"/>
+          </a:xfrm>
+          <a:prstGeom prst="rect">
+            <a:avLst/>
+          </a:prstGeom>
+        </p:spPr>
+        <p:txBody>
+          <a:bodyPr vert="horz" lIns="91440" tIns="45720" rIns="91440" bIns="45720" rtlCol="0"/>
+          <a:lstStyle>
+            <a:lvl1pPr algn="l">
+              <a:defRPr sz="1200"/>
+            </a:lvl1pPr>
+          </a:lstStyle>
+          <a:p>
+            <a:endParaRPr lang="el-GR"/>
+          </a:p>
+        </p:txBody>
+      </p:sp>
+      <p:sp>
+        <p:nvSpPr>
+          <p:cNvPr id="3" name="Date Placeholder 2"/>
+          <p:cNvSpPr>
+            <a:spLocks noGrp="1"/>
+          </p:cNvSpPr>
+          <p:nvPr>
+            <p:ph type="dt" idx="1"/>
+          </p:nvPr>
+        </p:nvSpPr>
+        <p:spPr>
+          <a:xfrm>
+            <a:off x="3884613" y="0"/>
+            <a:ext cx="2971800" cy="458788"/>
+          </a:xfrm>
+          <a:prstGeom prst="rect">
+            <a:avLst/>
+          </a:prstGeom>
+        </p:spPr>
+        <p:txBody>
+          <a:bodyPr vert="horz" lIns="91440" tIns="45720" rIns="91440" bIns="45720" rtlCol="0"/>
+          <a:lstStyle>
+            <a:lvl1pPr algn="r">
+              <a:defRPr sz="1200"/>
+            </a:lvl1pPr>
+          </a:lstStyle>
+          <a:p>
+            <a:fld id="{83EE481D-9C37-4CD2-95DA-082C4F9C263F}" type="datetimeFigureOut">
+              <a:rPr lang="el-GR" smtClean="0"/>
+              <a:t>26/1/2025</a:t>
+            </a:fld>
+            <a:endParaRPr lang="el-GR"/>
+          </a:p>
+        </p:txBody>
+      </p:sp>
+      <p:sp>
+        <p:nvSpPr>
+          <p:cNvPr id="4" name="Slide Image Placeholder 3"/>
+          <p:cNvSpPr>
+            <a:spLocks noGrp="1" noRot="1" noChangeAspect="1"/>
+          </p:cNvSpPr>
+          <p:nvPr>
+            <p:ph type="sldImg" idx="2"/>
+          </p:nvPr>
+        </p:nvSpPr>
+        <p:spPr>
+          <a:xfrm>
+            <a:off x="685800" y="1143000"/>
+            <a:ext cx="5486400" cy="3086100"/>
+          </a:xfrm>
+          <a:prstGeom prst="rect">
+            <a:avLst/>
+          </a:prstGeom>
           <a:noFill/>
-        </a:ln>
-        <a:effectLst/>
-      </c:spPr>
-      <c:txPr>
-        <a:bodyPr rot="0" spcFirstLastPara="1" vertOverflow="ellipsis" vert="horz" wrap="square" anchor="ctr" anchorCtr="1"/>
-        <a:lstStyle/>
-        <a:p>
-          <a:pPr>
-            <a:defRPr sz="2200" b="1" i="0" u="none" strike="noStrike" kern="1200" cap="all" spc="50" baseline="0">
-              <a:solidFill>
-                <a:schemeClr val="tx1">
-                  <a:lumMod val="65000"/>
-                  <a:lumOff val="35000"/>
-                </a:schemeClr>
-              </a:solidFill>
-              <a:latin typeface="+mn-lt"/>
-              <a:ea typeface="+mn-ea"/>
-              <a:cs typeface="+mn-cs"/>
-            </a:defRPr>
-          </a:pPr>
-          <a:endParaRPr lang="el-GR"/>
-        </a:p>
-      </c:txPr>
-    </c:title>
-    <c:autoTitleDeleted val="0"/>
-    <c:plotArea>
-      <c:layout/>
-      <c:barChart>
-        <c:barDir val="bar"/>
-        <c:grouping val="clustered"/>
-        <c:varyColors val="0"/>
-        <c:ser>
-          <c:idx val="0"/>
-          <c:order val="0"/>
-          <c:tx>
-            <c:strRef>
-              <c:f>Sheet1!$B$1</c:f>
-              <c:strCache>
-                <c:ptCount val="1"/>
-                <c:pt idx="0">
-                  <c:v>Series 1</c:v>
-                </c:pt>
-              </c:strCache>
-            </c:strRef>
-          </c:tx>
-          <c:spPr>
-            <a:gradFill flip="none" rotWithShape="1">
-              <a:gsLst>
-                <a:gs pos="0">
-                  <a:schemeClr val="accent1"/>
-                </a:gs>
-                <a:gs pos="75000">
-                  <a:schemeClr val="accent1">
-                    <a:lumMod val="60000"/>
-                    <a:lumOff val="40000"/>
-                  </a:schemeClr>
-                </a:gs>
-                <a:gs pos="51000">
-                  <a:schemeClr val="accent1">
-                    <a:alpha val="75000"/>
-                  </a:schemeClr>
-                </a:gs>
-                <a:gs pos="100000">
-                  <a:schemeClr val="accent1">
-                    <a:lumMod val="20000"/>
-                    <a:lumOff val="80000"/>
-                    <a:alpha val="15000"/>
-                  </a:schemeClr>
-                </a:gs>
-              </a:gsLst>
-              <a:lin ang="10800000" scaled="1"/>
-              <a:tileRect/>
-            </a:gradFill>
-            <a:ln>
-              <a:noFill/>
-            </a:ln>
-            <a:effectLst/>
-          </c:spPr>
-          <c:invertIfNegative val="0"/>
-          <c:cat>
-            <c:strRef>
-              <c:f>Sheet1!$A$2:$A$5</c:f>
-              <c:strCache>
-                <c:ptCount val="4"/>
-                <c:pt idx="0">
-                  <c:v>Category 1</c:v>
-                </c:pt>
-                <c:pt idx="1">
-                  <c:v>Category 2</c:v>
-                </c:pt>
-                <c:pt idx="2">
-                  <c:v>Category 3</c:v>
-                </c:pt>
-                <c:pt idx="3">
-                  <c:v>Category 4</c:v>
-                </c:pt>
-              </c:strCache>
-            </c:strRef>
-          </c:cat>
-          <c:val>
-            <c:numRef>
-              <c:f>Sheet1!$B$2:$B$5</c:f>
-              <c:numCache>
-                <c:formatCode>General</c:formatCode>
-                <c:ptCount val="4"/>
-                <c:pt idx="0">
-                  <c:v>4.3</c:v>
-                </c:pt>
-                <c:pt idx="1">
-                  <c:v>2.5</c:v>
-                </c:pt>
-                <c:pt idx="2">
-                  <c:v>3.5</c:v>
-                </c:pt>
-                <c:pt idx="3">
-                  <c:v>4.5</c:v>
-                </c:pt>
-              </c:numCache>
-            </c:numRef>
-          </c:val>
-          <c:extLst>
-            <c:ext xmlns:c16="http://schemas.microsoft.com/office/drawing/2014/chart" uri="{C3380CC4-5D6E-409C-BE32-E72D297353CC}">
-              <c16:uniqueId val="{00000000-FCE0-44F9-B9E1-8A4A5DFABE5A}"/>
-            </c:ext>
-          </c:extLst>
-        </c:ser>
-        <c:ser>
-          <c:idx val="1"/>
-          <c:order val="1"/>
-          <c:tx>
-            <c:strRef>
-              <c:f>Sheet1!$C$1</c:f>
-              <c:strCache>
-                <c:ptCount val="1"/>
-                <c:pt idx="0">
-                  <c:v>Series 2</c:v>
-                </c:pt>
-              </c:strCache>
-            </c:strRef>
-          </c:tx>
-          <c:spPr>
-            <a:gradFill flip="none" rotWithShape="1">
-              <a:gsLst>
-                <a:gs pos="0">
-                  <a:schemeClr val="accent2"/>
-                </a:gs>
-                <a:gs pos="75000">
-                  <a:schemeClr val="accent2">
-                    <a:lumMod val="60000"/>
-                    <a:lumOff val="40000"/>
-                  </a:schemeClr>
-                </a:gs>
-                <a:gs pos="51000">
-                  <a:schemeClr val="accent2">
-                    <a:alpha val="75000"/>
-                  </a:schemeClr>
-                </a:gs>
-                <a:gs pos="100000">
-                  <a:schemeClr val="accent2">
-                    <a:lumMod val="20000"/>
-                    <a:lumOff val="80000"/>
-                    <a:alpha val="15000"/>
-                  </a:schemeClr>
-                </a:gs>
-              </a:gsLst>
-              <a:lin ang="10800000" scaled="1"/>
-              <a:tileRect/>
-            </a:gradFill>
-            <a:ln>
-              <a:noFill/>
-            </a:ln>
-            <a:effectLst/>
-          </c:spPr>
-          <c:invertIfNegative val="0"/>
-          <c:cat>
-            <c:strRef>
-              <c:f>Sheet1!$A$2:$A$5</c:f>
-              <c:strCache>
-                <c:ptCount val="4"/>
-                <c:pt idx="0">
-                  <c:v>Category 1</c:v>
-                </c:pt>
-                <c:pt idx="1">
-                  <c:v>Category 2</c:v>
-                </c:pt>
-                <c:pt idx="2">
-                  <c:v>Category 3</c:v>
-                </c:pt>
-                <c:pt idx="3">
-                  <c:v>Category 4</c:v>
-                </c:pt>
-              </c:strCache>
-            </c:strRef>
-          </c:cat>
-          <c:val>
-            <c:numRef>
-              <c:f>Sheet1!$C$2:$C$5</c:f>
-              <c:numCache>
-                <c:formatCode>General</c:formatCode>
-                <c:ptCount val="4"/>
-                <c:pt idx="0">
-                  <c:v>2.4</c:v>
-                </c:pt>
-                <c:pt idx="1">
-                  <c:v>4.4000000000000004</c:v>
-                </c:pt>
-                <c:pt idx="2">
-                  <c:v>1.8</c:v>
-                </c:pt>
-                <c:pt idx="3">
-                  <c:v>2.8</c:v>
-                </c:pt>
-              </c:numCache>
-            </c:numRef>
-          </c:val>
-          <c:extLst>
-            <c:ext xmlns:c16="http://schemas.microsoft.com/office/drawing/2014/chart" uri="{C3380CC4-5D6E-409C-BE32-E72D297353CC}">
-              <c16:uniqueId val="{00000001-FCE0-44F9-B9E1-8A4A5DFABE5A}"/>
-            </c:ext>
-          </c:extLst>
-        </c:ser>
-        <c:ser>
-          <c:idx val="2"/>
-          <c:order val="2"/>
-          <c:tx>
-            <c:strRef>
-              <c:f>Sheet1!$D$1</c:f>
-              <c:strCache>
-                <c:ptCount val="1"/>
-                <c:pt idx="0">
-                  <c:v>Series 3</c:v>
-                </c:pt>
-              </c:strCache>
-            </c:strRef>
-          </c:tx>
-          <c:spPr>
-            <a:gradFill flip="none" rotWithShape="1">
-              <a:gsLst>
-                <a:gs pos="0">
-                  <a:schemeClr val="accent3"/>
-                </a:gs>
-                <a:gs pos="75000">
-                  <a:schemeClr val="accent3">
-                    <a:lumMod val="60000"/>
-                    <a:lumOff val="40000"/>
-                  </a:schemeClr>
-                </a:gs>
-                <a:gs pos="51000">
-                  <a:schemeClr val="accent3">
-                    <a:alpha val="75000"/>
-                  </a:schemeClr>
-                </a:gs>
-                <a:gs pos="100000">
-                  <a:schemeClr val="accent3">
-                    <a:lumMod val="20000"/>
-                    <a:lumOff val="80000"/>
-                    <a:alpha val="15000"/>
-                  </a:schemeClr>
-                </a:gs>
-              </a:gsLst>
-              <a:lin ang="10800000" scaled="1"/>
-              <a:tileRect/>
-            </a:gradFill>
-            <a:ln>
-              <a:noFill/>
-            </a:ln>
-            <a:effectLst/>
-          </c:spPr>
-          <c:invertIfNegative val="0"/>
-          <c:cat>
-            <c:strRef>
-              <c:f>Sheet1!$A$2:$A$5</c:f>
-              <c:strCache>
-                <c:ptCount val="4"/>
-                <c:pt idx="0">
-                  <c:v>Category 1</c:v>
-                </c:pt>
-                <c:pt idx="1">
-                  <c:v>Category 2</c:v>
-                </c:pt>
-                <c:pt idx="2">
-                  <c:v>Category 3</c:v>
-                </c:pt>
-                <c:pt idx="3">
-                  <c:v>Category 4</c:v>
-                </c:pt>
-              </c:strCache>
-            </c:strRef>
-          </c:cat>
-          <c:val>
-            <c:numRef>
-              <c:f>Sheet1!$D$2:$D$5</c:f>
-              <c:numCache>
-                <c:formatCode>General</c:formatCode>
-                <c:ptCount val="4"/>
-                <c:pt idx="0">
-                  <c:v>2</c:v>
-                </c:pt>
-                <c:pt idx="1">
-                  <c:v>2</c:v>
-                </c:pt>
-                <c:pt idx="2">
-                  <c:v>3</c:v>
-                </c:pt>
-                <c:pt idx="3">
-                  <c:v>5</c:v>
-                </c:pt>
-              </c:numCache>
-            </c:numRef>
-          </c:val>
-          <c:extLst>
-            <c:ext xmlns:c16="http://schemas.microsoft.com/office/drawing/2014/chart" uri="{C3380CC4-5D6E-409C-BE32-E72D297353CC}">
-              <c16:uniqueId val="{00000002-FCE0-44F9-B9E1-8A4A5DFABE5A}"/>
-            </c:ext>
-          </c:extLst>
-        </c:ser>
-        <c:dLbls>
-          <c:showLegendKey val="0"/>
-          <c:showVal val="0"/>
-          <c:showCatName val="0"/>
-          <c:showSerName val="0"/>
-          <c:showPercent val="0"/>
-          <c:showBubbleSize val="0"/>
-        </c:dLbls>
-        <c:gapWidth val="326"/>
-        <c:overlap val="-58"/>
-        <c:axId val="1076389872"/>
-        <c:axId val="1076396592"/>
-      </c:barChart>
-      <c:catAx>
-        <c:axId val="1076389872"/>
-        <c:scaling>
-          <c:orientation val="minMax"/>
-        </c:scaling>
-        <c:delete val="0"/>
-        <c:axPos val="l"/>
-        <c:numFmt formatCode="General" sourceLinked="1"/>
-        <c:majorTickMark val="none"/>
-        <c:minorTickMark val="none"/>
-        <c:tickLblPos val="nextTo"/>
-        <c:spPr>
-          <a:noFill/>
-          <a:ln w="19050" cap="flat" cmpd="sng" algn="ctr">
+          <a:ln w="12700">
             <a:solidFill>
-              <a:schemeClr val="tx1">
-                <a:lumMod val="15000"/>
-                <a:lumOff val="85000"/>
-              </a:schemeClr>
+              <a:prstClr val="black"/>
             </a:solidFill>
-            <a:round/>
-            <a:headEnd type="none" w="sm" len="sm"/>
-            <a:tailEnd type="none" w="sm" len="sm"/>
           </a:ln>
-          <a:effectLst/>
-        </c:spPr>
-        <c:txPr>
-          <a:bodyPr rot="-60000000" spcFirstLastPara="1" vertOverflow="ellipsis" vert="horz" wrap="square" anchor="ctr" anchorCtr="1"/>
-          <a:lstStyle/>
-          <a:p>
-            <a:pPr>
-              <a:defRPr sz="1197" b="0" i="0" u="none" strike="noStrike" kern="1200" baseline="0">
-                <a:solidFill>
-                  <a:schemeClr val="tx1">
-                    <a:lumMod val="65000"/>
-                    <a:lumOff val="35000"/>
-                  </a:schemeClr>
-                </a:solidFill>
-                <a:latin typeface="+mn-lt"/>
-                <a:ea typeface="+mn-ea"/>
-                <a:cs typeface="+mn-cs"/>
-              </a:defRPr>
-            </a:pPr>
+        </p:spPr>
+        <p:txBody>
+          <a:bodyPr vert="horz" lIns="91440" tIns="45720" rIns="91440" bIns="45720" rtlCol="0" anchor="ctr"/>
+          <a:lstStyle/>
+          <a:p>
             <a:endParaRPr lang="el-GR"/>
           </a:p>
-        </c:txPr>
-        <c:crossAx val="1076396592"/>
-        <c:crosses val="autoZero"/>
-        <c:auto val="1"/>
-        <c:lblAlgn val="ctr"/>
-        <c:lblOffset val="100"/>
-        <c:noMultiLvlLbl val="0"/>
-      </c:catAx>
-      <c:valAx>
-        <c:axId val="1076396592"/>
-        <c:scaling>
-          <c:orientation val="minMax"/>
-        </c:scaling>
-        <c:delete val="0"/>
-        <c:axPos val="b"/>
-        <c:majorGridlines>
-          <c:spPr>
-            <a:ln w="9525" cap="flat" cmpd="sng" algn="ctr">
-              <a:gradFill>
-                <a:gsLst>
-                  <a:gs pos="99000">
-                    <a:schemeClr val="tx1">
-                      <a:lumMod val="25000"/>
-                      <a:lumOff val="75000"/>
-                    </a:schemeClr>
-                  </a:gs>
-                  <a:gs pos="0">
-                    <a:schemeClr val="tx1">
-                      <a:lumMod val="15000"/>
-                      <a:lumOff val="85000"/>
-                    </a:schemeClr>
-                  </a:gs>
-                </a:gsLst>
-                <a:lin ang="5400000" scaled="0"/>
-              </a:gradFill>
-              <a:round/>
-            </a:ln>
-            <a:effectLst/>
-          </c:spPr>
-        </c:majorGridlines>
-        <c:numFmt formatCode="General" sourceLinked="1"/>
-        <c:majorTickMark val="none"/>
-        <c:minorTickMark val="none"/>
-        <c:tickLblPos val="nextTo"/>
-        <c:spPr>
-          <a:noFill/>
-          <a:ln>
-            <a:noFill/>
-          </a:ln>
-          <a:effectLst/>
-        </c:spPr>
-        <c:txPr>
-          <a:bodyPr rot="-60000000" spcFirstLastPara="1" vertOverflow="ellipsis" vert="horz" wrap="square" anchor="ctr" anchorCtr="1"/>
-          <a:lstStyle/>
-          <a:p>
-            <a:pPr>
-              <a:defRPr sz="1197" b="0" i="0" u="none" strike="noStrike" kern="1200" baseline="0">
-                <a:solidFill>
-                  <a:schemeClr val="tx1">
-                    <a:lumMod val="65000"/>
-                    <a:lumOff val="35000"/>
-                  </a:schemeClr>
-                </a:solidFill>
-                <a:latin typeface="+mn-lt"/>
-                <a:ea typeface="+mn-ea"/>
-                <a:cs typeface="+mn-cs"/>
-              </a:defRPr>
-            </a:pPr>
+        </p:txBody>
+      </p:sp>
+      <p:sp>
+        <p:nvSpPr>
+          <p:cNvPr id="5" name="Notes Placeholder 4"/>
+          <p:cNvSpPr>
+            <a:spLocks noGrp="1"/>
+          </p:cNvSpPr>
+          <p:nvPr>
+            <p:ph type="body" sz="quarter" idx="3"/>
+          </p:nvPr>
+        </p:nvSpPr>
+        <p:spPr>
+          <a:xfrm>
+            <a:off x="685800" y="4400550"/>
+            <a:ext cx="5486400" cy="3600450"/>
+          </a:xfrm>
+          <a:prstGeom prst="rect">
+            <a:avLst/>
+          </a:prstGeom>
+        </p:spPr>
+        <p:txBody>
+          <a:bodyPr vert="horz" lIns="91440" tIns="45720" rIns="91440" bIns="45720" rtlCol="0"/>
+          <a:lstStyle/>
+          <a:p>
+            <a:pPr lvl="0"/>
+            <a:r>
+              <a:rPr lang="en-US"/>
+              <a:t>Click to edit Master text styles</a:t>
+            </a:r>
+          </a:p>
+          <a:p>
+            <a:pPr lvl="1"/>
+            <a:r>
+              <a:rPr lang="en-US"/>
+              <a:t>Second level</a:t>
+            </a:r>
+          </a:p>
+          <a:p>
+            <a:pPr lvl="2"/>
+            <a:r>
+              <a:rPr lang="en-US"/>
+              <a:t>Third level</a:t>
+            </a:r>
+          </a:p>
+          <a:p>
+            <a:pPr lvl="3"/>
+            <a:r>
+              <a:rPr lang="en-US"/>
+              <a:t>Fourth level</a:t>
+            </a:r>
+          </a:p>
+          <a:p>
+            <a:pPr lvl="4"/>
+            <a:r>
+              <a:rPr lang="en-US"/>
+              <a:t>Fifth level</a:t>
+            </a:r>
             <a:endParaRPr lang="el-GR"/>
           </a:p>
-        </c:txPr>
-        <c:crossAx val="1076389872"/>
-        <c:crosses val="autoZero"/>
-        <c:crossBetween val="between"/>
-      </c:valAx>
-      <c:spPr>
-        <a:noFill/>
-        <a:ln w="25400">
-          <a:noFill/>
-        </a:ln>
-        <a:effectLst/>
-      </c:spPr>
-    </c:plotArea>
-    <c:legend>
-      <c:legendPos val="b"/>
-      <c:overlay val="0"/>
-      <c:spPr>
-        <a:noFill/>
-        <a:ln>
-          <a:noFill/>
-        </a:ln>
-        <a:effectLst/>
-      </c:spPr>
-      <c:txPr>
-        <a:bodyPr rot="0" spcFirstLastPara="1" vertOverflow="ellipsis" vert="horz" wrap="square" anchor="ctr" anchorCtr="1"/>
-        <a:lstStyle/>
-        <a:p>
-          <a:pPr>
-            <a:defRPr sz="1197" b="0" i="0" u="none" strike="noStrike" kern="1200" baseline="0">
-              <a:solidFill>
-                <a:schemeClr val="tx1">
-                  <a:lumMod val="65000"/>
-                  <a:lumOff val="35000"/>
-                </a:schemeClr>
-              </a:solidFill>
-              <a:latin typeface="+mn-lt"/>
-              <a:ea typeface="+mn-ea"/>
-              <a:cs typeface="+mn-cs"/>
-            </a:defRPr>
-          </a:pPr>
-          <a:endParaRPr lang="el-GR"/>
-        </a:p>
-      </c:txPr>
-    </c:legend>
-    <c:plotVisOnly val="1"/>
-    <c:dispBlanksAs val="gap"/>
-    <c:extLst>
-      <c:ext xmlns:c16r3="http://schemas.microsoft.com/office/drawing/2017/03/chart" uri="{56B9EC1D-385E-4148-901F-78D8002777C0}">
-        <c16r3:dataDisplayOptions16>
-          <c16r3:dispNaAsBlank val="1"/>
-        </c16r3:dataDisplayOptions16>
-      </c:ext>
-    </c:extLst>
-    <c:showDLblsOverMax val="0"/>
-  </c:chart>
-  <c:spPr>
-    <a:noFill/>
-    <a:ln>
-      <a:noFill/>
-    </a:ln>
-    <a:effectLst/>
-  </c:spPr>
-  <c:txPr>
-    <a:bodyPr/>
-    <a:lstStyle/>
-    <a:p>
-      <a:pPr>
-        <a:defRPr/>
-      </a:pPr>
-      <a:endParaRPr lang="el-GR"/>
-    </a:p>
-  </c:txPr>
-  <c:externalData r:id="rId3">
-    <c:autoUpdate val="0"/>
-  </c:externalData>
-</c:chartSpace>
-</file>
-
-<file path=ppt/charts/colors1.xml><?xml version="1.0" encoding="utf-8"?>
-<cs:colorStyle xmlns:cs="http://schemas.microsoft.com/office/drawing/2012/chartStyle" xmlns:a="http://schemas.openxmlformats.org/drawingml/2006/main" meth="cycle" id="10">
-  <a:schemeClr val="accent1"/>
-  <a:schemeClr val="accent2"/>
-  <a:schemeClr val="accent3"/>
-  <a:schemeClr val="accent4"/>
-  <a:schemeClr val="accent5"/>
-  <a:schemeClr val="accent6"/>
-  <cs:variation/>
-  <cs:variation>
-    <a:lumMod val="60000"/>
-  </cs:variation>
-  <cs:variation>
-    <a:lumMod val="80000"/>
-    <a:lumOff val="20000"/>
-  </cs:variation>
-  <cs:variation>
-    <a:lumMod val="80000"/>
-  </cs:variation>
-  <cs:variation>
-    <a:lumMod val="60000"/>
-    <a:lumOff val="40000"/>
-  </cs:variation>
-  <cs:variation>
-    <a:lumMod val="50000"/>
-  </cs:variation>
-  <cs:variation>
-    <a:lumMod val="70000"/>
-    <a:lumOff val="30000"/>
-  </cs:variation>
-  <cs:variation>
-    <a:lumMod val="70000"/>
-  </cs:variation>
-  <cs:variation>
-    <a:lumMod val="50000"/>
-    <a:lumOff val="50000"/>
-  </cs:variation>
-</cs:colorStyle>
-</file>
-
-<file path=ppt/charts/style1.xml><?xml version="1.0" encoding="utf-8"?>
-<cs:chartStyle xmlns:cs="http://schemas.microsoft.com/office/drawing/2012/chartStyle" xmlns:a="http://schemas.openxmlformats.org/drawingml/2006/main" id="223">
-  <cs:axisTitle>
-    <cs:lnRef idx="0"/>
-    <cs:fillRef idx="0"/>
-    <cs:effectRef idx="0"/>
-    <cs:fontRef idx="minor">
-      <a:schemeClr val="tx1">
-        <a:lumMod val="65000"/>
-        <a:lumOff val="35000"/>
-      </a:schemeClr>
-    </cs:fontRef>
-    <cs:defRPr sz="1197" kern="1200" cap="all"/>
-  </cs:axisTitle>
-  <cs:categoryAxis>
-    <cs:lnRef idx="0"/>
-    <cs:fillRef idx="0"/>
-    <cs:effectRef idx="0"/>
-    <cs:fontRef idx="minor">
-      <a:schemeClr val="tx1">
-        <a:lumMod val="65000"/>
-        <a:lumOff val="35000"/>
-      </a:schemeClr>
-    </cs:fontRef>
-    <cs:spPr>
-      <a:ln w="19050" cap="flat" cmpd="sng" algn="ctr">
+        </p:txBody>
+      </p:sp>
+      <p:sp>
+        <p:nvSpPr>
+          <p:cNvPr id="6" name="Footer Placeholder 5"/>
+          <p:cNvSpPr>
+            <a:spLocks noGrp="1"/>
+          </p:cNvSpPr>
+          <p:nvPr>
+            <p:ph type="ftr" sz="quarter" idx="4"/>
+          </p:nvPr>
+        </p:nvSpPr>
+        <p:spPr>
+          <a:xfrm>
+            <a:off x="0" y="8685213"/>
+            <a:ext cx="2971800" cy="458787"/>
+          </a:xfrm>
+          <a:prstGeom prst="rect">
+            <a:avLst/>
+          </a:prstGeom>
+        </p:spPr>
+        <p:txBody>
+          <a:bodyPr vert="horz" lIns="91440" tIns="45720" rIns="91440" bIns="45720" rtlCol="0" anchor="b"/>
+          <a:lstStyle>
+            <a:lvl1pPr algn="l">
+              <a:defRPr sz="1200"/>
+            </a:lvl1pPr>
+          </a:lstStyle>
+          <a:p>
+            <a:endParaRPr lang="el-GR"/>
+          </a:p>
+        </p:txBody>
+      </p:sp>
+      <p:sp>
+        <p:nvSpPr>
+          <p:cNvPr id="7" name="Slide Number Placeholder 6"/>
+          <p:cNvSpPr>
+            <a:spLocks noGrp="1"/>
+          </p:cNvSpPr>
+          <p:nvPr>
+            <p:ph type="sldNum" sz="quarter" idx="5"/>
+          </p:nvPr>
+        </p:nvSpPr>
+        <p:spPr>
+          <a:xfrm>
+            <a:off x="3884613" y="8685213"/>
+            <a:ext cx="2971800" cy="458787"/>
+          </a:xfrm>
+          <a:prstGeom prst="rect">
+            <a:avLst/>
+          </a:prstGeom>
+        </p:spPr>
+        <p:txBody>
+          <a:bodyPr vert="horz" lIns="91440" tIns="45720" rIns="91440" bIns="45720" rtlCol="0" anchor="b"/>
+          <a:lstStyle>
+            <a:lvl1pPr algn="r">
+              <a:defRPr sz="1200"/>
+            </a:lvl1pPr>
+          </a:lstStyle>
+          <a:p>
+            <a:fld id="{944946FB-02F1-49EA-908C-E0AB900FAC44}" type="slidenum">
+              <a:rPr lang="el-GR" smtClean="0"/>
+              <a:t>‹#›</a:t>
+            </a:fld>
+            <a:endParaRPr lang="el-GR"/>
+          </a:p>
+        </p:txBody>
+      </p:sp>
+    </p:spTree>
+    <p:extLst>
+      <p:ext uri="{BB962C8B-B14F-4D97-AF65-F5344CB8AC3E}">
+        <p14:creationId xmlns:p14="http://schemas.microsoft.com/office/powerpoint/2010/main" val="4257820169"/>
+      </p:ext>
+    </p:extLst>
+  </p:cSld>
+  <p:clrMap bg1="lt1" tx1="dk1" bg2="lt2" tx2="dk2" accent1="accent1" accent2="accent2" accent3="accent3" accent4="accent4" accent5="accent5" accent6="accent6" hlink="hlink" folHlink="folHlink"/>
+  <p:notesStyle>
+    <a:lvl1pPr marL="0" algn="l" defTabSz="914400" rtl="0" eaLnBrk="1" latinLnBrk="0" hangingPunct="1">
+      <a:defRPr sz="1200" kern="1200">
         <a:solidFill>
-          <a:schemeClr val="tx1">
-            <a:lumMod val="15000"/>
-            <a:lumOff val="85000"/>
-          </a:schemeClr>
+          <a:schemeClr val="tx1"/>
         </a:solidFill>
-        <a:round/>
-        <a:headEnd type="none" w="sm" len="sm"/>
-        <a:tailEnd type="none" w="sm" len="sm"/>
-      </a:ln>
-    </cs:spPr>
-    <cs:defRPr sz="1197" kern="1200"/>
-  </cs:categoryAxis>
-  <cs:chartArea mods="allowNoFillOverride allowNoLineOverride">
-    <cs:lnRef idx="0"/>
-    <cs:fillRef idx="0"/>
-    <cs:effectRef idx="0"/>
-    <cs:fontRef idx="minor">
-      <a:schemeClr val="dk1"/>
-    </cs:fontRef>
-    <cs:spPr>
-      <a:solidFill>
-        <a:schemeClr val="bg1"/>
-      </a:solidFill>
-      <a:ln w="9525" cap="flat" cmpd="sng" algn="ctr">
+        <a:latin typeface="+mn-lt"/>
+        <a:ea typeface="+mn-ea"/>
+        <a:cs typeface="+mn-cs"/>
+      </a:defRPr>
+    </a:lvl1pPr>
+    <a:lvl2pPr marL="457200" algn="l" defTabSz="914400" rtl="0" eaLnBrk="1" latinLnBrk="0" hangingPunct="1">
+      <a:defRPr sz="1200" kern="1200">
         <a:solidFill>
-          <a:schemeClr val="tx1">
-            <a:lumMod val="15000"/>
-            <a:lumOff val="85000"/>
-          </a:schemeClr>
+          <a:schemeClr val="tx1"/>
         </a:solidFill>
-        <a:round/>
-      </a:ln>
-    </cs:spPr>
-    <cs:defRPr sz="1197" kern="1200"/>
-  </cs:chartArea>
-  <cs:dataLabel>
-    <cs:lnRef idx="0"/>
-    <cs:fillRef idx="0"/>
-    <cs:effectRef idx="0"/>
-    <cs:fontRef idx="minor">
-      <a:schemeClr val="tx1">
-        <a:lumMod val="75000"/>
-        <a:lumOff val="25000"/>
-      </a:schemeClr>
-    </cs:fontRef>
-    <cs:defRPr sz="1197" kern="1200"/>
-  </cs:dataLabel>
-  <cs:dataLabelCallout>
-    <cs:lnRef idx="0"/>
-    <cs:fillRef idx="0"/>
-    <cs:effectRef idx="0"/>
-    <cs:fontRef idx="minor">
-      <a:schemeClr val="bg1"/>
-    </cs:fontRef>
-    <cs:spPr>
-      <a:solidFill>
-        <a:schemeClr val="tx1">
-          <a:lumMod val="50000"/>
-          <a:lumOff val="50000"/>
-        </a:schemeClr>
-      </a:solidFill>
-    </cs:spPr>
-    <cs:defRPr sz="1197" kern="1200"/>
-    <cs:bodyPr rot="0" spcFirstLastPara="1" vertOverflow="clip" horzOverflow="clip" vert="horz" wrap="square" lIns="36576" tIns="18288" rIns="36576" bIns="18288" anchor="ctr" anchorCtr="1">
-      <a:spAutoFit/>
-    </cs:bodyPr>
-  </cs:dataLabelCallout>
-  <cs:dataPoint>
-    <cs:lnRef idx="0"/>
-    <cs:fillRef idx="0">
-      <cs:styleClr val="auto"/>
-    </cs:fillRef>
-    <cs:effectRef idx="0"/>
-    <cs:fontRef idx="minor">
-      <a:schemeClr val="dk1"/>
-    </cs:fontRef>
-    <cs:spPr>
-      <a:gradFill flip="none" rotWithShape="1">
-        <a:gsLst>
-          <a:gs pos="0">
-            <a:schemeClr val="phClr"/>
-          </a:gs>
-          <a:gs pos="75000">
-            <a:schemeClr val="phClr">
-              <a:lumMod val="60000"/>
-              <a:lumOff val="40000"/>
-            </a:schemeClr>
-          </a:gs>
-          <a:gs pos="51000">
-            <a:schemeClr val="phClr">
-              <a:alpha val="75000"/>
-            </a:schemeClr>
-          </a:gs>
-          <a:gs pos="100000">
-            <a:schemeClr val="phClr">
-              <a:lumMod val="20000"/>
-              <a:lumOff val="80000"/>
-              <a:alpha val="15000"/>
-            </a:schemeClr>
-          </a:gs>
-        </a:gsLst>
-        <a:lin ang="10800000" scaled="1"/>
-        <a:tileRect/>
-      </a:gradFill>
-    </cs:spPr>
-  </cs:dataPoint>
-  <cs:dataPoint3D>
-    <cs:lnRef idx="0"/>
-    <cs:fillRef idx="0">
-      <cs:styleClr val="auto"/>
-    </cs:fillRef>
-    <cs:effectRef idx="0"/>
-    <cs:fontRef idx="minor">
-      <a:schemeClr val="dk1"/>
-    </cs:fontRef>
-    <cs:spPr>
-      <a:gradFill flip="none" rotWithShape="1">
-        <a:gsLst>
-          <a:gs pos="0">
-            <a:schemeClr val="phClr"/>
-          </a:gs>
-          <a:gs pos="75000">
-            <a:schemeClr val="phClr">
-              <a:lumMod val="60000"/>
-              <a:lumOff val="40000"/>
-            </a:schemeClr>
-          </a:gs>
-          <a:gs pos="51000">
-            <a:schemeClr val="phClr">
-              <a:alpha val="75000"/>
-            </a:schemeClr>
-          </a:gs>
-          <a:gs pos="100000">
-            <a:schemeClr val="phClr">
-              <a:lumMod val="20000"/>
-              <a:lumOff val="80000"/>
-              <a:alpha val="15000"/>
-            </a:schemeClr>
-          </a:gs>
-        </a:gsLst>
-        <a:lin ang="10800000" scaled="1"/>
-        <a:tileRect/>
-      </a:gradFill>
-    </cs:spPr>
-  </cs:dataPoint3D>
-  <cs:dataPointLine>
-    <cs:lnRef idx="0">
-      <cs:styleClr val="auto"/>
-    </cs:lnRef>
-    <cs:fillRef idx="0"/>
-    <cs:effectRef idx="0"/>
-    <cs:fontRef idx="minor">
-      <a:schemeClr val="dk1"/>
-    </cs:fontRef>
-    <cs:spPr>
-      <a:ln w="28575" cap="rnd">
+        <a:latin typeface="+mn-lt"/>
+        <a:ea typeface="+mn-ea"/>
+        <a:cs typeface="+mn-cs"/>
+      </a:defRPr>
+    </a:lvl2pPr>
+    <a:lvl3pPr marL="914400" algn="l" defTabSz="914400" rtl="0" eaLnBrk="1" latinLnBrk="0" hangingPunct="1">
+      <a:defRPr sz="1200" kern="1200">
         <a:solidFill>
-          <a:schemeClr val="phClr"/>
+          <a:schemeClr val="tx1"/>
         </a:solidFill>
-        <a:round/>
-      </a:ln>
-    </cs:spPr>
-  </cs:dataPointLine>
-  <cs:dataPointMarker>
-    <cs:lnRef idx="0">
-      <cs:styleClr val="auto"/>
-    </cs:lnRef>
-    <cs:fillRef idx="0">
-      <cs:styleClr val="auto"/>
-    </cs:fillRef>
-    <cs:effectRef idx="0"/>
-    <cs:fontRef idx="minor">
-      <a:schemeClr val="dk1"/>
-    </cs:fontRef>
-    <cs:spPr>
-      <a:gradFill>
-        <a:gsLst>
-          <a:gs pos="0">
-            <a:schemeClr val="phClr"/>
-          </a:gs>
-          <a:gs pos="46000">
-            <a:schemeClr val="phClr"/>
-          </a:gs>
-          <a:gs pos="100000">
-            <a:schemeClr val="phClr">
-              <a:lumMod val="20000"/>
-              <a:lumOff val="80000"/>
-              <a:alpha val="0"/>
-            </a:schemeClr>
-          </a:gs>
-        </a:gsLst>
-        <a:path path="circle">
-          <a:fillToRect l="50000" t="-80000" r="50000" b="180000"/>
-        </a:path>
-      </a:gradFill>
-      <a:ln w="9525" cap="flat" cmpd="sng" algn="ctr">
+        <a:latin typeface="+mn-lt"/>
+        <a:ea typeface="+mn-ea"/>
+        <a:cs typeface="+mn-cs"/>
+      </a:defRPr>
+    </a:lvl3pPr>
+    <a:lvl4pPr marL="1371600" algn="l" defTabSz="914400" rtl="0" eaLnBrk="1" latinLnBrk="0" hangingPunct="1">
+      <a:defRPr sz="1200" kern="1200">
         <a:solidFill>
-          <a:schemeClr val="phClr">
-            <a:shade val="95000"/>
-          </a:schemeClr>
+          <a:schemeClr val="tx1"/>
         </a:solidFill>
-        <a:round/>
-      </a:ln>
-    </cs:spPr>
-  </cs:dataPointMarker>
-  <cs:dataPointMarkerLayout symbol="circle" size="6"/>
-  <cs:dataPointWireframe>
-    <cs:lnRef idx="0">
-      <cs:styleClr val="auto"/>
-    </cs:lnRef>
-    <cs:fillRef idx="0"/>
-    <cs:effectRef idx="0"/>
-    <cs:fontRef idx="minor">
-      <a:schemeClr val="dk1"/>
-    </cs:fontRef>
-    <cs:spPr>
-      <a:ln w="9525" cap="rnd">
+        <a:latin typeface="+mn-lt"/>
+        <a:ea typeface="+mn-ea"/>
+        <a:cs typeface="+mn-cs"/>
+      </a:defRPr>
+    </a:lvl4pPr>
+    <a:lvl5pPr marL="1828800" algn="l" defTabSz="914400" rtl="0" eaLnBrk="1" latinLnBrk="0" hangingPunct="1">
+      <a:defRPr sz="1200" kern="1200">
         <a:solidFill>
-          <a:schemeClr val="phClr"/>
+          <a:schemeClr val="tx1"/>
         </a:solidFill>
-        <a:round/>
-      </a:ln>
-    </cs:spPr>
-  </cs:dataPointWireframe>
-  <cs:dataTable>
-    <cs:lnRef idx="0"/>
-    <cs:fillRef idx="0"/>
-    <cs:effectRef idx="0"/>
-    <cs:fontRef idx="minor">
-      <a:schemeClr val="tx1">
-        <a:lumMod val="65000"/>
-        <a:lumOff val="35000"/>
-      </a:schemeClr>
-    </cs:fontRef>
-    <cs:spPr>
-      <a:ln w="9525">
+        <a:latin typeface="+mn-lt"/>
+        <a:ea typeface="+mn-ea"/>
+        <a:cs typeface="+mn-cs"/>
+      </a:defRPr>
+    </a:lvl5pPr>
+    <a:lvl6pPr marL="2286000" algn="l" defTabSz="914400" rtl="0" eaLnBrk="1" latinLnBrk="0" hangingPunct="1">
+      <a:defRPr sz="1200" kern="1200">
         <a:solidFill>
-          <a:schemeClr val="tx1">
-            <a:lumMod val="15000"/>
-            <a:lumOff val="85000"/>
-          </a:schemeClr>
+          <a:schemeClr val="tx1"/>
         </a:solidFill>
-      </a:ln>
-    </cs:spPr>
-    <cs:defRPr sz="1197" kern="1200"/>
-  </cs:dataTable>
-  <cs:downBar>
-    <cs:lnRef idx="0"/>
-    <cs:fillRef idx="0"/>
-    <cs:effectRef idx="0"/>
-    <cs:fontRef idx="minor">
-      <a:schemeClr val="dk1"/>
-    </cs:fontRef>
-    <cs:spPr>
-      <a:solidFill>
-        <a:schemeClr val="dk1">
-          <a:lumMod val="75000"/>
-          <a:lumOff val="25000"/>
-        </a:schemeClr>
-      </a:solidFill>
-      <a:ln w="9525">
+        <a:latin typeface="+mn-lt"/>
+        <a:ea typeface="+mn-ea"/>
+        <a:cs typeface="+mn-cs"/>
+      </a:defRPr>
+    </a:lvl6pPr>
+    <a:lvl7pPr marL="2743200" algn="l" defTabSz="914400" rtl="0" eaLnBrk="1" latinLnBrk="0" hangingPunct="1">
+      <a:defRPr sz="1200" kern="1200">
         <a:solidFill>
-          <a:schemeClr val="tx1">
-            <a:lumMod val="65000"/>
-            <a:lumOff val="35000"/>
-          </a:schemeClr>
+          <a:schemeClr val="tx1"/>
         </a:solidFill>
-      </a:ln>
-    </cs:spPr>
-  </cs:downBar>
-  <cs:dropLine>
-    <cs:lnRef idx="0"/>
-    <cs:fillRef idx="0"/>
-    <cs:effectRef idx="0"/>
-    <cs:fontRef idx="minor">
-      <a:schemeClr val="dk1"/>
-    </cs:fontRef>
-    <cs:spPr>
-      <a:ln w="9525">
+        <a:latin typeface="+mn-lt"/>
+        <a:ea typeface="+mn-ea"/>
+        <a:cs typeface="+mn-cs"/>
+      </a:defRPr>
+    </a:lvl7pPr>
+    <a:lvl8pPr marL="3200400" algn="l" defTabSz="914400" rtl="0" eaLnBrk="1" latinLnBrk="0" hangingPunct="1">
+      <a:defRPr sz="1200" kern="1200">
         <a:solidFill>
-          <a:schemeClr val="tx1">
-            <a:lumMod val="35000"/>
-            <a:lumOff val="65000"/>
-          </a:schemeClr>
+          <a:schemeClr val="tx1"/>
         </a:solidFill>
-      </a:ln>
-    </cs:spPr>
-  </cs:dropLine>
-  <cs:errorBar>
-    <cs:lnRef idx="0"/>
-    <cs:fillRef idx="0"/>
-    <cs:effectRef idx="0"/>
-    <cs:fontRef idx="minor">
-      <a:schemeClr val="dk1"/>
-    </cs:fontRef>
-    <cs:spPr>
-      <a:ln w="9525" cap="flat" cmpd="sng" algn="ctr">
+        <a:latin typeface="+mn-lt"/>
+        <a:ea typeface="+mn-ea"/>
+        <a:cs typeface="+mn-cs"/>
+      </a:defRPr>
+    </a:lvl8pPr>
+    <a:lvl9pPr marL="3657600" algn="l" defTabSz="914400" rtl="0" eaLnBrk="1" latinLnBrk="0" hangingPunct="1">
+      <a:defRPr sz="1200" kern="1200">
         <a:solidFill>
-          <a:schemeClr val="tx1">
-            <a:lumMod val="65000"/>
-            <a:lumOff val="35000"/>
-          </a:schemeClr>
+          <a:schemeClr val="tx1"/>
         </a:solidFill>
-        <a:round/>
-      </a:ln>
-    </cs:spPr>
-  </cs:errorBar>
-  <cs:floor>
-    <cs:lnRef idx="0"/>
-    <cs:fillRef idx="0"/>
-    <cs:effectRef idx="0"/>
-    <cs:fontRef idx="minor">
-      <a:schemeClr val="dk1"/>
-    </cs:fontRef>
-  </cs:floor>
-  <cs:gridlineMajor>
-    <cs:lnRef idx="0"/>
-    <cs:fillRef idx="0"/>
-    <cs:effectRef idx="0"/>
-    <cs:fontRef idx="minor">
-      <a:schemeClr val="dk1"/>
-    </cs:fontRef>
-    <cs:spPr>
-      <a:ln w="9525" cap="flat" cmpd="sng" algn="ctr">
-        <a:gradFill>
-          <a:gsLst>
-            <a:gs pos="99000">
-              <a:schemeClr val="tx1">
-                <a:lumMod val="25000"/>
-                <a:lumOff val="75000"/>
-              </a:schemeClr>
-            </a:gs>
-            <a:gs pos="0">
-              <a:schemeClr val="tx1">
-                <a:lumMod val="15000"/>
-                <a:lumOff val="85000"/>
-              </a:schemeClr>
-            </a:gs>
-          </a:gsLst>
-          <a:lin ang="5400000" scaled="0"/>
-        </a:gradFill>
-        <a:round/>
-      </a:ln>
-    </cs:spPr>
-  </cs:gridlineMajor>
-  <cs:gridlineMinor>
-    <cs:lnRef idx="0"/>
-    <cs:fillRef idx="0"/>
-    <cs:effectRef idx="0"/>
-    <cs:fontRef idx="minor">
-      <a:schemeClr val="dk1"/>
-    </cs:fontRef>
-    <cs:spPr>
-      <a:ln w="9525" cap="flat" cmpd="sng" algn="ctr">
-        <a:gradFill>
-          <a:gsLst>
-            <a:gs pos="100000">
-              <a:schemeClr val="tx1">
-                <a:lumMod val="15000"/>
-                <a:lumOff val="85000"/>
-              </a:schemeClr>
-            </a:gs>
-            <a:gs pos="0">
-              <a:schemeClr val="tx1">
-                <a:lumMod val="5000"/>
-                <a:lumOff val="95000"/>
-              </a:schemeClr>
-            </a:gs>
-          </a:gsLst>
-          <a:lin ang="5400000" scaled="0"/>
-        </a:gradFill>
-        <a:round/>
-      </a:ln>
-    </cs:spPr>
-  </cs:gridlineMinor>
-  <cs:hiLoLine>
-    <cs:lnRef idx="0"/>
-    <cs:fillRef idx="0"/>
-    <cs:effectRef idx="0"/>
-    <cs:fontRef idx="minor">
-      <a:schemeClr val="dk1"/>
-    </cs:fontRef>
-    <cs:spPr>
-      <a:ln w="9525">
-        <a:solidFill>
-          <a:schemeClr val="tx1">
-            <a:lumMod val="50000"/>
-            <a:lumOff val="50000"/>
-          </a:schemeClr>
-        </a:solidFill>
-      </a:ln>
-    </cs:spPr>
-  </cs:hiLoLine>
-  <cs:leaderLine>
-    <cs:lnRef idx="0"/>
-    <cs:fillRef idx="0"/>
-    <cs:effectRef idx="0"/>
-    <cs:fontRef idx="minor">
-      <a:schemeClr val="dk1"/>
-    </cs:fontRef>
-    <cs:spPr>
-      <a:ln w="9525">
-        <a:solidFill>
-          <a:schemeClr val="tx1">
-            <a:lumMod val="35000"/>
-            <a:lumOff val="65000"/>
-          </a:schemeClr>
-        </a:solidFill>
-      </a:ln>
-    </cs:spPr>
-  </cs:leaderLine>
-  <cs:legend>
-    <cs:lnRef idx="0"/>
-    <cs:fillRef idx="0"/>
-    <cs:effectRef idx="0"/>
-    <cs:fontRef idx="minor">
-      <a:schemeClr val="tx1">
-        <a:lumMod val="65000"/>
-        <a:lumOff val="35000"/>
-      </a:schemeClr>
-    </cs:fontRef>
-    <cs:defRPr sz="1197" kern="1200"/>
-  </cs:legend>
-  <cs:plotArea mods="allowNoFillOverride allowNoLineOverride">
-    <cs:lnRef idx="0"/>
-    <cs:fillRef idx="0"/>
-    <cs:effectRef idx="0"/>
-    <cs:fontRef idx="minor">
-      <a:schemeClr val="dk1"/>
-    </cs:fontRef>
-  </cs:plotArea>
-  <cs:plotArea3D mods="allowNoFillOverride allowNoLineOverride">
-    <cs:lnRef idx="0"/>
-    <cs:fillRef idx="0"/>
-    <cs:effectRef idx="0"/>
-    <cs:fontRef idx="minor">
-      <a:schemeClr val="dk1"/>
-    </cs:fontRef>
-  </cs:plotArea3D>
-  <cs:seriesAxis>
-    <cs:lnRef idx="0"/>
-    <cs:fillRef idx="0"/>
-    <cs:effectRef idx="0"/>
-    <cs:fontRef idx="minor">
-      <a:schemeClr val="tx1">
-        <a:lumMod val="65000"/>
-        <a:lumOff val="35000"/>
-      </a:schemeClr>
-    </cs:fontRef>
-    <cs:spPr>
-      <a:ln w="9525" cap="flat" cmpd="sng" algn="ctr">
-        <a:solidFill>
-          <a:schemeClr val="tx1">
-            <a:lumMod val="15000"/>
-            <a:lumOff val="85000"/>
-          </a:schemeClr>
-        </a:solidFill>
-        <a:round/>
-        <a:headEnd type="none" w="sm" len="sm"/>
-        <a:tailEnd type="none" w="sm" len="sm"/>
-      </a:ln>
-    </cs:spPr>
-    <cs:defRPr sz="1197" kern="1200"/>
-  </cs:seriesAxis>
-  <cs:seriesLine>
-    <cs:lnRef idx="0"/>
-    <cs:fillRef idx="0"/>
-    <cs:effectRef idx="0"/>
-    <cs:fontRef idx="minor">
-      <a:schemeClr val="dk1"/>
-    </cs:fontRef>
-    <cs:spPr>
-      <a:ln w="9525">
-        <a:solidFill>
-          <a:schemeClr val="tx1">
-            <a:lumMod val="35000"/>
-            <a:lumOff val="65000"/>
-          </a:schemeClr>
-        </a:solidFill>
-        <a:round/>
-      </a:ln>
-    </cs:spPr>
-  </cs:seriesLine>
-  <cs:title>
-    <cs:lnRef idx="0"/>
-    <cs:fillRef idx="0"/>
-    <cs:effectRef idx="0"/>
-    <cs:fontRef idx="minor">
-      <a:schemeClr val="tx1">
-        <a:lumMod val="65000"/>
-        <a:lumOff val="35000"/>
-      </a:schemeClr>
-    </cs:fontRef>
-    <cs:defRPr sz="2200" b="1" kern="1200" cap="all" spc="50" baseline="0"/>
-  </cs:title>
-  <cs:trendline>
-    <cs:lnRef idx="0">
-      <cs:styleClr val="auto"/>
-    </cs:lnRef>
-    <cs:fillRef idx="0"/>
-    <cs:effectRef idx="0"/>
-    <cs:fontRef idx="minor">
-      <a:schemeClr val="dk1"/>
-    </cs:fontRef>
-    <cs:spPr>
-      <a:ln w="9525" cap="rnd">
-        <a:solidFill>
-          <a:schemeClr val="phClr"/>
-        </a:solidFill>
-      </a:ln>
-    </cs:spPr>
-  </cs:trendline>
-  <cs:trendlineLabel>
-    <cs:lnRef idx="0"/>
-    <cs:fillRef idx="0"/>
-    <cs:effectRef idx="0"/>
-    <cs:fontRef idx="minor">
-      <a:schemeClr val="tx1">
-        <a:lumMod val="65000"/>
-        <a:lumOff val="35000"/>
-      </a:schemeClr>
-    </cs:fontRef>
-    <cs:defRPr sz="1197" kern="1200"/>
-  </cs:trendlineLabel>
-  <cs:upBar>
-    <cs:lnRef idx="0"/>
-    <cs:fillRef idx="0"/>
-    <cs:effectRef idx="0"/>
-    <cs:fontRef idx="minor">
-      <a:schemeClr val="dk1"/>
-    </cs:fontRef>
-    <cs:spPr>
-      <a:solidFill>
-        <a:schemeClr val="lt1"/>
-      </a:solidFill>
-      <a:ln w="9525">
-        <a:solidFill>
-          <a:schemeClr val="tx1">
-            <a:lumMod val="65000"/>
-            <a:lumOff val="35000"/>
-          </a:schemeClr>
-        </a:solidFill>
-      </a:ln>
-    </cs:spPr>
-  </cs:upBar>
-  <cs:valueAxis>
-    <cs:lnRef idx="0"/>
-    <cs:fillRef idx="0"/>
-    <cs:effectRef idx="0"/>
-    <cs:fontRef idx="minor">
-      <a:schemeClr val="tx1">
-        <a:lumMod val="65000"/>
-        <a:lumOff val="35000"/>
-      </a:schemeClr>
-    </cs:fontRef>
-    <cs:defRPr sz="1197" kern="1200"/>
-  </cs:valueAxis>
-  <cs:wall>
-    <cs:lnRef idx="0"/>
-    <cs:fillRef idx="0"/>
-    <cs:effectRef idx="0"/>
-    <cs:fontRef idx="minor">
-      <a:schemeClr val="dk1"/>
-    </cs:fontRef>
-  </cs:wall>
-</cs:chartStyle>
+        <a:latin typeface="+mn-lt"/>
+        <a:ea typeface="+mn-ea"/>
+        <a:cs typeface="+mn-cs"/>
+      </a:defRPr>
+    </a:lvl9pPr>
+  </p:notesStyle>
+</p:notesMaster>
 </file>
 
 <file path=ppt/slideLayouts/slideLayout1.xml><?xml version="1.0" encoding="utf-8"?>
@@ -1454,7 +634,7 @@
           <a:p>
             <a:fld id="{1E7BDFE0-2BC2-4DEF-8E66-A19F360C8501}" type="datetimeFigureOut">
               <a:rPr lang="el-GR" smtClean="0"/>
-              <a:t>25/1/2025</a:t>
+              <a:t>26/1/2025</a:t>
             </a:fld>
             <a:endParaRPr lang="el-GR"/>
           </a:p>
@@ -1654,7 +834,7 @@
           <a:p>
             <a:fld id="{1E7BDFE0-2BC2-4DEF-8E66-A19F360C8501}" type="datetimeFigureOut">
               <a:rPr lang="el-GR" smtClean="0"/>
-              <a:t>25/1/2025</a:t>
+              <a:t>26/1/2025</a:t>
             </a:fld>
             <a:endParaRPr lang="el-GR"/>
           </a:p>
@@ -1864,7 +1044,7 @@
           <a:p>
             <a:fld id="{1E7BDFE0-2BC2-4DEF-8E66-A19F360C8501}" type="datetimeFigureOut">
               <a:rPr lang="el-GR" smtClean="0"/>
-              <a:t>25/1/2025</a:t>
+              <a:t>26/1/2025</a:t>
             </a:fld>
             <a:endParaRPr lang="el-GR"/>
           </a:p>
@@ -2064,7 +1244,7 @@
           <a:p>
             <a:fld id="{1E7BDFE0-2BC2-4DEF-8E66-A19F360C8501}" type="datetimeFigureOut">
               <a:rPr lang="el-GR" smtClean="0"/>
-              <a:t>25/1/2025</a:t>
+              <a:t>26/1/2025</a:t>
             </a:fld>
             <a:endParaRPr lang="el-GR"/>
           </a:p>
@@ -2340,7 +1520,7 @@
           <a:p>
             <a:fld id="{1E7BDFE0-2BC2-4DEF-8E66-A19F360C8501}" type="datetimeFigureOut">
               <a:rPr lang="el-GR" smtClean="0"/>
-              <a:t>25/1/2025</a:t>
+              <a:t>26/1/2025</a:t>
             </a:fld>
             <a:endParaRPr lang="el-GR"/>
           </a:p>
@@ -2608,7 +1788,7 @@
           <a:p>
             <a:fld id="{1E7BDFE0-2BC2-4DEF-8E66-A19F360C8501}" type="datetimeFigureOut">
               <a:rPr lang="el-GR" smtClean="0"/>
-              <a:t>25/1/2025</a:t>
+              <a:t>26/1/2025</a:t>
             </a:fld>
             <a:endParaRPr lang="el-GR"/>
           </a:p>
@@ -3023,7 +2203,7 @@
           <a:p>
             <a:fld id="{1E7BDFE0-2BC2-4DEF-8E66-A19F360C8501}" type="datetimeFigureOut">
               <a:rPr lang="el-GR" smtClean="0"/>
-              <a:t>25/1/2025</a:t>
+              <a:t>26/1/2025</a:t>
             </a:fld>
             <a:endParaRPr lang="el-GR"/>
           </a:p>
@@ -3165,7 +2345,7 @@
           <a:p>
             <a:fld id="{1E7BDFE0-2BC2-4DEF-8E66-A19F360C8501}" type="datetimeFigureOut">
               <a:rPr lang="el-GR" smtClean="0"/>
-              <a:t>25/1/2025</a:t>
+              <a:t>26/1/2025</a:t>
             </a:fld>
             <a:endParaRPr lang="el-GR"/>
           </a:p>
@@ -3278,7 +2458,7 @@
           <a:p>
             <a:fld id="{1E7BDFE0-2BC2-4DEF-8E66-A19F360C8501}" type="datetimeFigureOut">
               <a:rPr lang="el-GR" smtClean="0"/>
-              <a:t>25/1/2025</a:t>
+              <a:t>26/1/2025</a:t>
             </a:fld>
             <a:endParaRPr lang="el-GR"/>
           </a:p>
@@ -3591,7 +2771,7 @@
           <a:p>
             <a:fld id="{1E7BDFE0-2BC2-4DEF-8E66-A19F360C8501}" type="datetimeFigureOut">
               <a:rPr lang="el-GR" smtClean="0"/>
-              <a:t>25/1/2025</a:t>
+              <a:t>26/1/2025</a:t>
             </a:fld>
             <a:endParaRPr lang="el-GR"/>
           </a:p>
@@ -3880,7 +3060,7 @@
           <a:p>
             <a:fld id="{1E7BDFE0-2BC2-4DEF-8E66-A19F360C8501}" type="datetimeFigureOut">
               <a:rPr lang="el-GR" smtClean="0"/>
-              <a:t>25/1/2025</a:t>
+              <a:t>26/1/2025</a:t>
             </a:fld>
             <a:endParaRPr lang="el-GR"/>
           </a:p>
@@ -4123,7 +3303,7 @@
           <a:p>
             <a:fld id="{1E7BDFE0-2BC2-4DEF-8E66-A19F360C8501}" type="datetimeFigureOut">
               <a:rPr lang="el-GR" smtClean="0"/>
-              <a:t>25/1/2025</a:t>
+              <a:t>26/1/2025</a:t>
             </a:fld>
             <a:endParaRPr lang="el-GR"/>
           </a:p>
@@ -4574,17 +3754,7 @@
                 <a:effectLst/>
                 <a:latin typeface="Menlo"/>
               </a:rPr>
-              <a:t>Fake News Detection with </a:t>
-            </a:r>
-            <a:r>
-              <a:rPr lang="en-US" b="0" i="0">
-                <a:solidFill>
-                  <a:srgbClr val="404040"/>
-                </a:solidFill>
-                <a:effectLst/>
-                <a:latin typeface="Menlo"/>
-              </a:rPr>
-              <a:t>Machine Learning</a:t>
+              <a:t>Fake News Detection with Machine Learning</a:t>
             </a:r>
             <a:endParaRPr lang="el-GR" dirty="0"/>
           </a:p>
@@ -4670,8 +3840,30 @@
                 <a:effectLst/>
                 <a:latin typeface="Menlo"/>
               </a:rPr>
-              <a:t> &amp; Alexandros Dimakos </a:t>
-            </a:r>
+              <a:t> &amp; Alexandros Dimakos</a:t>
+            </a:r>
+          </a:p>
+          <a:p>
+            <a:pPr marL="0" indent="0" algn="ctr">
+              <a:buNone/>
+            </a:pPr>
+            <a:endParaRPr lang="en-US" dirty="0">
+              <a:solidFill>
+                <a:srgbClr val="404040"/>
+              </a:solidFill>
+              <a:latin typeface="Menlo"/>
+            </a:endParaRPr>
+          </a:p>
+          <a:p>
+            <a:pPr marL="0" indent="0" algn="ctr">
+              <a:buNone/>
+            </a:pPr>
+            <a:endParaRPr lang="en-US" dirty="0">
+              <a:solidFill>
+                <a:srgbClr val="404040"/>
+              </a:solidFill>
+              <a:latin typeface="Menlo"/>
+            </a:endParaRPr>
           </a:p>
           <a:p>
             <a:pPr marL="0" indent="0" algn="ctr">
@@ -4685,7 +3877,7 @@
                 <a:effectLst/>
                 <a:latin typeface="Menlo"/>
               </a:rPr>
-              <a:t> 27/1/2025</a:t>
+              <a:t>27/1/2025</a:t>
             </a:r>
           </a:p>
         </p:txBody>
@@ -4797,42 +3989,6 @@
           <a:xfrm>
             <a:off x="3051768" y="5922115"/>
             <a:ext cx="4178369" cy="882280"/>
-          </a:xfrm>
-          <a:prstGeom prst="rect">
-            <a:avLst/>
-          </a:prstGeom>
-        </p:spPr>
-      </p:pic>
-      <p:pic>
-        <p:nvPicPr>
-          <p:cNvPr id="8" name="Content Placeholder 4">
-            <a:extLst>
-              <a:ext uri="{FF2B5EF4-FFF2-40B4-BE49-F238E27FC236}">
-                <a16:creationId xmlns:a16="http://schemas.microsoft.com/office/drawing/2014/main" id="{8E1E5785-34B0-66E2-AB67-BED500D5FB08}"/>
-              </a:ext>
-            </a:extLst>
-          </p:cNvPr>
-          <p:cNvPicPr>
-            <a:picLocks noChangeAspect="1"/>
-          </p:cNvPicPr>
-          <p:nvPr/>
-        </p:nvPicPr>
-        <p:blipFill>
-          <a:blip r:embed="rId5">
-            <a:extLst>
-              <a:ext uri="{28A0092B-C50C-407E-A947-70E740481C1C}">
-                <a14:useLocalDpi xmlns:a14="http://schemas.microsoft.com/office/drawing/2010/main" val="0"/>
-              </a:ext>
-            </a:extLst>
-          </a:blip>
-          <a:stretch>
-            <a:fillRect/>
-          </a:stretch>
-        </p:blipFill>
-        <p:spPr>
-          <a:xfrm>
-            <a:off x="2115879" y="2998380"/>
-            <a:ext cx="2594345" cy="2594345"/>
           </a:xfrm>
           <a:prstGeom prst="rect">
             <a:avLst/>
@@ -4874,7 +4030,7 @@
           <p:cNvPr id="2" name="Title 1">
             <a:extLst>
               <a:ext uri="{FF2B5EF4-FFF2-40B4-BE49-F238E27FC236}">
-                <a16:creationId xmlns:a16="http://schemas.microsoft.com/office/drawing/2014/main" id="{B5B0E105-B1F1-C7F2-F3E4-6B49D4A71AB4}"/>
+                <a16:creationId xmlns:a16="http://schemas.microsoft.com/office/drawing/2014/main" id="{3DAADCAB-A5C1-84B9-DDE4-70803BE66570}"/>
               </a:ext>
             </a:extLst>
           </p:cNvPr>
@@ -4885,15 +4041,28 @@
             <p:ph type="title"/>
           </p:nvPr>
         </p:nvSpPr>
-        <p:spPr/>
-        <p:txBody>
-          <a:bodyPr/>
-          <a:lstStyle/>
-          <a:p>
-            <a:r>
+        <p:spPr>
+          <a:xfrm>
+            <a:off x="0" y="0"/>
+            <a:ext cx="11353800" cy="1690689"/>
+          </a:xfrm>
+        </p:spPr>
+        <p:txBody>
+          <a:bodyPr>
+            <a:normAutofit fontScale="90000"/>
+          </a:bodyPr>
+          <a:lstStyle/>
+          <a:p>
+            <a:r>
+              <a:rPr lang="en-US" sz="4900" b="1" dirty="0">
+                <a:effectLst/>
+                <a:latin typeface="Menlo"/>
+              </a:rPr>
+              <a:t>Text Preprocessing and Feature Extraction Techniques</a:t>
+            </a:r>
+            <a:br>
               <a:rPr lang="en-US" dirty="0"/>
-              <a:t>Diverse datasets enable comprehensive performance evaluations.</a:t>
-            </a:r>
+            </a:br>
             <a:endParaRPr lang="el-GR" dirty="0"/>
           </a:p>
         </p:txBody>
@@ -4903,7 +4072,7 @@
           <p:cNvPr id="3" name="Content Placeholder 2">
             <a:extLst>
               <a:ext uri="{FF2B5EF4-FFF2-40B4-BE49-F238E27FC236}">
-                <a16:creationId xmlns:a16="http://schemas.microsoft.com/office/drawing/2014/main" id="{06E44B26-104A-E2FA-88F7-FF0D49B52A8A}"/>
+                <a16:creationId xmlns:a16="http://schemas.microsoft.com/office/drawing/2014/main" id="{64A71D36-A0BD-B53A-9F82-7FAB4A67405B}"/>
               </a:ext>
             </a:extLst>
           </p:cNvPr>
@@ -4914,42 +4083,110 @@
             <p:ph idx="1"/>
           </p:nvPr>
         </p:nvSpPr>
-        <p:spPr/>
+        <p:spPr>
+          <a:xfrm>
+            <a:off x="0" y="1350335"/>
+            <a:ext cx="12192000" cy="5507665"/>
+          </a:xfrm>
+        </p:spPr>
         <p:txBody>
           <a:bodyPr>
-            <a:normAutofit fontScale="92500" lnSpcReduction="10000"/>
+            <a:normAutofit/>
           </a:bodyPr>
           <a:lstStyle/>
           <a:p>
-            <a:r>
-              <a:rPr lang="en-US" dirty="0"/>
-              <a:t>Role of Diverse Datasets in Evaluations: Diverse datasets are integral in evaluating the generalizability of machine learning algorithms across various contexts and scenarios.</a:t>
-            </a:r>
-          </a:p>
-          <a:p>
-            <a:r>
-              <a:rPr lang="en-US" dirty="0"/>
-              <a:t>Challenges in Dataset Diversity: Ensuring dataset diversity poses challenges, including bias mitigation and ensuring representative samples to reflect real-world complexities.</a:t>
-            </a:r>
-          </a:p>
-          <a:p>
-            <a:r>
-              <a:rPr lang="en-US" dirty="0"/>
-              <a:t>Creating Balanced Datasets for Fair Evaluation: Creating balanced datasets is crucial for fair evaluation, ensuring algorithms are tested on equally represented classes of data.</a:t>
-            </a:r>
-          </a:p>
-          <a:p>
-            <a:r>
-              <a:rPr lang="en-US" dirty="0"/>
-              <a:t>Impact of Dataset Quality on Evaluation: The quality of datasets directly impacts the evaluation outcomes, making it essential to utilize high-quality, well-structured datasets.</a:t>
-            </a:r>
+            <a:pPr marL="0" indent="0" algn="ctr">
+              <a:buNone/>
+            </a:pPr>
+            <a:r>
+              <a:rPr lang="en-US" sz="3000" b="1" dirty="0">
+                <a:solidFill>
+                  <a:srgbClr val="0073DF"/>
+                </a:solidFill>
+                <a:effectLst/>
+                <a:latin typeface="Inter"/>
+              </a:rPr>
+              <a:t>Key text cleaning steps for improved data quality and model accuracy</a:t>
+            </a:r>
+            <a:endParaRPr lang="en-US" sz="3000" b="1" dirty="0">
+              <a:solidFill>
+                <a:srgbClr val="0073DF"/>
+              </a:solidFill>
+              <a:latin typeface="Inter"/>
+            </a:endParaRPr>
+          </a:p>
+          <a:p>
+            <a:pPr marL="0" indent="0" algn="ctr">
+              <a:buNone/>
+            </a:pPr>
+            <a:endParaRPr lang="en-US" dirty="0">
+              <a:effectLst/>
+              <a:latin typeface="Inter"/>
+            </a:endParaRPr>
+          </a:p>
+          <a:p>
+            <a:pPr marL="514350" indent="-514350">
+              <a:buFont typeface="+mj-lt"/>
+              <a:buAutoNum type="arabicPeriod"/>
+            </a:pPr>
+            <a:r>
+              <a:rPr lang="en-US" sz="2600" b="1" dirty="0">
+                <a:latin typeface="Inter"/>
+              </a:rPr>
+              <a:t>Importance of Lowercasing in Text Processing for Consistency Across Datasets</a:t>
+            </a:r>
+            <a:r>
+              <a:rPr lang="en-US" sz="2600" dirty="0">
+                <a:latin typeface="Inter"/>
+              </a:rPr>
+              <a:t>: Lowercasing ensures uniformity in text data, reducing discrepancies caused by case sensitivity.</a:t>
+            </a:r>
+          </a:p>
+          <a:p>
+            <a:pPr marL="514350" indent="-514350">
+              <a:buFont typeface="+mj-lt"/>
+              <a:buAutoNum type="arabicPeriod"/>
+            </a:pPr>
+            <a:r>
+              <a:rPr lang="en-US" sz="2600" b="1" dirty="0">
+                <a:latin typeface="Inter"/>
+              </a:rPr>
+              <a:t>Significance of Special Character Removal in Data Preparation for NLP</a:t>
+            </a:r>
+            <a:r>
+              <a:rPr lang="en-US" sz="2600" dirty="0">
+                <a:latin typeface="Inter"/>
+              </a:rPr>
+              <a:t>: Removing special characters and HTML tags enhances text clarity, crucial for accurate analysis in NLP.</a:t>
+            </a:r>
+          </a:p>
+          <a:p>
+            <a:pPr marL="514350" indent="-514350">
+              <a:buFont typeface="+mj-lt"/>
+              <a:buAutoNum type="arabicPeriod"/>
+            </a:pPr>
+            <a:r>
+              <a:rPr lang="en-US" sz="2600" b="1" dirty="0">
+                <a:latin typeface="Inter"/>
+              </a:rPr>
+              <a:t>Effective Tokenization Techniques for Clear Word Separation in Text</a:t>
+            </a:r>
+            <a:r>
+              <a:rPr lang="en-US" sz="2600" dirty="0">
+                <a:latin typeface="Inter"/>
+              </a:rPr>
+              <a:t>: Tokenization effectively divides text into distinct words, allowing for granular analysis and processing.</a:t>
+            </a:r>
+            <a:endParaRPr lang="el-GR" sz="2600" dirty="0">
+              <a:latin typeface="Inter"/>
+            </a:endParaRPr>
           </a:p>
         </p:txBody>
       </p:sp>
     </p:spTree>
     <p:extLst>
       <p:ext uri="{BB962C8B-B14F-4D97-AF65-F5344CB8AC3E}">
-        <p14:creationId xmlns:p14="http://schemas.microsoft.com/office/powerpoint/2010/main" val="274171542"/>
+        <p14:creationId xmlns:p14="http://schemas.microsoft.com/office/powerpoint/2010/main" val="3451967697"/>
       </p:ext>
     </p:extLst>
   </p:cSld>
@@ -4960,7 +4197,7 @@
 </file>
 
 <file path=ppt/slides/slide11.xml><?xml version="1.0" encoding="utf-8"?>
-<p:sld xmlns:a="http://schemas.openxmlformats.org/drawingml/2006/main" xmlns:r="http://schemas.openxmlformats.org/officeDocument/2006/relationships" xmlns:p="http://schemas.openxmlformats.org/presentationml/2006/main">
+<p:sld xmlns:a="http://schemas.openxmlformats.org/drawingml/2006/main" xmlns:r="http://schemas.openxmlformats.org/officeDocument/2006/relationships" xmlns:p="http://schemas.openxmlformats.org/presentationml/2006/main" show="0">
   <p:cSld>
     <p:spTree>
       <p:nvGrpSpPr>
@@ -4981,7 +4218,7 @@
           <p:cNvPr id="2" name="Title 1">
             <a:extLst>
               <a:ext uri="{FF2B5EF4-FFF2-40B4-BE49-F238E27FC236}">
-                <a16:creationId xmlns:a16="http://schemas.microsoft.com/office/drawing/2014/main" id="{F5F8F384-F967-5813-1127-D108C0A1B2DB}"/>
+                <a16:creationId xmlns:a16="http://schemas.microsoft.com/office/drawing/2014/main" id="{44AD3AF0-9E14-B401-A95C-720ED5B409DC}"/>
               </a:ext>
             </a:extLst>
           </p:cNvPr>
@@ -4994,33 +4231,31 @@
         </p:nvSpPr>
         <p:spPr>
           <a:xfrm>
-            <a:off x="838200" y="574157"/>
-            <a:ext cx="10515600" cy="361507"/>
+            <a:off x="0" y="0"/>
+            <a:ext cx="12192000" cy="1796901"/>
           </a:xfrm>
         </p:spPr>
         <p:txBody>
           <a:bodyPr>
-            <a:normAutofit fontScale="90000"/>
+            <a:noAutofit/>
           </a:bodyPr>
           <a:lstStyle/>
           <a:p>
             <a:r>
-              <a:rPr lang="en-US" sz="4000" b="1" dirty="0">
-                <a:latin typeface="Arial" panose="020B0604020202020204" pitchFamily="34" charset="0"/>
-              </a:rPr>
-              <a:t> </a:t>
-            </a:r>
-            <a:r>
-              <a:rPr lang="en-US" sz="4000" b="1" dirty="0">
+              <a:rPr lang="en-US" b="1" dirty="0">
                 <a:effectLst/>
-                <a:latin typeface="Arial" panose="020B0604020202020204" pitchFamily="34" charset="0"/>
-              </a:rPr>
-              <a:t>Import Packages and Data Preparation Steps</a:t>
+                <a:latin typeface="Menlo"/>
+              </a:rPr>
+              <a:t>Exploring various vectorization methods for feature extraction</a:t>
             </a:r>
             <a:br>
-              <a:rPr lang="en-US" dirty="0"/>
+              <a:rPr lang="en-US" dirty="0">
+                <a:latin typeface="Menlo"/>
+              </a:rPr>
             </a:br>
-            <a:endParaRPr lang="el-GR" dirty="0"/>
+            <a:endParaRPr lang="el-GR" dirty="0">
+              <a:latin typeface="Menlo"/>
+            </a:endParaRPr>
           </a:p>
         </p:txBody>
       </p:sp>
@@ -5029,7 +4264,7 @@
           <p:cNvPr id="3" name="Content Placeholder 2">
             <a:extLst>
               <a:ext uri="{FF2B5EF4-FFF2-40B4-BE49-F238E27FC236}">
-                <a16:creationId xmlns:a16="http://schemas.microsoft.com/office/drawing/2014/main" id="{1A40A7C8-501F-D138-7FD4-2A63A0634A31}"/>
+                <a16:creationId xmlns:a16="http://schemas.microsoft.com/office/drawing/2014/main" id="{0DCACCA4-1C59-63F6-34FD-4EB629145E40}"/>
               </a:ext>
             </a:extLst>
           </p:cNvPr>
@@ -5042,59 +4277,269 @@
         </p:nvSpPr>
         <p:spPr>
           <a:xfrm>
-            <a:off x="838200" y="1190846"/>
-            <a:ext cx="10515600" cy="5582093"/>
+            <a:off x="0" y="1488558"/>
+            <a:ext cx="12192000" cy="5369441"/>
           </a:xfrm>
         </p:spPr>
         <p:txBody>
           <a:bodyPr>
-            <a:normAutofit fontScale="92500" lnSpcReduction="10000"/>
+            <a:normAutofit lnSpcReduction="10000"/>
           </a:bodyPr>
           <a:lstStyle/>
           <a:p>
-            <a:r>
-              <a:rPr lang="en-US" b="1" dirty="0">
+            <a:pPr marL="0" indent="0">
+              <a:lnSpc>
+                <a:spcPct val="107000"/>
+              </a:lnSpc>
+              <a:spcAft>
+                <a:spcPts val="800"/>
+              </a:spcAft>
+              <a:buNone/>
+            </a:pPr>
+            <a:r>
+              <a:rPr lang="en-US" sz="2600" kern="100" dirty="0">
+                <a:latin typeface="Inter"/>
+                <a:ea typeface="Calibri" panose="020F0502020204030204" pitchFamily="34" charset="0"/>
+                <a:cs typeface="Times New Roman" panose="02020603050405020304" pitchFamily="18" charset="0"/>
+              </a:rPr>
+              <a:t>Four</a:t>
+            </a:r>
+            <a:r>
+              <a:rPr lang="en-US" sz="2600" kern="100" dirty="0">
+                <a:effectLst/>
+                <a:latin typeface="Inter"/>
+                <a:ea typeface="Calibri" panose="020F0502020204030204" pitchFamily="34" charset="0"/>
+                <a:cs typeface="Times New Roman" panose="02020603050405020304" pitchFamily="18" charset="0"/>
+              </a:rPr>
+              <a:t> Vectorization Techniques:</a:t>
+            </a:r>
+            <a:endParaRPr lang="el-GR" sz="2600" kern="100" dirty="0">
+              <a:effectLst/>
+              <a:latin typeface="Inter"/>
+              <a:ea typeface="Calibri" panose="020F0502020204030204" pitchFamily="34" charset="0"/>
+              <a:cs typeface="Times New Roman" panose="02020603050405020304" pitchFamily="18" charset="0"/>
+            </a:endParaRPr>
+          </a:p>
+          <a:p>
+            <a:pPr marL="342900" lvl="0" indent="-342900">
+              <a:lnSpc>
+                <a:spcPct val="107000"/>
+              </a:lnSpc>
+              <a:spcAft>
+                <a:spcPts val="800"/>
+              </a:spcAft>
+              <a:buFont typeface="+mj-lt"/>
+              <a:buAutoNum type="arabicPeriod"/>
+              <a:tabLst>
+                <a:tab pos="457200" algn="l"/>
+              </a:tabLst>
+            </a:pPr>
+            <a:r>
+              <a:rPr lang="en-US" sz="2600" b="1" kern="100" dirty="0">
+                <a:effectLst/>
+                <a:latin typeface="Inter"/>
+                <a:ea typeface="Calibri" panose="020F0502020204030204" pitchFamily="34" charset="0"/>
+                <a:cs typeface="Times New Roman" panose="02020603050405020304" pitchFamily="18" charset="0"/>
+              </a:rPr>
+              <a:t>Binary </a:t>
+            </a:r>
+            <a:r>
+              <a:rPr lang="en-US" sz="2600" b="1" kern="100" dirty="0" err="1">
+                <a:effectLst/>
+                <a:latin typeface="Inter"/>
+                <a:ea typeface="Calibri" panose="020F0502020204030204" pitchFamily="34" charset="0"/>
+                <a:cs typeface="Times New Roman" panose="02020603050405020304" pitchFamily="18" charset="0"/>
+              </a:rPr>
+              <a:t>CountVectorizer</a:t>
+            </a:r>
+            <a:r>
+              <a:rPr lang="en-US" sz="2600" kern="100" dirty="0">
+                <a:effectLst/>
+                <a:latin typeface="Inter"/>
+                <a:ea typeface="Calibri" panose="020F0502020204030204" pitchFamily="34" charset="0"/>
+                <a:cs typeface="Times New Roman" panose="02020603050405020304" pitchFamily="18" charset="0"/>
+              </a:rPr>
+              <a:t> to track word presence and because it is simpler and faster, that makes it ideal for detecting buzzwords like "Trump" or "GOP".</a:t>
+            </a:r>
+          </a:p>
+          <a:p>
+            <a:pPr marL="0" lvl="0" indent="0">
+              <a:lnSpc>
+                <a:spcPct val="107000"/>
+              </a:lnSpc>
+              <a:spcAft>
+                <a:spcPts val="800"/>
+              </a:spcAft>
+              <a:buNone/>
+              <a:tabLst>
+                <a:tab pos="457200" algn="l"/>
+              </a:tabLst>
+            </a:pPr>
+            <a:r>
+              <a:rPr lang="en-US" sz="2600" b="1" kern="100" dirty="0">
+                <a:latin typeface="Inter"/>
+                <a:ea typeface="Calibri" panose="020F0502020204030204" pitchFamily="34" charset="0"/>
+                <a:cs typeface="Times New Roman" panose="02020603050405020304" pitchFamily="18" charset="0"/>
+              </a:rPr>
+              <a:t>2. </a:t>
+            </a:r>
+            <a:r>
+              <a:rPr lang="en-US" sz="2600" b="1" kern="100" dirty="0" err="1">
+                <a:effectLst/>
+                <a:latin typeface="Inter"/>
+                <a:ea typeface="Calibri" panose="020F0502020204030204" pitchFamily="34" charset="0"/>
+                <a:cs typeface="Times New Roman" panose="02020603050405020304" pitchFamily="18" charset="0"/>
+              </a:rPr>
+              <a:t>CountVectorizer</a:t>
+            </a:r>
+            <a:r>
+              <a:rPr lang="en-US" sz="2600" b="1" kern="100" dirty="0">
+                <a:effectLst/>
+                <a:latin typeface="Inter"/>
+                <a:ea typeface="Calibri" panose="020F0502020204030204" pitchFamily="34" charset="0"/>
+                <a:cs typeface="Times New Roman" panose="02020603050405020304" pitchFamily="18" charset="0"/>
+              </a:rPr>
+              <a:t> </a:t>
+            </a:r>
+            <a:r>
+              <a:rPr lang="en-US" sz="2600" kern="100" dirty="0">
+                <a:effectLst/>
+                <a:latin typeface="Inter"/>
+                <a:ea typeface="Calibri" panose="020F0502020204030204" pitchFamily="34" charset="0"/>
+                <a:cs typeface="Times New Roman" panose="02020603050405020304" pitchFamily="18" charset="0"/>
+              </a:rPr>
+              <a:t>to track counts of words in documents</a:t>
+            </a:r>
+            <a:r>
+              <a:rPr lang="en-US" sz="2600" b="1" kern="100" dirty="0">
+                <a:effectLst/>
+                <a:latin typeface="Inter"/>
+                <a:ea typeface="Calibri" panose="020F0502020204030204" pitchFamily="34" charset="0"/>
+                <a:cs typeface="Times New Roman" panose="02020603050405020304" pitchFamily="18" charset="0"/>
+              </a:rPr>
+              <a:t>.</a:t>
+            </a:r>
+            <a:r>
+              <a:rPr lang="en-US" sz="1600" b="1" i="0" dirty="0">
                 <a:solidFill>
-                  <a:srgbClr val="0073DF"/>
+                  <a:srgbClr val="404040"/>
                 </a:solidFill>
                 <a:effectLst/>
-                <a:latin typeface="Arial" panose="020B0604020202020204" pitchFamily="34" charset="0"/>
-              </a:rPr>
-              <a:t>Essential Python libraries for data manipulation and machine learning</a:t>
-            </a:r>
-            <a:endParaRPr lang="en-US" dirty="0"/>
-          </a:p>
-          <a:p>
-            <a:r>
-              <a:rPr lang="en-US" dirty="0"/>
-              <a:t>Core Libraries for Data Manipulation and Analysis: Essential libraries such as pandas simplify data handling, enabling efficient data analysis and manipulation during the project.</a:t>
-            </a:r>
-          </a:p>
-          <a:p>
-            <a:r>
-              <a:rPr lang="en-US" dirty="0"/>
-              <a:t>Text Processing with NLTK for Enhanced Data Quality: Utilizing NLTK for comprehensive text processing ensures refined data by removing </a:t>
-            </a:r>
-            <a:r>
-              <a:rPr lang="en-US" dirty="0" err="1"/>
-              <a:t>stopwords</a:t>
-            </a:r>
-            <a:r>
-              <a:rPr lang="en-US" dirty="0"/>
-              <a:t> and performing stemming. </a:t>
-            </a:r>
-          </a:p>
-          <a:p>
-            <a:r>
-              <a:rPr lang="en-US" dirty="0"/>
-              <a:t>Machine Learning Frameworks for Model Development: Scikit-learn provides a robust framework for implementing various machine learning algorithms, enhancing model accuracy and evaluation.</a:t>
-            </a:r>
-          </a:p>
-          <a:p>
-            <a:r>
-              <a:rPr lang="en-US" dirty="0"/>
-              <a:t>Word Embeddings with Word2Vec for Semantic Understanding:Word2Vec captures the semantic meaning of words, enriching text representation through 300-dimensional embeddings for improved model performance.</a:t>
-            </a:r>
+                <a:latin typeface="Inter"/>
+              </a:rPr>
+              <a:t> </a:t>
+            </a:r>
+            <a:r>
+              <a:rPr lang="en-US" sz="2600" i="0" dirty="0">
+                <a:solidFill>
+                  <a:srgbClr val="404040"/>
+                </a:solidFill>
+                <a:effectLst/>
+                <a:latin typeface="Inter"/>
+              </a:rPr>
+              <a:t>While simpler than TF-IDF or Word2Vec, </a:t>
+            </a:r>
+            <a:r>
+              <a:rPr lang="en-US" sz="2600" i="0" dirty="0" err="1">
+                <a:solidFill>
+                  <a:srgbClr val="404040"/>
+                </a:solidFill>
+                <a:effectLst/>
+                <a:latin typeface="Inter"/>
+              </a:rPr>
+              <a:t>CountVectorizer's</a:t>
+            </a:r>
+            <a:r>
+              <a:rPr lang="en-US" sz="2600" i="0" dirty="0">
+                <a:solidFill>
+                  <a:srgbClr val="404040"/>
+                </a:solidFill>
+                <a:effectLst/>
+                <a:latin typeface="Inter"/>
+              </a:rPr>
+              <a:t> speed and interpretability made it a strong choice, especially for real-time application.</a:t>
+            </a:r>
+            <a:endParaRPr lang="el-GR" sz="2600" kern="100" dirty="0">
+              <a:effectLst/>
+              <a:latin typeface="Inter"/>
+              <a:ea typeface="Calibri" panose="020F0502020204030204" pitchFamily="34" charset="0"/>
+              <a:cs typeface="Times New Roman" panose="02020603050405020304" pitchFamily="18" charset="0"/>
+            </a:endParaRPr>
+          </a:p>
+          <a:p>
+            <a:pPr marL="0" lvl="0" indent="0">
+              <a:lnSpc>
+                <a:spcPct val="107000"/>
+              </a:lnSpc>
+              <a:spcAft>
+                <a:spcPts val="800"/>
+              </a:spcAft>
+              <a:buNone/>
+              <a:tabLst>
+                <a:tab pos="457200" algn="l"/>
+              </a:tabLst>
+            </a:pPr>
+            <a:r>
+              <a:rPr lang="en-US" sz="2600" b="1" kern="100" dirty="0">
+                <a:effectLst/>
+                <a:latin typeface="Inter"/>
+                <a:ea typeface="Calibri" panose="020F0502020204030204" pitchFamily="34" charset="0"/>
+                <a:cs typeface="Times New Roman" panose="02020603050405020304" pitchFamily="18" charset="0"/>
+              </a:rPr>
+              <a:t>3. TF-IDF</a:t>
+            </a:r>
+            <a:r>
+              <a:rPr lang="en-US" sz="2600" kern="100" dirty="0">
+                <a:effectLst/>
+                <a:latin typeface="Inter"/>
+                <a:ea typeface="Calibri" panose="020F0502020204030204" pitchFamily="34" charset="0"/>
+                <a:cs typeface="Times New Roman" panose="02020603050405020304" pitchFamily="18" charset="0"/>
+              </a:rPr>
+              <a:t> weights words by importance words by importance ,thus surfacing contextually significant phrases like "anonymous sources".</a:t>
+            </a:r>
+          </a:p>
+          <a:p>
+            <a:pPr marL="0" lvl="0" indent="0">
+              <a:lnSpc>
+                <a:spcPct val="107000"/>
+              </a:lnSpc>
+              <a:spcAft>
+                <a:spcPts val="800"/>
+              </a:spcAft>
+              <a:buNone/>
+              <a:tabLst>
+                <a:tab pos="457200" algn="l"/>
+              </a:tabLst>
+            </a:pPr>
+            <a:r>
+              <a:rPr lang="en-US" sz="2600" b="1" kern="100" dirty="0">
+                <a:effectLst/>
+                <a:latin typeface="Inter"/>
+                <a:ea typeface="Calibri" panose="020F0502020204030204" pitchFamily="34" charset="0"/>
+                <a:cs typeface="Times New Roman" panose="02020603050405020304" pitchFamily="18" charset="0"/>
+              </a:rPr>
+              <a:t>4. Word2Vec</a:t>
+            </a:r>
+            <a:r>
+              <a:rPr lang="en-US" sz="2600" kern="100" dirty="0">
+                <a:effectLst/>
+                <a:latin typeface="Inter"/>
+                <a:ea typeface="Calibri" panose="020F0502020204030204" pitchFamily="34" charset="0"/>
+                <a:cs typeface="Times New Roman" panose="02020603050405020304" pitchFamily="18" charset="0"/>
+              </a:rPr>
+              <a:t> to model semantic relationships, such as nuanced fake-news tactics like "alien allies" ↔ "conspiracy", we used (300-dimension embeddings) as in the Big Data Mining Class.</a:t>
+            </a:r>
+            <a:endParaRPr lang="el-GR" sz="2600" kern="100" dirty="0">
+              <a:effectLst/>
+              <a:latin typeface="Inter"/>
+              <a:ea typeface="Calibri" panose="020F0502020204030204" pitchFamily="34" charset="0"/>
+              <a:cs typeface="Times New Roman" panose="02020603050405020304" pitchFamily="18" charset="0"/>
+            </a:endParaRPr>
+          </a:p>
+          <a:p>
+            <a:pPr marL="0" indent="0">
+              <a:buNone/>
+            </a:pPr>
             <a:endParaRPr lang="el-GR" dirty="0"/>
           </a:p>
         </p:txBody>
@@ -5102,7 +4547,7 @@
     </p:spTree>
     <p:extLst>
       <p:ext uri="{BB962C8B-B14F-4D97-AF65-F5344CB8AC3E}">
-        <p14:creationId xmlns:p14="http://schemas.microsoft.com/office/powerpoint/2010/main" val="3643897768"/>
+        <p14:creationId xmlns:p14="http://schemas.microsoft.com/office/powerpoint/2010/main" val="1403448282"/>
       </p:ext>
     </p:extLst>
   </p:cSld>
@@ -5134,7 +4579,7 @@
           <p:cNvPr id="2" name="Title 1">
             <a:extLst>
               <a:ext uri="{FF2B5EF4-FFF2-40B4-BE49-F238E27FC236}">
-                <a16:creationId xmlns:a16="http://schemas.microsoft.com/office/drawing/2014/main" id="{93265F67-2239-C905-36CB-A3663ECED074}"/>
+                <a16:creationId xmlns:a16="http://schemas.microsoft.com/office/drawing/2014/main" id="{1AB2474C-226A-D917-C719-FA432C30FA77}"/>
               </a:ext>
             </a:extLst>
           </p:cNvPr>
@@ -5147,8 +4592,8 @@
         </p:nvSpPr>
         <p:spPr>
           <a:xfrm>
-            <a:off x="838200" y="365125"/>
-            <a:ext cx="10515600" cy="974577"/>
+            <a:off x="0" y="1"/>
+            <a:ext cx="12192000" cy="1690688"/>
           </a:xfrm>
         </p:spPr>
         <p:txBody>
@@ -5158,16 +4603,20 @@
           <a:lstStyle/>
           <a:p>
             <a:r>
-              <a:rPr lang="en-US" sz="4000" b="1" dirty="0">
+              <a:rPr lang="da-DK" sz="4900" b="1" dirty="0">
                 <a:effectLst/>
-                <a:latin typeface="Arial" panose="020B0604020202020204" pitchFamily="34" charset="0"/>
-              </a:rPr>
-              <a:t>Utilizing pandas for efficient data handling and processing</a:t>
+                <a:latin typeface="Menlo"/>
+              </a:rPr>
+              <a:t>Hyperparameter tuning for optimized logistic regression models</a:t>
             </a:r>
             <a:br>
-              <a:rPr lang="en-US" dirty="0"/>
+              <a:rPr lang="da-DK" dirty="0">
+                <a:latin typeface="Menlo"/>
+              </a:rPr>
             </a:br>
-            <a:endParaRPr lang="el-GR" dirty="0"/>
+            <a:endParaRPr lang="el-GR" dirty="0">
+              <a:latin typeface="Menlo"/>
+            </a:endParaRPr>
           </a:p>
         </p:txBody>
       </p:sp>
@@ -5176,7 +4625,7 @@
           <p:cNvPr id="3" name="Content Placeholder 2">
             <a:extLst>
               <a:ext uri="{FF2B5EF4-FFF2-40B4-BE49-F238E27FC236}">
-                <a16:creationId xmlns:a16="http://schemas.microsoft.com/office/drawing/2014/main" id="{416A9DB9-0353-5DD7-1E73-AF1483422B3C}"/>
+                <a16:creationId xmlns:a16="http://schemas.microsoft.com/office/drawing/2014/main" id="{A271EDA3-024D-7460-5D5B-44278BD20DF9}"/>
               </a:ext>
             </a:extLst>
           </p:cNvPr>
@@ -5189,41 +4638,83 @@
         </p:nvSpPr>
         <p:spPr>
           <a:xfrm>
-            <a:off x="838200" y="1180214"/>
-            <a:ext cx="10515600" cy="4996749"/>
+            <a:off x="0" y="1488559"/>
+            <a:ext cx="11259879" cy="4954772"/>
           </a:xfrm>
         </p:spPr>
         <p:txBody>
           <a:bodyPr/>
           <a:lstStyle/>
           <a:p>
-            <a:r>
-              <a:rPr lang="en-US" b="1" dirty="0">
+            <a:pPr marL="0" indent="0">
+              <a:buNone/>
+            </a:pPr>
+            <a:r>
+              <a:rPr lang="en-US" sz="2800" kern="100" dirty="0">
+                <a:latin typeface="Inter"/>
+                <a:ea typeface="Calibri" panose="020F0502020204030204" pitchFamily="34" charset="0"/>
+                <a:cs typeface="Times New Roman" panose="02020603050405020304" pitchFamily="18" charset="0"/>
+              </a:rPr>
+              <a:t>Four</a:t>
+            </a:r>
+            <a:r>
+              <a:rPr lang="en-US" sz="2800" kern="100" dirty="0">
                 <a:effectLst/>
-                <a:latin typeface="Arial" panose="020B0604020202020204" pitchFamily="34" charset="0"/>
-              </a:rPr>
-              <a:t>Utilizing pandas for efficient data handling and processing</a:t>
-            </a:r>
-            <a:endParaRPr lang="en-US" dirty="0"/>
-          </a:p>
-          <a:p>
-            <a:r>
-              <a:rPr lang="en-US" dirty="0"/>
-              <a:t>Pandas facilitates seamless data import and initialization, ensuring that datasets are ready for efficient processing and analysis.</a:t>
-            </a:r>
-          </a:p>
-          <a:p>
-            <a:r>
-              <a:rPr lang="en-US" dirty="0"/>
-              <a:t>Data Cleaning Techniques to Enhance Dataset Quality: Combining fake and real news datasets with pandas allows for the removal of null entries, ensuring a cleaner dataset.</a:t>
-            </a:r>
-          </a:p>
-        </p:txBody>
-      </p:sp>
+                <a:latin typeface="Inter"/>
+                <a:ea typeface="Calibri" panose="020F0502020204030204" pitchFamily="34" charset="0"/>
+                <a:cs typeface="Times New Roman" panose="02020603050405020304" pitchFamily="18" charset="0"/>
+              </a:rPr>
+              <a:t> Vectorization Techniques have been used:</a:t>
+            </a:r>
+            <a:endParaRPr lang="el-GR" sz="2800" kern="100" dirty="0">
+              <a:effectLst/>
+              <a:latin typeface="Inter"/>
+              <a:ea typeface="Calibri" panose="020F0502020204030204" pitchFamily="34" charset="0"/>
+              <a:cs typeface="Times New Roman" panose="02020603050405020304" pitchFamily="18" charset="0"/>
+            </a:endParaRPr>
+          </a:p>
+          <a:p>
+            <a:pPr marL="0" indent="0">
+              <a:buNone/>
+            </a:pPr>
+            <a:endParaRPr lang="el-GR" dirty="0"/>
+          </a:p>
+        </p:txBody>
+      </p:sp>
+      <p:pic>
+        <p:nvPicPr>
+          <p:cNvPr id="10" name="Picture 9">
+            <a:extLst>
+              <a:ext uri="{FF2B5EF4-FFF2-40B4-BE49-F238E27FC236}">
+                <a16:creationId xmlns:a16="http://schemas.microsoft.com/office/drawing/2014/main" id="{1F526DB9-CCBD-6A57-0AD9-2D1AB0013CF5}"/>
+              </a:ext>
+            </a:extLst>
+          </p:cNvPr>
+          <p:cNvPicPr>
+            <a:picLocks noChangeAspect="1"/>
+          </p:cNvPicPr>
+          <p:nvPr/>
+        </p:nvPicPr>
+        <p:blipFill>
+          <a:blip r:embed="rId2"/>
+          <a:stretch>
+            <a:fillRect/>
+          </a:stretch>
+        </p:blipFill>
+        <p:spPr>
+          <a:xfrm>
+            <a:off x="563526" y="2456121"/>
+            <a:ext cx="11628473" cy="4678325"/>
+          </a:xfrm>
+          <a:prstGeom prst="rect">
+            <a:avLst/>
+          </a:prstGeom>
+        </p:spPr>
+      </p:pic>
     </p:spTree>
     <p:extLst>
       <p:ext uri="{BB962C8B-B14F-4D97-AF65-F5344CB8AC3E}">
-        <p14:creationId xmlns:p14="http://schemas.microsoft.com/office/powerpoint/2010/main" val="3583380802"/>
+        <p14:creationId xmlns:p14="http://schemas.microsoft.com/office/powerpoint/2010/main" val="3700992293"/>
       </p:ext>
     </p:extLst>
   </p:cSld>
@@ -5252,24 +4743,65 @@
       </p:grpSpPr>
       <p:sp>
         <p:nvSpPr>
-          <p:cNvPr id="3" name="Content Placeholder 2">
-            <a:extLst>
-              <a:ext uri="{FF2B5EF4-FFF2-40B4-BE49-F238E27FC236}">
-                <a16:creationId xmlns:a16="http://schemas.microsoft.com/office/drawing/2014/main" id="{1DA35F94-B8D4-C73E-150E-A9360E9FA561}"/>
-              </a:ext>
-            </a:extLst>
-          </p:cNvPr>
-          <p:cNvSpPr>
-            <a:spLocks noGrp="1"/>
-          </p:cNvSpPr>
-          <p:nvPr>
-            <p:ph idx="1"/>
+          <p:cNvPr id="2" name="Title 1">
+            <a:extLst>
+              <a:ext uri="{FF2B5EF4-FFF2-40B4-BE49-F238E27FC236}">
+                <a16:creationId xmlns:a16="http://schemas.microsoft.com/office/drawing/2014/main" id="{FDFB2A2F-39A1-5C6A-B8F2-DB12F5E15454}"/>
+              </a:ext>
+            </a:extLst>
+          </p:cNvPr>
+          <p:cNvSpPr>
+            <a:spLocks noGrp="1"/>
+          </p:cNvSpPr>
+          <p:nvPr>
+            <p:ph type="title"/>
           </p:nvPr>
         </p:nvSpPr>
         <p:spPr>
           <a:xfrm>
-            <a:off x="838200" y="106326"/>
-            <a:ext cx="10515600" cy="6379534"/>
+            <a:off x="0" y="0"/>
+            <a:ext cx="12192000" cy="1690689"/>
+          </a:xfrm>
+        </p:spPr>
+        <p:txBody>
+          <a:bodyPr/>
+          <a:lstStyle/>
+          <a:p>
+            <a:r>
+              <a:rPr lang="en-US" sz="4400" b="1" kern="100" dirty="0">
+                <a:effectLst/>
+                <a:latin typeface="Menlo"/>
+                <a:ea typeface="Calibri" panose="020F0502020204030204" pitchFamily="34" charset="0"/>
+                <a:cs typeface="Times New Roman" panose="02020603050405020304" pitchFamily="18" charset="0"/>
+              </a:rPr>
+              <a:t>Model Training &amp; Evaluation</a:t>
+            </a:r>
+            <a:endParaRPr lang="el-GR" b="1" dirty="0">
+              <a:latin typeface="Menlo"/>
+            </a:endParaRPr>
+          </a:p>
+        </p:txBody>
+      </p:sp>
+      <p:sp>
+        <p:nvSpPr>
+          <p:cNvPr id="3" name="Content Placeholder 2">
+            <a:extLst>
+              <a:ext uri="{FF2B5EF4-FFF2-40B4-BE49-F238E27FC236}">
+                <a16:creationId xmlns:a16="http://schemas.microsoft.com/office/drawing/2014/main" id="{3B5240E1-3C21-105A-87DF-ECD6F22B321B}"/>
+              </a:ext>
+            </a:extLst>
+          </p:cNvPr>
+          <p:cNvSpPr>
+            <a:spLocks noGrp="1"/>
+          </p:cNvSpPr>
+          <p:nvPr>
+            <p:ph idx="1"/>
+          </p:nvPr>
+        </p:nvSpPr>
+        <p:spPr>
+          <a:xfrm>
+            <a:off x="0" y="1477926"/>
+            <a:ext cx="12192000" cy="5380074"/>
           </a:xfrm>
         </p:spPr>
         <p:txBody>
@@ -5278,108 +4810,188 @@
           </a:bodyPr>
           <a:lstStyle/>
           <a:p>
-            <a:r>
-              <a:rPr lang="en-US" b="1" dirty="0">
-                <a:solidFill>
-                  <a:srgbClr val="0073DF"/>
-                </a:solidFill>
+            <a:pPr marL="0" indent="0">
+              <a:lnSpc>
+                <a:spcPct val="107000"/>
+              </a:lnSpc>
+              <a:spcAft>
+                <a:spcPts val="800"/>
+              </a:spcAft>
+              <a:buNone/>
+            </a:pPr>
+            <a:r>
+              <a:rPr lang="en-US" sz="2600" kern="100" dirty="0">
                 <a:effectLst/>
-                <a:latin typeface="Arial" panose="020B0604020202020204" pitchFamily="34" charset="0"/>
-              </a:rPr>
-              <a:t>Leveraging NLTK for comprehensive text preprocessing steps</a:t>
-            </a:r>
-            <a:endParaRPr lang="en-US" dirty="0"/>
-          </a:p>
-          <a:p>
-            <a:pPr marL="514350" indent="-514350">
-              <a:buFont typeface="+mj-lt"/>
-              <a:buAutoNum type="arabicPeriod"/>
+                <a:latin typeface="Inter"/>
+                <a:ea typeface="Calibri" panose="020F0502020204030204" pitchFamily="34" charset="0"/>
+                <a:cs typeface="Times New Roman" panose="02020603050405020304" pitchFamily="18" charset="0"/>
+              </a:rPr>
+              <a:t>The algorithms for training and testing are</a:t>
+            </a:r>
+            <a:r>
+              <a:rPr lang="en-US" sz="2600" kern="100" dirty="0">
+                <a:latin typeface="Inter"/>
+                <a:ea typeface="Calibri" panose="020F0502020204030204" pitchFamily="34" charset="0"/>
+                <a:cs typeface="Times New Roman" panose="02020603050405020304" pitchFamily="18" charset="0"/>
+              </a:rPr>
+              <a:t> as follows:</a:t>
+            </a:r>
+            <a:endParaRPr lang="el-GR" kern="100" dirty="0">
+              <a:effectLst/>
+              <a:latin typeface="Inter"/>
+              <a:ea typeface="Calibri" panose="020F0502020204030204" pitchFamily="34" charset="0"/>
+              <a:cs typeface="Times New Roman" panose="02020603050405020304" pitchFamily="18" charset="0"/>
+            </a:endParaRPr>
+          </a:p>
+          <a:p>
+            <a:pPr marL="457200">
+              <a:lnSpc>
+                <a:spcPct val="107000"/>
+              </a:lnSpc>
             </a:pPr>
             <a:r>
-              <a:rPr lang="en-US" dirty="0"/>
-              <a:t>Critical Text Cleaning Steps for Data </a:t>
-            </a:r>
-            <a:r>
-              <a:rPr lang="en-US" dirty="0" err="1"/>
-              <a:t>Refinement:Implementing</a:t>
-            </a:r>
-            <a:r>
-              <a:rPr lang="en-US" dirty="0"/>
-              <a:t> a rigorous cleaning pipeline with NLTK ensures that the dataset is devoid of noise and irrelevant information.</a:t>
-            </a:r>
-          </a:p>
-          <a:p>
-            <a:pPr marL="514350" indent="-514350">
-              <a:buFont typeface="+mj-lt"/>
-              <a:buAutoNum type="arabicPeriod"/>
+              <a:rPr lang="en-US" sz="2600" b="1" kern="100" dirty="0">
+                <a:effectLst/>
+                <a:latin typeface="Inter"/>
+                <a:ea typeface="Calibri" panose="020F0502020204030204" pitchFamily="34" charset="0"/>
+                <a:cs typeface="Times New Roman" panose="02020603050405020304" pitchFamily="18" charset="0"/>
+              </a:rPr>
+              <a:t>Logistic Regression </a:t>
+            </a:r>
+            <a:r>
+              <a:rPr lang="en-US" sz="2600" kern="100" dirty="0">
+                <a:effectLst/>
+                <a:latin typeface="Inter"/>
+                <a:ea typeface="Calibri" panose="020F0502020204030204" pitchFamily="34" charset="0"/>
+                <a:cs typeface="Times New Roman" panose="02020603050405020304" pitchFamily="18" charset="0"/>
+              </a:rPr>
+              <a:t>(with L1 regularization, Lasso model/with L2 regularization, Ridge model)</a:t>
+            </a:r>
+            <a:endParaRPr lang="el-GR" sz="2600" kern="100" dirty="0">
+              <a:effectLst/>
+              <a:latin typeface="Inter"/>
+              <a:ea typeface="Calibri" panose="020F0502020204030204" pitchFamily="34" charset="0"/>
+              <a:cs typeface="Times New Roman" panose="02020603050405020304" pitchFamily="18" charset="0"/>
+            </a:endParaRPr>
+          </a:p>
+          <a:p>
+            <a:pPr marL="457200">
+              <a:lnSpc>
+                <a:spcPct val="107000"/>
+              </a:lnSpc>
             </a:pPr>
             <a:r>
-              <a:rPr lang="en-US" dirty="0"/>
-              <a:t>Tokenization for Structured Text </a:t>
-            </a:r>
-            <a:r>
-              <a:rPr lang="en-US" dirty="0" err="1"/>
-              <a:t>Analysis:Tokenization</a:t>
-            </a:r>
-            <a:r>
-              <a:rPr lang="en-US" dirty="0"/>
-              <a:t> transforms raw text into manageable pieces, allowing for deeper analysis and understanding of textual content.</a:t>
-            </a:r>
-          </a:p>
-          <a:p>
-            <a:pPr marL="514350" indent="-514350">
-              <a:buFont typeface="+mj-lt"/>
-              <a:buAutoNum type="arabicPeriod"/>
+              <a:rPr lang="en-US" sz="2600" b="1" kern="100" dirty="0">
+                <a:effectLst/>
+                <a:latin typeface="Inter"/>
+                <a:ea typeface="Calibri" panose="020F0502020204030204" pitchFamily="34" charset="0"/>
+                <a:cs typeface="Times New Roman" panose="02020603050405020304" pitchFamily="18" charset="0"/>
+              </a:rPr>
+              <a:t>Naive Bayes</a:t>
+            </a:r>
+            <a:endParaRPr lang="el-GR" sz="2600" b="1" kern="100" dirty="0">
+              <a:effectLst/>
+              <a:latin typeface="Inter"/>
+              <a:ea typeface="Calibri" panose="020F0502020204030204" pitchFamily="34" charset="0"/>
+              <a:cs typeface="Times New Roman" panose="02020603050405020304" pitchFamily="18" charset="0"/>
+            </a:endParaRPr>
+          </a:p>
+          <a:p>
+            <a:pPr marL="457200">
+              <a:lnSpc>
+                <a:spcPct val="107000"/>
+              </a:lnSpc>
             </a:pPr>
             <a:r>
-              <a:rPr lang="en-US" dirty="0"/>
-              <a:t>Stemming to Normalize Text </a:t>
-            </a:r>
-            <a:r>
-              <a:rPr lang="en-US" dirty="0" err="1"/>
-              <a:t>Data:Applying</a:t>
-            </a:r>
-            <a:r>
-              <a:rPr lang="en-US" dirty="0"/>
-              <a:t> stemming reduces words to their root forms, standardizing variations and enhancing model training consistency.</a:t>
-            </a:r>
-          </a:p>
-          <a:p>
-            <a:pPr marL="514350" indent="-514350">
-              <a:buFont typeface="+mj-lt"/>
-              <a:buAutoNum type="arabicPeriod"/>
+              <a:rPr lang="en-US" sz="2600" b="1" kern="100" dirty="0">
+                <a:effectLst/>
+                <a:latin typeface="Inter"/>
+                <a:ea typeface="Calibri" panose="020F0502020204030204" pitchFamily="34" charset="0"/>
+                <a:cs typeface="Times New Roman" panose="02020603050405020304" pitchFamily="18" charset="0"/>
+              </a:rPr>
+              <a:t>Support Vector Machines</a:t>
+            </a:r>
+            <a:endParaRPr lang="el-GR" sz="2600" b="1" kern="100" dirty="0">
+              <a:effectLst/>
+              <a:latin typeface="Inter"/>
+              <a:ea typeface="Calibri" panose="020F0502020204030204" pitchFamily="34" charset="0"/>
+              <a:cs typeface="Times New Roman" panose="02020603050405020304" pitchFamily="18" charset="0"/>
+            </a:endParaRPr>
+          </a:p>
+          <a:p>
+            <a:pPr marL="457200">
+              <a:lnSpc>
+                <a:spcPct val="107000"/>
+              </a:lnSpc>
             </a:pPr>
             <a:r>
-              <a:rPr lang="en-US" dirty="0" err="1"/>
-              <a:t>Stopword</a:t>
-            </a:r>
-            <a:r>
-              <a:rPr lang="en-US" dirty="0"/>
-              <a:t> Removal to Enhance Model </a:t>
-            </a:r>
-            <a:r>
-              <a:rPr lang="en-US" dirty="0" err="1"/>
-              <a:t>Focus:Eliminating</a:t>
-            </a:r>
-            <a:r>
-              <a:rPr lang="en-US" dirty="0"/>
-              <a:t> common </a:t>
-            </a:r>
-            <a:r>
-              <a:rPr lang="en-US" dirty="0" err="1"/>
-              <a:t>stopwords</a:t>
-            </a:r>
-            <a:r>
-              <a:rPr lang="en-US" dirty="0"/>
-              <a:t> through NLTK sharpens the focus of models on significant words that convey meaning.</a:t>
-            </a:r>
+              <a:rPr lang="en-US" sz="2600" b="1" kern="100" dirty="0">
+                <a:effectLst/>
+                <a:latin typeface="Inter"/>
+                <a:ea typeface="Calibri" panose="020F0502020204030204" pitchFamily="34" charset="0"/>
+                <a:cs typeface="Times New Roman" panose="02020603050405020304" pitchFamily="18" charset="0"/>
+              </a:rPr>
+              <a:t>Decision Trees</a:t>
+            </a:r>
+            <a:endParaRPr lang="el-GR" sz="2600" b="1" kern="100" dirty="0">
+              <a:effectLst/>
+              <a:latin typeface="Inter"/>
+              <a:ea typeface="Calibri" panose="020F0502020204030204" pitchFamily="34" charset="0"/>
+              <a:cs typeface="Times New Roman" panose="02020603050405020304" pitchFamily="18" charset="0"/>
+            </a:endParaRPr>
+          </a:p>
+          <a:p>
+            <a:pPr marL="457200">
+              <a:lnSpc>
+                <a:spcPct val="107000"/>
+              </a:lnSpc>
+              <a:spcAft>
+                <a:spcPts val="800"/>
+              </a:spcAft>
+            </a:pPr>
+            <a:r>
+              <a:rPr lang="en-US" sz="2600" b="1" kern="100" dirty="0">
+                <a:effectLst/>
+                <a:latin typeface="Inter"/>
+                <a:ea typeface="Calibri" panose="020F0502020204030204" pitchFamily="34" charset="0"/>
+                <a:cs typeface="Times New Roman" panose="02020603050405020304" pitchFamily="18" charset="0"/>
+              </a:rPr>
+              <a:t>AdaBoost Classifier</a:t>
+            </a:r>
+          </a:p>
+          <a:p>
+            <a:pPr marL="457200">
+              <a:lnSpc>
+                <a:spcPct val="107000"/>
+              </a:lnSpc>
+              <a:spcAft>
+                <a:spcPts val="800"/>
+              </a:spcAft>
+            </a:pPr>
+            <a:r>
+              <a:rPr lang="en-US" sz="2600" b="1" kern="100" dirty="0">
+                <a:latin typeface="Inter"/>
+                <a:ea typeface="Calibri" panose="020F0502020204030204" pitchFamily="34" charset="0"/>
+                <a:cs typeface="Times New Roman" panose="02020603050405020304" pitchFamily="18" charset="0"/>
+              </a:rPr>
+              <a:t>Random Forest</a:t>
+            </a:r>
+            <a:endParaRPr lang="el-GR" kern="100" dirty="0">
+              <a:effectLst/>
+              <a:latin typeface="Inter"/>
+              <a:ea typeface="Calibri" panose="020F0502020204030204" pitchFamily="34" charset="0"/>
+              <a:cs typeface="Times New Roman" panose="02020603050405020304" pitchFamily="18" charset="0"/>
+            </a:endParaRPr>
+          </a:p>
+          <a:p>
+            <a:endParaRPr lang="el-GR" dirty="0"/>
           </a:p>
         </p:txBody>
       </p:sp>
     </p:spTree>
     <p:extLst>
       <p:ext uri="{BB962C8B-B14F-4D97-AF65-F5344CB8AC3E}">
-        <p14:creationId xmlns:p14="http://schemas.microsoft.com/office/powerpoint/2010/main" val="1550567387"/>
+        <p14:creationId xmlns:p14="http://schemas.microsoft.com/office/powerpoint/2010/main" val="2422205177"/>
       </p:ext>
     </p:extLst>
   </p:cSld>
@@ -5411,7 +5023,7 @@
           <p:cNvPr id="2" name="Title 1">
             <a:extLst>
               <a:ext uri="{FF2B5EF4-FFF2-40B4-BE49-F238E27FC236}">
-                <a16:creationId xmlns:a16="http://schemas.microsoft.com/office/drawing/2014/main" id="{3DAADCAB-A5C1-84B9-DDE4-70803BE66570}"/>
+                <a16:creationId xmlns:a16="http://schemas.microsoft.com/office/drawing/2014/main" id="{9018B54D-8251-E15F-2925-A04776290282}"/>
               </a:ext>
             </a:extLst>
           </p:cNvPr>
@@ -5422,101 +5034,96 @@
             <p:ph type="title"/>
           </p:nvPr>
         </p:nvSpPr>
-        <p:spPr/>
-        <p:txBody>
-          <a:bodyPr>
-            <a:normAutofit fontScale="90000"/>
-          </a:bodyPr>
-          <a:lstStyle/>
-          <a:p>
-            <a:r>
-              <a:rPr lang="en-US" sz="4000" b="1" dirty="0">
-                <a:effectLst/>
-                <a:latin typeface="Arial" panose="020B0604020202020204" pitchFamily="34" charset="0"/>
-              </a:rPr>
-              <a:t>Text Preprocessing and Feature Extraction Techniques</a:t>
-            </a:r>
-            <a:br>
-              <a:rPr lang="en-US" dirty="0"/>
-            </a:br>
-            <a:endParaRPr lang="el-GR" dirty="0"/>
-          </a:p>
-        </p:txBody>
-      </p:sp>
-      <p:sp>
-        <p:nvSpPr>
-          <p:cNvPr id="3" name="Content Placeholder 2">
-            <a:extLst>
-              <a:ext uri="{FF2B5EF4-FFF2-40B4-BE49-F238E27FC236}">
-                <a16:creationId xmlns:a16="http://schemas.microsoft.com/office/drawing/2014/main" id="{64A71D36-A0BD-B53A-9F82-7FAB4A67405B}"/>
-              </a:ext>
-            </a:extLst>
-          </p:cNvPr>
-          <p:cNvSpPr>
-            <a:spLocks noGrp="1"/>
-          </p:cNvSpPr>
-          <p:nvPr>
-            <p:ph idx="1"/>
-          </p:nvPr>
-        </p:nvSpPr>
-        <p:spPr/>
-        <p:txBody>
-          <a:bodyPr>
-            <a:normAutofit lnSpcReduction="10000"/>
-          </a:bodyPr>
-          <a:lstStyle/>
-          <a:p>
-            <a:r>
-              <a:rPr lang="en-US" b="1" dirty="0">
+        <p:spPr>
+          <a:xfrm>
+            <a:off x="0" y="-680485"/>
+            <a:ext cx="12192000" cy="2913321"/>
+          </a:xfrm>
+        </p:spPr>
+        <p:txBody>
+          <a:bodyPr/>
+          <a:lstStyle/>
+          <a:p>
+            <a:r>
+              <a:rPr lang="en-US" b="1" i="0" dirty="0">
                 <a:solidFill>
-                  <a:srgbClr val="0073DF"/>
+                  <a:srgbClr val="404040"/>
                 </a:solidFill>
                 <a:effectLst/>
-                <a:latin typeface="Arial" panose="020B0604020202020204" pitchFamily="34" charset="0"/>
-              </a:rPr>
-              <a:t>Key text cleaning steps for improved data quality and model accuracy</a:t>
-            </a:r>
-            <a:endParaRPr lang="en-US" dirty="0">
-              <a:effectLst/>
-            </a:endParaRPr>
-          </a:p>
-          <a:p>
-            <a:pPr marL="514350" indent="-514350">
-              <a:buFont typeface="+mj-lt"/>
-              <a:buAutoNum type="arabicPeriod"/>
-            </a:pPr>
-            <a:r>
-              <a:rPr lang="en-US" dirty="0"/>
-              <a:t>Importance of Lowercasing in Text Processing for Consistency Across Datasets: Lowercasing ensures uniformity in text data, reducing discrepancies caused by case sensitivity.</a:t>
-            </a:r>
-          </a:p>
-          <a:p>
-            <a:pPr marL="514350" indent="-514350">
-              <a:buFont typeface="+mj-lt"/>
-              <a:buAutoNum type="arabicPeriod"/>
-            </a:pPr>
-            <a:r>
-              <a:rPr lang="en-US" dirty="0"/>
-              <a:t>Significance of Special Character Removal in Data Preparation for NLP: Removing special characters and HTML tags enhances text clarity, crucial for accurate analysis in NLP.</a:t>
-            </a:r>
-          </a:p>
-          <a:p>
-            <a:pPr marL="514350" indent="-514350">
-              <a:buFont typeface="+mj-lt"/>
-              <a:buAutoNum type="arabicPeriod"/>
-            </a:pPr>
-            <a:r>
-              <a:rPr lang="en-US" dirty="0"/>
-              <a:t>Effective Tokenization Techniques for Clear Word Separation in Text: Tokenization effectively divides text into distinct words, allowing for granular analysis and processing.</a:t>
-            </a:r>
-            <a:endParaRPr lang="el-GR" dirty="0"/>
-          </a:p>
-        </p:txBody>
-      </p:sp>
+                <a:latin typeface="Menlo"/>
+              </a:rPr>
+              <a:t>Model Accuracy Comparison</a:t>
+            </a:r>
+            <a:br>
+              <a:rPr lang="en-US" b="1" i="0" dirty="0">
+                <a:solidFill>
+                  <a:srgbClr val="404040"/>
+                </a:solidFill>
+                <a:effectLst/>
+                <a:latin typeface="Menlo"/>
+              </a:rPr>
+            </a:br>
+            <a:r>
+              <a:rPr lang="en-US" b="1" i="0" dirty="0">
+                <a:solidFill>
+                  <a:srgbClr val="404040"/>
+                </a:solidFill>
+                <a:effectLst/>
+                <a:latin typeface="Menlo"/>
+              </a:rPr>
+              <a:t> </a:t>
+            </a:r>
+            <a:r>
+              <a:rPr lang="en-US" sz="1800" kern="0" dirty="0">
+                <a:solidFill>
+                  <a:srgbClr val="404040"/>
+                </a:solidFill>
+                <a:effectLst/>
+                <a:latin typeface="Segoe UI" panose="020B0502040204020203" pitchFamily="34" charset="0"/>
+                <a:ea typeface="Times New Roman" panose="02020603050405020304" pitchFamily="18" charset="0"/>
+              </a:rPr>
+              <a:t>"Accuracy Across All Models and Vectorizers"</a:t>
+            </a:r>
+            <a:endParaRPr lang="el-GR" b="1" dirty="0"/>
+          </a:p>
+        </p:txBody>
+      </p:sp>
+      <p:pic>
+        <p:nvPicPr>
+          <p:cNvPr id="9" name="Content Placeholder 8">
+            <a:extLst>
+              <a:ext uri="{FF2B5EF4-FFF2-40B4-BE49-F238E27FC236}">
+                <a16:creationId xmlns:a16="http://schemas.microsoft.com/office/drawing/2014/main" id="{177ADAD9-7C28-6841-3273-72D1A96FD8A6}"/>
+              </a:ext>
+            </a:extLst>
+          </p:cNvPr>
+          <p:cNvPicPr>
+            <a:picLocks noGrp="1" noChangeAspect="1"/>
+          </p:cNvPicPr>
+          <p:nvPr>
+            <p:ph idx="1"/>
+          </p:nvPr>
+        </p:nvPicPr>
+        <p:blipFill>
+          <a:blip r:embed="rId2"/>
+          <a:stretch>
+            <a:fillRect/>
+          </a:stretch>
+        </p:blipFill>
+        <p:spPr>
+          <a:xfrm>
+            <a:off x="327961" y="1913860"/>
+            <a:ext cx="12803248" cy="4938711"/>
+          </a:xfrm>
+          <a:prstGeom prst="rect">
+            <a:avLst/>
+          </a:prstGeom>
+        </p:spPr>
+      </p:pic>
     </p:spTree>
     <p:extLst>
       <p:ext uri="{BB962C8B-B14F-4D97-AF65-F5344CB8AC3E}">
-        <p14:creationId xmlns:p14="http://schemas.microsoft.com/office/powerpoint/2010/main" val="3451967697"/>
+        <p14:creationId xmlns:p14="http://schemas.microsoft.com/office/powerpoint/2010/main" val="1011525656"/>
       </p:ext>
     </p:extLst>
   </p:cSld>
@@ -5531,7 +5138,13 @@
   <p:cSld>
     <p:spTree>
       <p:nvGrpSpPr>
-        <p:cNvPr id="1" name=""/>
+        <p:cNvPr id="1" name="">
+          <a:extLst>
+            <a:ext uri="{FF2B5EF4-FFF2-40B4-BE49-F238E27FC236}">
+              <a16:creationId xmlns:a16="http://schemas.microsoft.com/office/drawing/2014/main" id="{34A3DFB6-DD00-3029-7F6F-FD98A3EB20A7}"/>
+            </a:ext>
+          </a:extLst>
+        </p:cNvPr>
         <p:cNvGrpSpPr/>
         <p:nvPr/>
       </p:nvGrpSpPr>
@@ -5548,7 +5161,7 @@
           <p:cNvPr id="2" name="Title 1">
             <a:extLst>
               <a:ext uri="{FF2B5EF4-FFF2-40B4-BE49-F238E27FC236}">
-                <a16:creationId xmlns:a16="http://schemas.microsoft.com/office/drawing/2014/main" id="{5E0CB6F0-A435-1AD3-49C6-29FEF5F88CBA}"/>
+                <a16:creationId xmlns:a16="http://schemas.microsoft.com/office/drawing/2014/main" id="{29E3BD65-536A-8A9C-B7A2-48A3875CA38E}"/>
               </a:ext>
             </a:extLst>
           </p:cNvPr>
@@ -5559,7 +5172,12 @@
             <p:ph type="title"/>
           </p:nvPr>
         </p:nvSpPr>
-        <p:spPr/>
+        <p:spPr>
+          <a:xfrm>
+            <a:off x="0" y="1"/>
+            <a:ext cx="12192000" cy="1690688"/>
+          </a:xfrm>
+        </p:spPr>
         <p:txBody>
           <a:bodyPr>
             <a:normAutofit fontScale="90000"/>
@@ -5567,16 +5185,20 @@
           <a:lstStyle/>
           <a:p>
             <a:r>
-              <a:rPr lang="en-US" sz="4000" b="1" dirty="0">
+              <a:rPr lang="da-DK" sz="4900" b="1" dirty="0">
                 <a:effectLst/>
-                <a:latin typeface="Arial" panose="020B0604020202020204" pitchFamily="34" charset="0"/>
-              </a:rPr>
-              <a:t>Implementing effective tokenization strategies for textual analysis</a:t>
+                <a:latin typeface="Menlo"/>
+              </a:rPr>
+              <a:t>Hyperparameter tuning for optimized logistic regression models</a:t>
             </a:r>
             <a:br>
-              <a:rPr lang="en-US" dirty="0"/>
+              <a:rPr lang="da-DK" dirty="0">
+                <a:latin typeface="Menlo"/>
+              </a:rPr>
             </a:br>
-            <a:endParaRPr lang="el-GR" dirty="0"/>
+            <a:endParaRPr lang="el-GR" dirty="0">
+              <a:latin typeface="Menlo"/>
+            </a:endParaRPr>
           </a:p>
         </p:txBody>
       </p:sp>
@@ -5585,7 +5207,7 @@
           <p:cNvPr id="3" name="Content Placeholder 2">
             <a:extLst>
               <a:ext uri="{FF2B5EF4-FFF2-40B4-BE49-F238E27FC236}">
-                <a16:creationId xmlns:a16="http://schemas.microsoft.com/office/drawing/2014/main" id="{4D55AC96-AE8D-5C6A-D94D-8F39F355E414}"/>
+                <a16:creationId xmlns:a16="http://schemas.microsoft.com/office/drawing/2014/main" id="{E538F592-CAB5-6E05-D2D1-456811D7F9FE}"/>
               </a:ext>
             </a:extLst>
           </p:cNvPr>
@@ -5596,7 +5218,12 @@
             <p:ph idx="1"/>
           </p:nvPr>
         </p:nvSpPr>
-        <p:spPr/>
+        <p:spPr>
+          <a:xfrm>
+            <a:off x="0" y="1488559"/>
+            <a:ext cx="11259879" cy="4954772"/>
+          </a:xfrm>
+        </p:spPr>
         <p:txBody>
           <a:bodyPr/>
           <a:lstStyle/>
@@ -5605,17 +5232,20 @@
               <a:buNone/>
             </a:pPr>
             <a:r>
-              <a:rPr lang="en-US" dirty="0"/>
-              <a:t>Tokenization is crucial for breaking down text into manageable components, facilitating further </a:t>
-            </a:r>
-            <a:r>
-              <a:rPr lang="en-US" dirty="0" err="1"/>
-              <a:t>analysis.Different</a:t>
-            </a:r>
-            <a:r>
-              <a:rPr lang="en-US" dirty="0"/>
-              <a:t> tokenization techniques cater to diverse requirements, enhancing the analysis of complex text structures. .Inconsistent tokenization can hinder model accuracy; careful implementation improves understanding and outcomes.</a:t>
-            </a:r>
+              <a:rPr lang="en-US" sz="2600" kern="100" dirty="0">
+                <a:effectLst/>
+                <a:latin typeface="Inter"/>
+                <a:ea typeface="Calibri" panose="020F0502020204030204" pitchFamily="34" charset="0"/>
+                <a:cs typeface="Times New Roman" panose="02020603050405020304" pitchFamily="18" charset="0"/>
+              </a:rPr>
+              <a:t>Hyperparameter tuning for Logistic Regression and default parameters for the other models:  </a:t>
+            </a:r>
+            <a:endParaRPr lang="el-GR" sz="2600" kern="100" dirty="0">
+              <a:effectLst/>
+              <a:latin typeface="Inter"/>
+              <a:ea typeface="Calibri" panose="020F0502020204030204" pitchFamily="34" charset="0"/>
+              <a:cs typeface="Times New Roman" panose="02020603050405020304" pitchFamily="18" charset="0"/>
+            </a:endParaRPr>
           </a:p>
           <a:p>
             <a:pPr marL="0" indent="0">
@@ -5625,10 +5255,40 @@
           </a:p>
         </p:txBody>
       </p:sp>
+      <p:pic>
+        <p:nvPicPr>
+          <p:cNvPr id="8" name="Picture 7">
+            <a:extLst>
+              <a:ext uri="{FF2B5EF4-FFF2-40B4-BE49-F238E27FC236}">
+                <a16:creationId xmlns:a16="http://schemas.microsoft.com/office/drawing/2014/main" id="{6ED4398C-A22C-287E-3936-691B0D1A04B2}"/>
+              </a:ext>
+            </a:extLst>
+          </p:cNvPr>
+          <p:cNvPicPr>
+            <a:picLocks noChangeAspect="1"/>
+          </p:cNvPicPr>
+          <p:nvPr/>
+        </p:nvPicPr>
+        <p:blipFill>
+          <a:blip r:embed="rId2"/>
+          <a:stretch>
+            <a:fillRect/>
+          </a:stretch>
+        </p:blipFill>
+        <p:spPr>
+          <a:xfrm>
+            <a:off x="2339163" y="2009216"/>
+            <a:ext cx="9959163" cy="5359307"/>
+          </a:xfrm>
+          <a:prstGeom prst="rect">
+            <a:avLst/>
+          </a:prstGeom>
+        </p:spPr>
+      </p:pic>
     </p:spTree>
     <p:extLst>
       <p:ext uri="{BB962C8B-B14F-4D97-AF65-F5344CB8AC3E}">
-        <p14:creationId xmlns:p14="http://schemas.microsoft.com/office/powerpoint/2010/main" val="1309835117"/>
+        <p14:creationId xmlns:p14="http://schemas.microsoft.com/office/powerpoint/2010/main" val="307623848"/>
       </p:ext>
     </p:extLst>
   </p:cSld>
@@ -5660,7 +5320,7 @@
           <p:cNvPr id="2" name="Title 1">
             <a:extLst>
               <a:ext uri="{FF2B5EF4-FFF2-40B4-BE49-F238E27FC236}">
-                <a16:creationId xmlns:a16="http://schemas.microsoft.com/office/drawing/2014/main" id="{44AD3AF0-9E14-B401-A95C-720ED5B409DC}"/>
+                <a16:creationId xmlns:a16="http://schemas.microsoft.com/office/drawing/2014/main" id="{D69FD2CD-50E1-F8E7-02BE-268A4518A505}"/>
               </a:ext>
             </a:extLst>
           </p:cNvPr>
@@ -5671,89 +5331,182 @@
             <p:ph type="title"/>
           </p:nvPr>
         </p:nvSpPr>
-        <p:spPr/>
+        <p:spPr>
+          <a:xfrm>
+            <a:off x="0" y="0"/>
+            <a:ext cx="12192000" cy="1945758"/>
+          </a:xfrm>
+        </p:spPr>
         <p:txBody>
           <a:bodyPr>
-            <a:normAutofit fontScale="90000"/>
+            <a:normAutofit/>
           </a:bodyPr>
           <a:lstStyle/>
           <a:p>
             <a:r>
               <a:rPr lang="en-US" b="1" dirty="0">
-                <a:solidFill>
-                  <a:srgbClr val="0073DF"/>
-                </a:solidFill>
+                <a:latin typeface="Menlo"/>
+              </a:rPr>
+              <a:t>Testing the model using AI generated custom examples</a:t>
+            </a:r>
+            <a:br>
+              <a:rPr lang="en-US" dirty="0">
+                <a:latin typeface="Menlo"/>
+              </a:rPr>
+            </a:br>
+            <a:r>
+              <a:rPr lang="en-US" dirty="0">
+                <a:latin typeface="Menlo"/>
+              </a:rPr>
+              <a:t> </a:t>
+            </a:r>
+            <a:endParaRPr lang="el-GR" dirty="0">
+              <a:latin typeface="Menlo"/>
+            </a:endParaRPr>
+          </a:p>
+        </p:txBody>
+      </p:sp>
+      <p:sp>
+        <p:nvSpPr>
+          <p:cNvPr id="3" name="Content Placeholder 2">
+            <a:extLst>
+              <a:ext uri="{FF2B5EF4-FFF2-40B4-BE49-F238E27FC236}">
+                <a16:creationId xmlns:a16="http://schemas.microsoft.com/office/drawing/2014/main" id="{3FE0C58B-9AF7-66BA-73A3-B5FE8D057883}"/>
+              </a:ext>
+            </a:extLst>
+          </p:cNvPr>
+          <p:cNvSpPr>
+            <a:spLocks noGrp="1"/>
+          </p:cNvSpPr>
+          <p:nvPr>
+            <p:ph idx="1"/>
+          </p:nvPr>
+        </p:nvSpPr>
+        <p:spPr>
+          <a:xfrm>
+            <a:off x="0" y="1562986"/>
+            <a:ext cx="12192000" cy="5018567"/>
+          </a:xfrm>
+        </p:spPr>
+        <p:txBody>
+          <a:bodyPr>
+            <a:normAutofit fontScale="32500" lnSpcReduction="20000"/>
+          </a:bodyPr>
+          <a:lstStyle/>
+          <a:p>
+            <a:pPr>
+              <a:lnSpc>
+                <a:spcPct val="107000"/>
+              </a:lnSpc>
+              <a:spcAft>
+                <a:spcPts val="800"/>
+              </a:spcAft>
+            </a:pPr>
+            <a:r>
+              <a:rPr lang="en-US" sz="8000" kern="100" dirty="0">
                 <a:effectLst/>
-                <a:latin typeface="Arial" panose="020B0604020202020204" pitchFamily="34" charset="0"/>
-              </a:rPr>
-              <a:t>Exploring various vectorization methods for feature extraction</a:t>
-            </a:r>
-            <a:br>
-              <a:rPr lang="en-US" dirty="0"/>
-            </a:br>
-            <a:endParaRPr lang="el-GR" dirty="0"/>
-          </a:p>
-        </p:txBody>
-      </p:sp>
-      <p:sp>
-        <p:nvSpPr>
-          <p:cNvPr id="3" name="Content Placeholder 2">
-            <a:extLst>
-              <a:ext uri="{FF2B5EF4-FFF2-40B4-BE49-F238E27FC236}">
-                <a16:creationId xmlns:a16="http://schemas.microsoft.com/office/drawing/2014/main" id="{0DCACCA4-1C59-63F6-34FD-4EB629145E40}"/>
-              </a:ext>
-            </a:extLst>
-          </p:cNvPr>
-          <p:cNvSpPr>
-            <a:spLocks noGrp="1"/>
-          </p:cNvSpPr>
-          <p:nvPr>
-            <p:ph idx="1"/>
-          </p:nvPr>
-        </p:nvSpPr>
-        <p:spPr/>
-        <p:txBody>
-          <a:bodyPr>
-            <a:normAutofit lnSpcReduction="10000"/>
-          </a:bodyPr>
-          <a:lstStyle/>
-          <a:p>
-            <a:pPr marL="514350" indent="-514350">
-              <a:buFont typeface="+mj-lt"/>
-              <a:buAutoNum type="arabicPeriod"/>
+                <a:latin typeface="Inter"/>
+                <a:ea typeface="Calibri" panose="020F0502020204030204" pitchFamily="34" charset="0"/>
+                <a:cs typeface="Times New Roman" panose="02020603050405020304" pitchFamily="18" charset="0"/>
+              </a:rPr>
+              <a:t>Fake News Detection Example:</a:t>
+            </a:r>
+            <a:endParaRPr lang="el-GR" sz="8000" kern="100" dirty="0">
+              <a:effectLst/>
+              <a:latin typeface="Inter"/>
+              <a:ea typeface="Calibri" panose="020F0502020204030204" pitchFamily="34" charset="0"/>
+              <a:cs typeface="Times New Roman" panose="02020603050405020304" pitchFamily="18" charset="0"/>
+            </a:endParaRPr>
+          </a:p>
+          <a:p>
+            <a:pPr marL="0" indent="0">
+              <a:lnSpc>
+                <a:spcPct val="107000"/>
+              </a:lnSpc>
+              <a:spcAft>
+                <a:spcPts val="800"/>
+              </a:spcAft>
+              <a:buNone/>
             </a:pPr>
             <a:r>
-              <a:rPr lang="en-US" dirty="0"/>
-              <a:t>Overview of Vectorization Techniques and Their Importance in Text Analysis: Vectorization transforms text into numerical representations, essential for feeding data into machine learning models.</a:t>
-            </a:r>
-          </a:p>
-          <a:p>
-            <a:pPr marL="514350" indent="-514350">
-              <a:buFont typeface="+mj-lt"/>
-              <a:buAutoNum type="arabicPeriod"/>
+              <a:rPr lang="en-US" sz="8000" kern="100" dirty="0">
+                <a:effectLst/>
+                <a:latin typeface="Inter"/>
+                <a:ea typeface="Calibri" panose="020F0502020204030204" pitchFamily="34" charset="0"/>
+                <a:cs typeface="Times New Roman" panose="02020603050405020304" pitchFamily="18" charset="0"/>
+              </a:rPr>
+              <a:t>['BREAKING: Donald Trump Announces Plan to Colonize Mars Former. President Donald Trump unveiled an ambitious plan today, declaring his intention to lead the charge in colonizing Mars. Speaking at a rally, he stated, “No one’s ever done Mars like we’re going to do it. It’ll be tremendous, believe me.” Trump claimed his new initiative, "Trump Galactic," would establish "the biggest, most luxurious Martian city ever." Critics dismissed the plan as unrealistic, but supporters hailed it as visionary. SpaceX founder Elon Musk declined to comment, fueling speculation about potential collaboration. Stay tuned for developments on this out-of-this-world endeavor. ']</a:t>
+            </a:r>
+            <a:endParaRPr lang="el-GR" sz="8000" kern="100" dirty="0">
+              <a:effectLst/>
+              <a:latin typeface="Inter"/>
+              <a:ea typeface="Calibri" panose="020F0502020204030204" pitchFamily="34" charset="0"/>
+              <a:cs typeface="Times New Roman" panose="02020603050405020304" pitchFamily="18" charset="0"/>
+            </a:endParaRPr>
+          </a:p>
+          <a:p>
+            <a:pPr marL="0" indent="0">
+              <a:lnSpc>
+                <a:spcPct val="107000"/>
+              </a:lnSpc>
+              <a:spcAft>
+                <a:spcPts val="800"/>
+              </a:spcAft>
+              <a:buNone/>
             </a:pPr>
             <a:r>
-              <a:rPr lang="en-US" dirty="0"/>
-              <a:t>Comparing Binary Count Vectorizer and TFIDF for Feature Representation: Binary Count Vectorizer tracks word presence, while TFIDF emphasizes word importance, affecting model performance.</a:t>
-            </a:r>
-          </a:p>
-          <a:p>
-            <a:pPr marL="514350" indent="-514350">
-              <a:buFont typeface="+mj-lt"/>
-              <a:buAutoNum type="arabicPeriod"/>
+              <a:rPr lang="en-US" sz="8000" kern="100" dirty="0">
+                <a:effectLst/>
+                <a:latin typeface="Inter"/>
+                <a:ea typeface="Calibri" panose="020F0502020204030204" pitchFamily="34" charset="0"/>
+                <a:cs typeface="Times New Roman" panose="02020603050405020304" pitchFamily="18" charset="0"/>
+              </a:rPr>
+              <a:t># Output: 1 (Fake)</a:t>
+            </a:r>
+            <a:endParaRPr lang="el-GR" sz="8000" kern="100" dirty="0">
+              <a:effectLst/>
+              <a:latin typeface="Inter"/>
+              <a:ea typeface="Calibri" panose="020F0502020204030204" pitchFamily="34" charset="0"/>
+              <a:cs typeface="Times New Roman" panose="02020603050405020304" pitchFamily="18" charset="0"/>
+            </a:endParaRPr>
+          </a:p>
+          <a:p>
+            <a:pPr marL="0" indent="0">
+              <a:lnSpc>
+                <a:spcPct val="107000"/>
+              </a:lnSpc>
+              <a:spcAft>
+                <a:spcPts val="800"/>
+              </a:spcAft>
+              <a:buNone/>
             </a:pPr>
             <a:r>
-              <a:rPr lang="en-US" dirty="0"/>
-              <a:t>Understanding Word2Vec and Its Role in Capturing Semantic Meaning: Word2Vec captures deeper semantic relationships, enabling models to understand contextual meanings in text.</a:t>
-            </a:r>
-            <a:endParaRPr lang="el-GR" dirty="0"/>
+              <a:rPr lang="en-US" sz="8000" kern="100" dirty="0">
+                <a:effectLst/>
+                <a:latin typeface="Inter"/>
+                <a:ea typeface="Calibri" panose="020F0502020204030204" pitchFamily="34" charset="0"/>
+                <a:cs typeface="Times New Roman" panose="02020603050405020304" pitchFamily="18" charset="0"/>
+              </a:rPr>
+              <a:t>Sensational claims paired with political keywords like “Trump” triggered the model’s fake news indicators.  </a:t>
+            </a:r>
+            <a:endParaRPr lang="el-GR" sz="8000" kern="100" dirty="0">
+              <a:effectLst/>
+              <a:latin typeface="Inter"/>
+              <a:ea typeface="Calibri" panose="020F0502020204030204" pitchFamily="34" charset="0"/>
+              <a:cs typeface="Times New Roman" panose="02020603050405020304" pitchFamily="18" charset="0"/>
+            </a:endParaRPr>
+          </a:p>
+          <a:p>
+            <a:endParaRPr lang="el-GR" sz="2600" dirty="0">
+              <a:latin typeface="Inter"/>
+            </a:endParaRPr>
           </a:p>
         </p:txBody>
       </p:sp>
     </p:spTree>
     <p:extLst>
       <p:ext uri="{BB962C8B-B14F-4D97-AF65-F5344CB8AC3E}">
-        <p14:creationId xmlns:p14="http://schemas.microsoft.com/office/powerpoint/2010/main" val="1403448282"/>
+        <p14:creationId xmlns:p14="http://schemas.microsoft.com/office/powerpoint/2010/main" val="1775659801"/>
       </p:ext>
     </p:extLst>
   </p:cSld>
@@ -5768,7 +5521,13 @@
   <p:cSld>
     <p:spTree>
       <p:nvGrpSpPr>
-        <p:cNvPr id="1" name=""/>
+        <p:cNvPr id="1" name="">
+          <a:extLst>
+            <a:ext uri="{FF2B5EF4-FFF2-40B4-BE49-F238E27FC236}">
+              <a16:creationId xmlns:a16="http://schemas.microsoft.com/office/drawing/2014/main" id="{B7C60567-4A0C-B650-3EAD-B93C14B387C0}"/>
+            </a:ext>
+          </a:extLst>
+        </p:cNvPr>
         <p:cNvGrpSpPr/>
         <p:nvPr/>
       </p:nvGrpSpPr>
@@ -5785,7 +5544,7 @@
           <p:cNvPr id="2" name="Title 1">
             <a:extLst>
               <a:ext uri="{FF2B5EF4-FFF2-40B4-BE49-F238E27FC236}">
-                <a16:creationId xmlns:a16="http://schemas.microsoft.com/office/drawing/2014/main" id="{B8F90F9A-1469-5F48-163A-D2CB3338A601}"/>
+                <a16:creationId xmlns:a16="http://schemas.microsoft.com/office/drawing/2014/main" id="{A7C8A924-A3FF-667F-878A-698FB464D4F2}"/>
               </a:ext>
             </a:extLst>
           </p:cNvPr>
@@ -5796,7 +5555,12 @@
             <p:ph type="title"/>
           </p:nvPr>
         </p:nvSpPr>
-        <p:spPr/>
+        <p:spPr>
+          <a:xfrm>
+            <a:off x="0" y="0"/>
+            <a:ext cx="11589488" cy="1648047"/>
+          </a:xfrm>
+        </p:spPr>
         <p:txBody>
           <a:bodyPr>
             <a:normAutofit fontScale="90000"/>
@@ -5804,109 +5568,169 @@
           <a:lstStyle/>
           <a:p>
             <a:r>
-              <a:rPr lang="en-US" sz="4000" b="1" dirty="0">
+              <a:rPr lang="en-US" b="1" dirty="0">
+                <a:latin typeface="Menlo"/>
+              </a:rPr>
+              <a:t>Testing the model using AI generated custom examples</a:t>
+            </a:r>
+            <a:br>
+              <a:rPr lang="en-US" dirty="0">
+                <a:latin typeface="Menlo"/>
+              </a:rPr>
+            </a:br>
+            <a:r>
+              <a:rPr lang="en-US" dirty="0">
+                <a:latin typeface="Menlo"/>
+              </a:rPr>
+              <a:t> </a:t>
+            </a:r>
+            <a:endParaRPr lang="el-GR" dirty="0">
+              <a:latin typeface="Menlo"/>
+            </a:endParaRPr>
+          </a:p>
+        </p:txBody>
+      </p:sp>
+      <p:sp>
+        <p:nvSpPr>
+          <p:cNvPr id="3" name="Content Placeholder 2">
+            <a:extLst>
+              <a:ext uri="{FF2B5EF4-FFF2-40B4-BE49-F238E27FC236}">
+                <a16:creationId xmlns:a16="http://schemas.microsoft.com/office/drawing/2014/main" id="{8D14982C-D8D5-B014-405B-564D65A473B2}"/>
+              </a:ext>
+            </a:extLst>
+          </p:cNvPr>
+          <p:cNvSpPr>
+            <a:spLocks noGrp="1"/>
+          </p:cNvSpPr>
+          <p:nvPr>
+            <p:ph idx="1"/>
+          </p:nvPr>
+        </p:nvSpPr>
+        <p:spPr>
+          <a:xfrm>
+            <a:off x="0" y="1201479"/>
+            <a:ext cx="12192000" cy="5560829"/>
+          </a:xfrm>
+        </p:spPr>
+        <p:txBody>
+          <a:bodyPr>
+            <a:normAutofit fontScale="25000" lnSpcReduction="20000"/>
+          </a:bodyPr>
+          <a:lstStyle/>
+          <a:p>
+            <a:pPr>
+              <a:lnSpc>
+                <a:spcPct val="107000"/>
+              </a:lnSpc>
+              <a:spcAft>
+                <a:spcPts val="800"/>
+              </a:spcAft>
+            </a:pPr>
+            <a:r>
+              <a:rPr lang="en-US" sz="7200" kern="100" dirty="0">
                 <a:effectLst/>
-                <a:latin typeface="Arial" panose="020B0604020202020204" pitchFamily="34" charset="0"/>
-              </a:rPr>
-              <a:t>3 Model Training and Evaluation Methodologies</a:t>
-            </a:r>
-            <a:br>
-              <a:rPr lang="en-US" dirty="0"/>
-            </a:br>
-            <a:endParaRPr lang="el-GR" dirty="0"/>
-          </a:p>
-        </p:txBody>
-      </p:sp>
-      <p:sp>
-        <p:nvSpPr>
-          <p:cNvPr id="3" name="Content Placeholder 2">
-            <a:extLst>
-              <a:ext uri="{FF2B5EF4-FFF2-40B4-BE49-F238E27FC236}">
-                <a16:creationId xmlns:a16="http://schemas.microsoft.com/office/drawing/2014/main" id="{62387967-F244-E51D-C0BB-FACA16A33F9B}"/>
-              </a:ext>
-            </a:extLst>
-          </p:cNvPr>
-          <p:cNvSpPr>
-            <a:spLocks noGrp="1"/>
-          </p:cNvSpPr>
-          <p:nvPr>
-            <p:ph idx="1"/>
-          </p:nvPr>
-        </p:nvSpPr>
-        <p:spPr/>
-        <p:txBody>
-          <a:bodyPr>
-            <a:normAutofit fontScale="92500" lnSpcReduction="10000"/>
-          </a:bodyPr>
-          <a:lstStyle/>
-          <a:p>
-            <a:r>
-              <a:rPr lang="en-US" b="1" dirty="0">
-                <a:solidFill>
-                  <a:srgbClr val="0073DF"/>
-                </a:solidFill>
+                <a:latin typeface="Inter"/>
+                <a:ea typeface="Calibri" panose="020F0502020204030204" pitchFamily="34" charset="0"/>
+                <a:cs typeface="Times New Roman" panose="02020603050405020304" pitchFamily="18" charset="0"/>
+              </a:rPr>
+              <a:t> Real News Detection:</a:t>
+            </a:r>
+            <a:endParaRPr lang="el-GR" sz="7200" kern="100" dirty="0">
+              <a:effectLst/>
+              <a:latin typeface="Inter"/>
+              <a:ea typeface="Calibri" panose="020F0502020204030204" pitchFamily="34" charset="0"/>
+              <a:cs typeface="Times New Roman" panose="02020603050405020304" pitchFamily="18" charset="0"/>
+            </a:endParaRPr>
+          </a:p>
+          <a:p>
+            <a:pPr marL="0" indent="0">
+              <a:lnSpc>
+                <a:spcPct val="107000"/>
+              </a:lnSpc>
+              <a:spcAft>
+                <a:spcPts val="800"/>
+              </a:spcAft>
+              <a:buNone/>
+            </a:pPr>
+            <a:r>
+              <a:rPr lang="en-US" sz="7200" kern="100" dirty="0">
                 <a:effectLst/>
-                <a:latin typeface="Arial" panose="020B0604020202020204" pitchFamily="34" charset="0"/>
-              </a:rPr>
-              <a:t>Comparative performance analysis of various classification algorithms</a:t>
-            </a:r>
-            <a:endParaRPr lang="en-US" dirty="0">
+                <a:latin typeface="Inter"/>
+                <a:ea typeface="Calibri" panose="020F0502020204030204" pitchFamily="34" charset="0"/>
+                <a:cs typeface="Times New Roman" panose="02020603050405020304" pitchFamily="18" charset="0"/>
+              </a:rPr>
+              <a:t> ['A former Colorado Bureau of Investigation DNA scientist appeared in court Thursday to face criminal charges over data tampering that authorities said raises questions about the validity of more than 500 cases. Problems with the scientist’s work were found in cases involving homicide, sexual assault, robbery and other crimes, according to a law enforcement affidavit. In at least two cases, both homicides, the defendants received lesser sentences under plea deals than they could have faced if they went to trial because prosecutors were afraid Yvonne “Missy” Woods’ involvement could lead to acquittals. Woods was described as a “star analyst” by a former colleague who was interviewed by investigators, but also one who worked too fast and was “not the most thorough,” according to an internal affairs report. Authorities haven’t found any evidence of wrongful convictions, but prosecutors across the state are continuing to review the impacted cases. “This gets to the heart of whether or not science can be trusted, whether or not law enforcement can be trusted and quite frankly whether the judicial system can be trusted,” Jefferson County judge Graham Peper said during the short hearing. Woods allegedly told investigators at one point that she had changed data to complete cases more quickly, according to an arrest affidavit. Woods faces 52 counts of forgery, 48 counts of attempting to influence a public servant and one count each of perjury and cybercrime, for alleged misconduct between 2008 and 2023.The fallout from the alleged misconduct is still unfolding. In the most recent case to be impacted, Michael Shannel Jefferson was sentenced last week to 32 years in prison in the home invasion killing of Roger Dean in 1985. Jefferson was identified as a suspect in the cold case in 2021 through DNA evidence.']</a:t>
+            </a:r>
+            <a:endParaRPr lang="el-GR" sz="7200" kern="100" dirty="0">
               <a:effectLst/>
+              <a:latin typeface="Inter"/>
+              <a:ea typeface="Calibri" panose="020F0502020204030204" pitchFamily="34" charset="0"/>
+              <a:cs typeface="Times New Roman" panose="02020603050405020304" pitchFamily="18" charset="0"/>
             </a:endParaRPr>
           </a:p>
           <a:p>
-            <a:pPr marL="514350" indent="-514350">
-              <a:buFont typeface="+mj-lt"/>
-              <a:buAutoNum type="arabicPeriod"/>
+            <a:pPr marL="0" indent="0">
+              <a:lnSpc>
+                <a:spcPct val="107000"/>
+              </a:lnSpc>
+              <a:spcAft>
+                <a:spcPts val="800"/>
+              </a:spcAft>
+              <a:buNone/>
             </a:pPr>
             <a:r>
-              <a:rPr lang="en-US" dirty="0"/>
-              <a:t>Performance of Logistic Regression in Fake News </a:t>
-            </a:r>
-            <a:r>
-              <a:rPr lang="en-US" dirty="0" err="1"/>
-              <a:t>Detection:Logistic</a:t>
-            </a:r>
-            <a:r>
-              <a:rPr lang="en-US" dirty="0"/>
-              <a:t> Regression achieved an impressive accuracy of 98.9%, making it a top choice for classification tasks.</a:t>
-            </a:r>
-          </a:p>
-          <a:p>
-            <a:pPr marL="514350" indent="-514350">
-              <a:buFont typeface="+mj-lt"/>
-              <a:buAutoNum type="arabicPeriod"/>
+              <a:rPr lang="en-US" sz="7200" kern="100" dirty="0">
+                <a:effectLst/>
+                <a:latin typeface="Inter"/>
+                <a:ea typeface="Calibri" panose="020F0502020204030204" pitchFamily="34" charset="0"/>
+                <a:cs typeface="Times New Roman" panose="02020603050405020304" pitchFamily="18" charset="0"/>
+              </a:rPr>
+              <a:t># Output: 0 (Real)</a:t>
+            </a:r>
+            <a:endParaRPr lang="el-GR" sz="7200" kern="100" dirty="0">
+              <a:effectLst/>
+              <a:latin typeface="Inter"/>
+              <a:ea typeface="Calibri" panose="020F0502020204030204" pitchFamily="34" charset="0"/>
+              <a:cs typeface="Times New Roman" panose="02020603050405020304" pitchFamily="18" charset="0"/>
+            </a:endParaRPr>
+          </a:p>
+          <a:p>
+            <a:pPr marL="0" indent="0">
+              <a:lnSpc>
+                <a:spcPct val="107000"/>
+              </a:lnSpc>
+              <a:spcAft>
+                <a:spcPts val="800"/>
+              </a:spcAft>
+              <a:buNone/>
             </a:pPr>
             <a:r>
-              <a:rPr lang="en-US" dirty="0"/>
-              <a:t>Effectiveness of Naive Bayes in Identifying Fake News:The Naive Bayes classifier offers a robust approach to text classification, utilizing probabilities to assess word significance.</a:t>
-            </a:r>
-          </a:p>
-          <a:p>
-            <a:pPr marL="514350" indent="-514350">
-              <a:buFont typeface="+mj-lt"/>
-              <a:buAutoNum type="arabicPeriod"/>
-            </a:pPr>
-            <a:r>
-              <a:rPr lang="en-US" dirty="0"/>
-              <a:t>Support Vector Machines for Enhanced Model </a:t>
-            </a:r>
-            <a:r>
-              <a:rPr lang="en-US" dirty="0" err="1"/>
-              <a:t>Performance:Support</a:t>
-            </a:r>
-            <a:r>
-              <a:rPr lang="en-US" dirty="0"/>
-              <a:t> Vector Machines demonstrated commendable accuracy at 98.8%, showcasing their ability to handle complex datasets.</a:t>
-            </a:r>
-            <a:endParaRPr lang="el-GR" dirty="0"/>
+              <a:rPr lang="en-US" sz="7200" kern="100" dirty="0">
+                <a:effectLst/>
+                <a:latin typeface="Inter"/>
+                <a:ea typeface="Calibri" panose="020F0502020204030204" pitchFamily="34" charset="0"/>
+                <a:cs typeface="Times New Roman" panose="02020603050405020304" pitchFamily="18" charset="0"/>
+              </a:rPr>
+              <a:t>Factual language, specific locations (“Colorado”), and procedural terms (“data tampering”) align with real news patterns.  </a:t>
+            </a:r>
+            <a:endParaRPr lang="el-GR" sz="7200" kern="100" dirty="0">
+              <a:effectLst/>
+              <a:latin typeface="Inter"/>
+              <a:ea typeface="Calibri" panose="020F0502020204030204" pitchFamily="34" charset="0"/>
+              <a:cs typeface="Times New Roman" panose="02020603050405020304" pitchFamily="18" charset="0"/>
+            </a:endParaRPr>
+          </a:p>
+          <a:p>
+            <a:endParaRPr lang="el-GR" sz="2600" dirty="0">
+              <a:latin typeface="Inter"/>
+            </a:endParaRPr>
           </a:p>
         </p:txBody>
       </p:sp>
     </p:spTree>
     <p:extLst>
       <p:ext uri="{BB962C8B-B14F-4D97-AF65-F5344CB8AC3E}">
-        <p14:creationId xmlns:p14="http://schemas.microsoft.com/office/powerpoint/2010/main" val="2155364564"/>
+        <p14:creationId xmlns:p14="http://schemas.microsoft.com/office/powerpoint/2010/main" val="3650102208"/>
       </p:ext>
     </p:extLst>
   </p:cSld>
@@ -5938,7 +5762,7 @@
           <p:cNvPr id="2" name="Title 1">
             <a:extLst>
               <a:ext uri="{FF2B5EF4-FFF2-40B4-BE49-F238E27FC236}">
-                <a16:creationId xmlns:a16="http://schemas.microsoft.com/office/drawing/2014/main" id="{1AB2474C-226A-D917-C719-FA432C30FA77}"/>
+                <a16:creationId xmlns:a16="http://schemas.microsoft.com/office/drawing/2014/main" id="{6386065E-4007-54B7-7A4D-CACBFDCCE681}"/>
               </a:ext>
             </a:extLst>
           </p:cNvPr>
@@ -5949,90 +5773,349 @@
             <p:ph type="title"/>
           </p:nvPr>
         </p:nvSpPr>
-        <p:spPr/>
+        <p:spPr>
+          <a:xfrm>
+            <a:off x="0" y="1"/>
+            <a:ext cx="11919098" cy="1339701"/>
+          </a:xfrm>
+        </p:spPr>
         <p:txBody>
           <a:bodyPr>
-            <a:normAutofit fontScale="90000"/>
+            <a:normAutofit/>
           </a:bodyPr>
           <a:lstStyle/>
           <a:p>
             <a:r>
-              <a:rPr lang="da-DK" b="1" dirty="0">
+              <a:rPr lang="en-US" b="1" dirty="0">
+                <a:latin typeface="Menlo"/>
+                <a:cs typeface="Arial" panose="020B0604020202020204" pitchFamily="34" charset="0"/>
+              </a:rPr>
+              <a:t>Analysis of Key Predictive Features for Fake News</a:t>
+            </a:r>
+            <a:endParaRPr lang="el-GR" b="1" dirty="0">
+              <a:latin typeface="Menlo"/>
+              <a:cs typeface="Arial" panose="020B0604020202020204" pitchFamily="34" charset="0"/>
+            </a:endParaRPr>
+          </a:p>
+        </p:txBody>
+      </p:sp>
+      <p:sp>
+        <p:nvSpPr>
+          <p:cNvPr id="3" name="Content Placeholder 2">
+            <a:extLst>
+              <a:ext uri="{FF2B5EF4-FFF2-40B4-BE49-F238E27FC236}">
+                <a16:creationId xmlns:a16="http://schemas.microsoft.com/office/drawing/2014/main" id="{560BC354-B96E-A23B-E778-4BF6FA03F329}"/>
+              </a:ext>
+            </a:extLst>
+          </p:cNvPr>
+          <p:cNvSpPr>
+            <a:spLocks noGrp="1"/>
+          </p:cNvSpPr>
+          <p:nvPr>
+            <p:ph idx="1"/>
+          </p:nvPr>
+        </p:nvSpPr>
+        <p:spPr>
+          <a:xfrm>
+            <a:off x="0" y="1190848"/>
+            <a:ext cx="12192000" cy="5667151"/>
+          </a:xfrm>
+        </p:spPr>
+        <p:txBody>
+          <a:bodyPr>
+            <a:normAutofit fontScale="55000" lnSpcReduction="20000"/>
+          </a:bodyPr>
+          <a:lstStyle/>
+          <a:p>
+            <a:pPr>
+              <a:lnSpc>
+                <a:spcPct val="107000"/>
+              </a:lnSpc>
+              <a:spcAft>
+                <a:spcPts val="800"/>
+              </a:spcAft>
+            </a:pPr>
+            <a:r>
+              <a:rPr lang="en-US" sz="4200" kern="100" dirty="0">
                 <a:effectLst/>
-                <a:latin typeface="Arial" panose="020B0604020202020204" pitchFamily="34" charset="0"/>
-              </a:rPr>
-              <a:t>Hyperparameter tuning for optimized logistic regression models</a:t>
-            </a:r>
-            <a:br>
-              <a:rPr lang="da-DK" dirty="0"/>
-            </a:br>
-            <a:endParaRPr lang="el-GR" dirty="0"/>
-          </a:p>
-        </p:txBody>
-      </p:sp>
-      <p:sp>
-        <p:nvSpPr>
-          <p:cNvPr id="3" name="Content Placeholder 2">
-            <a:extLst>
-              <a:ext uri="{FF2B5EF4-FFF2-40B4-BE49-F238E27FC236}">
-                <a16:creationId xmlns:a16="http://schemas.microsoft.com/office/drawing/2014/main" id="{A271EDA3-024D-7460-5D5B-44278BD20DF9}"/>
-              </a:ext>
-            </a:extLst>
-          </p:cNvPr>
-          <p:cNvSpPr>
-            <a:spLocks noGrp="1"/>
-          </p:cNvSpPr>
-          <p:nvPr>
-            <p:ph idx="1"/>
-          </p:nvPr>
-        </p:nvSpPr>
-        <p:spPr/>
-        <p:txBody>
-          <a:bodyPr/>
-          <a:lstStyle/>
-          <a:p>
-            <a:pPr marL="514350" indent="-514350">
+                <a:latin typeface="Inter"/>
+                <a:ea typeface="Calibri" panose="020F0502020204030204" pitchFamily="34" charset="0"/>
+                <a:cs typeface="Times New Roman" panose="02020603050405020304" pitchFamily="18" charset="0"/>
+              </a:rPr>
+              <a:t>Fake News Predictors (Positive Coefficients)</a:t>
+            </a:r>
+            <a:endParaRPr lang="el-GR" sz="4200" kern="100" dirty="0">
+              <a:effectLst/>
+              <a:latin typeface="Inter"/>
+              <a:ea typeface="Calibri" panose="020F0502020204030204" pitchFamily="34" charset="0"/>
+              <a:cs typeface="Times New Roman" panose="02020603050405020304" pitchFamily="18" charset="0"/>
+            </a:endParaRPr>
+          </a:p>
+          <a:p>
+            <a:pPr marL="0" indent="0">
+              <a:lnSpc>
+                <a:spcPct val="107000"/>
+              </a:lnSpc>
+              <a:spcAft>
+                <a:spcPts val="800"/>
+              </a:spcAft>
+              <a:buNone/>
+            </a:pPr>
+            <a:r>
+              <a:rPr lang="en-US" sz="4200" kern="100" dirty="0">
+                <a:effectLst/>
+                <a:latin typeface="Inter"/>
+                <a:ea typeface="Calibri" panose="020F0502020204030204" pitchFamily="34" charset="0"/>
+                <a:cs typeface="Times New Roman" panose="02020603050405020304" pitchFamily="18" charset="0"/>
+              </a:rPr>
+              <a:t>Words with positive coefficients increase the likelihood of an article being classified as fake news:  </a:t>
+            </a:r>
+            <a:endParaRPr lang="el-GR" sz="4200" kern="100" dirty="0">
+              <a:effectLst/>
+              <a:latin typeface="Inter"/>
+              <a:ea typeface="Calibri" panose="020F0502020204030204" pitchFamily="34" charset="0"/>
+              <a:cs typeface="Times New Roman" panose="02020603050405020304" pitchFamily="18" charset="0"/>
+            </a:endParaRPr>
+          </a:p>
+          <a:p>
+            <a:pPr marL="342900" indent="-342900">
+              <a:lnSpc>
+                <a:spcPct val="107000"/>
+              </a:lnSpc>
+              <a:spcAft>
+                <a:spcPts val="800"/>
+              </a:spcAft>
               <a:buFont typeface="+mj-lt"/>
               <a:buAutoNum type="arabicPeriod"/>
             </a:pPr>
             <a:r>
-              <a:rPr lang="en-US" dirty="0"/>
-              <a:t>Importance of Hyperparameter Optimization in Machine </a:t>
-            </a:r>
-            <a:r>
-              <a:rPr lang="en-US" dirty="0" err="1"/>
-              <a:t>Learning:Optimizing</a:t>
-            </a:r>
-            <a:r>
-              <a:rPr lang="en-US" dirty="0"/>
-              <a:t> hyperparameters, such as regularization strength and solver type, significantly enhances model performance and accuracy.</a:t>
-            </a:r>
-          </a:p>
-          <a:p>
-            <a:pPr marL="514350" indent="-514350">
+              <a:rPr lang="en-US" sz="4200" kern="100" dirty="0">
+                <a:effectLst/>
+                <a:latin typeface="Inter"/>
+                <a:ea typeface="Calibri" panose="020F0502020204030204" pitchFamily="34" charset="0"/>
+                <a:cs typeface="Times New Roman" panose="02020603050405020304" pitchFamily="18" charset="0"/>
+              </a:rPr>
+              <a:t> via (3.24): May indicate indirect sourcing (e.g., "via unnamed sources") common in unverified claims.  </a:t>
+            </a:r>
+            <a:endParaRPr lang="el-GR" sz="4200" kern="100" dirty="0">
+              <a:effectLst/>
+              <a:latin typeface="Inter"/>
+              <a:ea typeface="Calibri" panose="020F0502020204030204" pitchFamily="34" charset="0"/>
+              <a:cs typeface="Times New Roman" panose="02020603050405020304" pitchFamily="18" charset="0"/>
+            </a:endParaRPr>
+          </a:p>
+          <a:p>
+            <a:pPr marL="342900" indent="-342900">
+              <a:lnSpc>
+                <a:spcPct val="107000"/>
+              </a:lnSpc>
+              <a:spcAft>
+                <a:spcPts val="800"/>
+              </a:spcAft>
               <a:buFont typeface="+mj-lt"/>
               <a:buAutoNum type="arabicPeriod"/>
             </a:pPr>
             <a:r>
-              <a:rPr lang="en-US" dirty="0"/>
-              <a:t>Grid Search vs Randomized Search </a:t>
-            </a:r>
-            <a:r>
-              <a:rPr lang="en-US" dirty="0" err="1"/>
-              <a:t>Techniques:Randomized</a:t>
-            </a:r>
-            <a:r>
-              <a:rPr lang="en-US" dirty="0"/>
-              <a:t> Search offers a computationally efficient alternative to Grid Search, exploring a wider range of hyperparameter configurations.</a:t>
-            </a:r>
-            <a:endParaRPr lang="el-GR" dirty="0"/>
+              <a:rPr lang="en-US" sz="4200" kern="100" dirty="0">
+                <a:effectLst/>
+                <a:latin typeface="Inter"/>
+                <a:ea typeface="Calibri" panose="020F0502020204030204" pitchFamily="34" charset="0"/>
+                <a:cs typeface="Times New Roman" panose="02020603050405020304" pitchFamily="18" charset="0"/>
+              </a:rPr>
+              <a:t> </a:t>
+            </a:r>
+            <a:r>
+              <a:rPr lang="en-US" sz="4200" kern="100" dirty="0" err="1">
+                <a:effectLst/>
+                <a:latin typeface="Inter"/>
+                <a:ea typeface="Calibri" panose="020F0502020204030204" pitchFamily="34" charset="0"/>
+                <a:cs typeface="Times New Roman" panose="02020603050405020304" pitchFamily="18" charset="0"/>
+              </a:rPr>
+              <a:t>sen</a:t>
+            </a:r>
+            <a:r>
+              <a:rPr lang="en-US" sz="4200" kern="100" dirty="0">
+                <a:effectLst/>
+                <a:latin typeface="Inter"/>
+                <a:ea typeface="Calibri" panose="020F0502020204030204" pitchFamily="34" charset="0"/>
+                <a:cs typeface="Times New Roman" panose="02020603050405020304" pitchFamily="18" charset="0"/>
+              </a:rPr>
+              <a:t> (1.89): Short for "senator" or "senate," suggesting politicized language or sensationalized political narratives.  </a:t>
+            </a:r>
+            <a:endParaRPr lang="el-GR" sz="4200" kern="100" dirty="0">
+              <a:effectLst/>
+              <a:latin typeface="Inter"/>
+              <a:ea typeface="Calibri" panose="020F0502020204030204" pitchFamily="34" charset="0"/>
+              <a:cs typeface="Times New Roman" panose="02020603050405020304" pitchFamily="18" charset="0"/>
+            </a:endParaRPr>
+          </a:p>
+          <a:p>
+            <a:pPr marL="342900" indent="-342900">
+              <a:lnSpc>
+                <a:spcPct val="107000"/>
+              </a:lnSpc>
+              <a:spcAft>
+                <a:spcPts val="800"/>
+              </a:spcAft>
+              <a:buFont typeface="+mj-lt"/>
+              <a:buAutoNum type="arabicPeriod"/>
+            </a:pPr>
+            <a:r>
+              <a:rPr lang="en-US" sz="4200" kern="100" dirty="0">
+                <a:effectLst/>
+                <a:latin typeface="Inter"/>
+                <a:ea typeface="Calibri" panose="020F0502020204030204" pitchFamily="34" charset="0"/>
+                <a:cs typeface="Times New Roman" panose="02020603050405020304" pitchFamily="18" charset="0"/>
+              </a:rPr>
+              <a:t> </a:t>
+            </a:r>
+            <a:r>
+              <a:rPr lang="en-US" sz="4200" kern="100" dirty="0" err="1">
+                <a:effectLst/>
+                <a:latin typeface="Inter"/>
+                <a:ea typeface="Calibri" panose="020F0502020204030204" pitchFamily="34" charset="0"/>
+                <a:cs typeface="Times New Roman" panose="02020603050405020304" pitchFamily="18" charset="0"/>
+              </a:rPr>
+              <a:t>gop</a:t>
+            </a:r>
+            <a:r>
+              <a:rPr lang="en-US" sz="4200" kern="100" dirty="0">
+                <a:effectLst/>
+                <a:latin typeface="Inter"/>
+                <a:ea typeface="Calibri" panose="020F0502020204030204" pitchFamily="34" charset="0"/>
+                <a:cs typeface="Times New Roman" panose="02020603050405020304" pitchFamily="18" charset="0"/>
+              </a:rPr>
+              <a:t> (1.81): References to the Republican Party, possibly signaling partisan rhetoric.  </a:t>
+            </a:r>
+            <a:endParaRPr lang="el-GR" sz="4200" kern="100" dirty="0">
+              <a:effectLst/>
+              <a:latin typeface="Inter"/>
+              <a:ea typeface="Calibri" panose="020F0502020204030204" pitchFamily="34" charset="0"/>
+              <a:cs typeface="Times New Roman" panose="02020603050405020304" pitchFamily="18" charset="0"/>
+            </a:endParaRPr>
+          </a:p>
+          <a:p>
+            <a:pPr marL="342900" indent="-342900">
+              <a:lnSpc>
+                <a:spcPct val="107000"/>
+              </a:lnSpc>
+              <a:spcAft>
+                <a:spcPts val="800"/>
+              </a:spcAft>
+              <a:buFont typeface="+mj-lt"/>
+              <a:buAutoNum type="arabicPeriod"/>
+            </a:pPr>
+            <a:r>
+              <a:rPr lang="en-US" sz="4200" kern="100" dirty="0" err="1">
+                <a:effectLst/>
+                <a:latin typeface="Inter"/>
+                <a:ea typeface="Calibri" panose="020F0502020204030204" pitchFamily="34" charset="0"/>
+                <a:cs typeface="Times New Roman" panose="02020603050405020304" pitchFamily="18" charset="0"/>
+              </a:rPr>
+              <a:t>obama</a:t>
+            </a:r>
+            <a:r>
+              <a:rPr lang="en-US" sz="4200" kern="100" dirty="0">
+                <a:effectLst/>
+                <a:latin typeface="Inter"/>
+                <a:ea typeface="Calibri" panose="020F0502020204030204" pitchFamily="34" charset="0"/>
+                <a:cs typeface="Times New Roman" panose="02020603050405020304" pitchFamily="18" charset="0"/>
+              </a:rPr>
+              <a:t> (1.80): Mentions of polarizing figures could align with emotionally charged or outdated claims.  </a:t>
+            </a:r>
+            <a:endParaRPr lang="el-GR" sz="4200" kern="100" dirty="0">
+              <a:effectLst/>
+              <a:latin typeface="Inter"/>
+              <a:ea typeface="Calibri" panose="020F0502020204030204" pitchFamily="34" charset="0"/>
+              <a:cs typeface="Times New Roman" panose="02020603050405020304" pitchFamily="18" charset="0"/>
+            </a:endParaRPr>
+          </a:p>
+          <a:p>
+            <a:pPr marL="342900" indent="-342900">
+              <a:lnSpc>
+                <a:spcPct val="107000"/>
+              </a:lnSpc>
+              <a:spcAft>
+                <a:spcPts val="800"/>
+              </a:spcAft>
+              <a:buFont typeface="+mj-lt"/>
+              <a:buAutoNum type="arabicPeriod"/>
+            </a:pPr>
+            <a:r>
+              <a:rPr lang="en-US" sz="4200" kern="100" dirty="0">
+                <a:effectLst/>
+                <a:latin typeface="Inter"/>
+                <a:ea typeface="Calibri" panose="020F0502020204030204" pitchFamily="34" charset="0"/>
+                <a:cs typeface="Times New Roman" panose="02020603050405020304" pitchFamily="18" charset="0"/>
+              </a:rPr>
+              <a:t> rep (1.79): Abbreviation for "Republican" or "representative," again pointing to politicized content.  </a:t>
+            </a:r>
+            <a:endParaRPr lang="el-GR" sz="4200" kern="100" dirty="0">
+              <a:effectLst/>
+              <a:latin typeface="Inter"/>
+              <a:ea typeface="Calibri" panose="020F0502020204030204" pitchFamily="34" charset="0"/>
+              <a:cs typeface="Times New Roman" panose="02020603050405020304" pitchFamily="18" charset="0"/>
+            </a:endParaRPr>
+          </a:p>
+          <a:p>
+            <a:pPr marL="342900" indent="-342900">
+              <a:lnSpc>
+                <a:spcPct val="107000"/>
+              </a:lnSpc>
+              <a:spcAft>
+                <a:spcPts val="800"/>
+              </a:spcAft>
+              <a:buFont typeface="+mj-lt"/>
+              <a:buAutoNum type="arabicPeriod"/>
+            </a:pPr>
+            <a:r>
+              <a:rPr lang="en-US" sz="4200" kern="100" dirty="0">
+                <a:effectLst/>
+                <a:latin typeface="Inter"/>
+                <a:ea typeface="Calibri" panose="020F0502020204030204" pitchFamily="34" charset="0"/>
+                <a:cs typeface="Times New Roman" panose="02020603050405020304" pitchFamily="18" charset="0"/>
+              </a:rPr>
+              <a:t> </a:t>
+            </a:r>
+            <a:r>
+              <a:rPr lang="en-US" sz="4200" kern="100" dirty="0" err="1">
+                <a:effectLst/>
+                <a:latin typeface="Inter"/>
+                <a:ea typeface="Calibri" panose="020F0502020204030204" pitchFamily="34" charset="0"/>
+                <a:cs typeface="Times New Roman" panose="02020603050405020304" pitchFamily="18" charset="0"/>
+              </a:rPr>
+              <a:t>imag</a:t>
+            </a:r>
+            <a:r>
+              <a:rPr lang="en-US" sz="4200" kern="100" dirty="0">
+                <a:effectLst/>
+                <a:latin typeface="Inter"/>
+                <a:ea typeface="Calibri" panose="020F0502020204030204" pitchFamily="34" charset="0"/>
+                <a:cs typeface="Times New Roman" panose="02020603050405020304" pitchFamily="18" charset="0"/>
+              </a:rPr>
+              <a:t> (1.76): Could relate to "image" (misleading visuals) or "imagine" (hypothetical scenarios).  </a:t>
+            </a:r>
+            <a:endParaRPr lang="el-GR" sz="4200" kern="100" dirty="0">
+              <a:effectLst/>
+              <a:latin typeface="Inter"/>
+              <a:ea typeface="Calibri" panose="020F0502020204030204" pitchFamily="34" charset="0"/>
+              <a:cs typeface="Times New Roman" panose="02020603050405020304" pitchFamily="18" charset="0"/>
+            </a:endParaRPr>
+          </a:p>
+          <a:p>
+            <a:pPr marL="0" indent="0">
+              <a:buNone/>
+            </a:pPr>
+            <a:endParaRPr lang="el-GR" sz="2600" dirty="0">
+              <a:latin typeface="Inter"/>
+            </a:endParaRPr>
           </a:p>
         </p:txBody>
       </p:sp>
     </p:spTree>
     <p:extLst>
       <p:ext uri="{BB962C8B-B14F-4D97-AF65-F5344CB8AC3E}">
-        <p14:creationId xmlns:p14="http://schemas.microsoft.com/office/powerpoint/2010/main" val="3700992293"/>
+        <p14:creationId xmlns:p14="http://schemas.microsoft.com/office/powerpoint/2010/main" val="2658761351"/>
       </p:ext>
     </p:extLst>
   </p:cSld>
@@ -6044,6 +6127,282 @@
 
 <file path=ppt/slides/slide19.xml><?xml version="1.0" encoding="utf-8"?>
 <p:sld xmlns:a="http://schemas.openxmlformats.org/drawingml/2006/main" xmlns:r="http://schemas.openxmlformats.org/officeDocument/2006/relationships" xmlns:p="http://schemas.openxmlformats.org/presentationml/2006/main">
+  <p:cSld>
+    <p:spTree>
+      <p:nvGrpSpPr>
+        <p:cNvPr id="1" name="">
+          <a:extLst>
+            <a:ext uri="{FF2B5EF4-FFF2-40B4-BE49-F238E27FC236}">
+              <a16:creationId xmlns:a16="http://schemas.microsoft.com/office/drawing/2014/main" id="{3CDEC116-2A3E-176D-3DE6-113ED8B66FF3}"/>
+            </a:ext>
+          </a:extLst>
+        </p:cNvPr>
+        <p:cNvGrpSpPr/>
+        <p:nvPr/>
+      </p:nvGrpSpPr>
+      <p:grpSpPr>
+        <a:xfrm>
+          <a:off x="0" y="0"/>
+          <a:ext cx="0" cy="0"/>
+          <a:chOff x="0" y="0"/>
+          <a:chExt cx="0" cy="0"/>
+        </a:xfrm>
+      </p:grpSpPr>
+      <p:sp>
+        <p:nvSpPr>
+          <p:cNvPr id="2" name="Title 1">
+            <a:extLst>
+              <a:ext uri="{FF2B5EF4-FFF2-40B4-BE49-F238E27FC236}">
+                <a16:creationId xmlns:a16="http://schemas.microsoft.com/office/drawing/2014/main" id="{640E7972-978C-7E02-3311-6B7546272109}"/>
+              </a:ext>
+            </a:extLst>
+          </p:cNvPr>
+          <p:cNvSpPr>
+            <a:spLocks noGrp="1"/>
+          </p:cNvSpPr>
+          <p:nvPr>
+            <p:ph type="title"/>
+          </p:nvPr>
+        </p:nvSpPr>
+        <p:spPr>
+          <a:xfrm>
+            <a:off x="0" y="-467833"/>
+            <a:ext cx="12192000" cy="2179675"/>
+          </a:xfrm>
+        </p:spPr>
+        <p:txBody>
+          <a:bodyPr>
+            <a:normAutofit/>
+          </a:bodyPr>
+          <a:lstStyle/>
+          <a:p>
+            <a:r>
+              <a:rPr lang="en-US" b="1" dirty="0">
+                <a:latin typeface="Menlo"/>
+                <a:cs typeface="Arial" panose="020B0604020202020204" pitchFamily="34" charset="0"/>
+              </a:rPr>
+              <a:t>Analysis of Key Predictive Features for Fake News</a:t>
+            </a:r>
+            <a:endParaRPr lang="el-GR" b="1" dirty="0">
+              <a:latin typeface="Menlo"/>
+              <a:cs typeface="Arial" panose="020B0604020202020204" pitchFamily="34" charset="0"/>
+            </a:endParaRPr>
+          </a:p>
+        </p:txBody>
+      </p:sp>
+      <p:sp>
+        <p:nvSpPr>
+          <p:cNvPr id="3" name="Content Placeholder 2">
+            <a:extLst>
+              <a:ext uri="{FF2B5EF4-FFF2-40B4-BE49-F238E27FC236}">
+                <a16:creationId xmlns:a16="http://schemas.microsoft.com/office/drawing/2014/main" id="{BEB33303-79D0-580E-EF60-25B7E7D972B9}"/>
+              </a:ext>
+            </a:extLst>
+          </p:cNvPr>
+          <p:cNvSpPr>
+            <a:spLocks noGrp="1"/>
+          </p:cNvSpPr>
+          <p:nvPr>
+            <p:ph idx="1"/>
+          </p:nvPr>
+        </p:nvSpPr>
+        <p:spPr>
+          <a:xfrm>
+            <a:off x="0" y="1711842"/>
+            <a:ext cx="12192000" cy="4635795"/>
+          </a:xfrm>
+        </p:spPr>
+        <p:txBody>
+          <a:bodyPr>
+            <a:normAutofit/>
+          </a:bodyPr>
+          <a:lstStyle/>
+          <a:p>
+            <a:pPr>
+              <a:lnSpc>
+                <a:spcPct val="107000"/>
+              </a:lnSpc>
+              <a:spcAft>
+                <a:spcPts val="800"/>
+              </a:spcAft>
+            </a:pPr>
+            <a:r>
+              <a:rPr lang="en-US" sz="2600" kern="100" dirty="0">
+                <a:effectLst/>
+                <a:latin typeface="Inter"/>
+                <a:ea typeface="Calibri" panose="020F0502020204030204" pitchFamily="34" charset="0"/>
+                <a:cs typeface="Times New Roman" panose="02020603050405020304" pitchFamily="18" charset="0"/>
+              </a:rPr>
+              <a:t>Real News Indicators (Negative Coefficients) </a:t>
+            </a:r>
+            <a:endParaRPr lang="el-GR" sz="2600" kern="100" dirty="0">
+              <a:effectLst/>
+              <a:latin typeface="Inter"/>
+              <a:ea typeface="Calibri" panose="020F0502020204030204" pitchFamily="34" charset="0"/>
+              <a:cs typeface="Times New Roman" panose="02020603050405020304" pitchFamily="18" charset="0"/>
+            </a:endParaRPr>
+          </a:p>
+          <a:p>
+            <a:pPr marL="0" indent="0">
+              <a:lnSpc>
+                <a:spcPct val="107000"/>
+              </a:lnSpc>
+              <a:spcAft>
+                <a:spcPts val="800"/>
+              </a:spcAft>
+              <a:buNone/>
+            </a:pPr>
+            <a:r>
+              <a:rPr lang="en-US" sz="2600" kern="100" dirty="0">
+                <a:effectLst/>
+                <a:latin typeface="Inter"/>
+                <a:ea typeface="Calibri" panose="020F0502020204030204" pitchFamily="34" charset="0"/>
+                <a:cs typeface="Times New Roman" panose="02020603050405020304" pitchFamily="18" charset="0"/>
+              </a:rPr>
+              <a:t>Words with negative coefficients correlate with real news:  </a:t>
+            </a:r>
+            <a:endParaRPr lang="el-GR" sz="2600" kern="100" dirty="0">
+              <a:effectLst/>
+              <a:latin typeface="Inter"/>
+              <a:ea typeface="Calibri" panose="020F0502020204030204" pitchFamily="34" charset="0"/>
+              <a:cs typeface="Times New Roman" panose="02020603050405020304" pitchFamily="18" charset="0"/>
+            </a:endParaRPr>
+          </a:p>
+          <a:p>
+            <a:pPr marL="514350" indent="-514350">
+              <a:lnSpc>
+                <a:spcPct val="107000"/>
+              </a:lnSpc>
+              <a:spcAft>
+                <a:spcPts val="800"/>
+              </a:spcAft>
+              <a:buFont typeface="+mj-lt"/>
+              <a:buAutoNum type="arabicPeriod"/>
+            </a:pPr>
+            <a:r>
+              <a:rPr lang="en-US" sz="2600" kern="100" dirty="0">
+                <a:effectLst/>
+                <a:latin typeface="Inter"/>
+                <a:ea typeface="Calibri" panose="020F0502020204030204" pitchFamily="34" charset="0"/>
+                <a:cs typeface="Times New Roman" panose="02020603050405020304" pitchFamily="18" charset="0"/>
+              </a:rPr>
+              <a:t> said (-2.39): Reflects proper attribution of quotes, a hallmark of credible journalism.  </a:t>
+            </a:r>
+            <a:endParaRPr lang="en-US" sz="2600" kern="100" dirty="0">
+              <a:latin typeface="Inter"/>
+              <a:ea typeface="Calibri" panose="020F0502020204030204" pitchFamily="34" charset="0"/>
+              <a:cs typeface="Times New Roman" panose="02020603050405020304" pitchFamily="18" charset="0"/>
+            </a:endParaRPr>
+          </a:p>
+          <a:p>
+            <a:pPr marL="514350" indent="-514350">
+              <a:lnSpc>
+                <a:spcPct val="107000"/>
+              </a:lnSpc>
+              <a:spcAft>
+                <a:spcPts val="800"/>
+              </a:spcAft>
+              <a:buFont typeface="+mj-lt"/>
+              <a:buAutoNum type="arabicPeriod"/>
+            </a:pPr>
+            <a:r>
+              <a:rPr lang="en-US" sz="2600" kern="100" dirty="0" err="1">
+                <a:effectLst/>
+                <a:latin typeface="Inter"/>
+                <a:ea typeface="Calibri" panose="020F0502020204030204" pitchFamily="34" charset="0"/>
+                <a:cs typeface="Times New Roman" panose="02020603050405020304" pitchFamily="18" charset="0"/>
+              </a:rPr>
+              <a:t>thursday</a:t>
+            </a:r>
+            <a:r>
+              <a:rPr lang="en-US" sz="2600" kern="100" dirty="0">
+                <a:effectLst/>
+                <a:latin typeface="Inter"/>
+                <a:ea typeface="Calibri" panose="020F0502020204030204" pitchFamily="34" charset="0"/>
+                <a:cs typeface="Times New Roman" panose="02020603050405020304" pitchFamily="18" charset="0"/>
+              </a:rPr>
+              <a:t> (-1.76) and </a:t>
+            </a:r>
+            <a:r>
+              <a:rPr lang="en-US" sz="2600" kern="100" dirty="0" err="1">
+                <a:effectLst/>
+                <a:latin typeface="Inter"/>
+                <a:ea typeface="Calibri" panose="020F0502020204030204" pitchFamily="34" charset="0"/>
+                <a:cs typeface="Times New Roman" panose="02020603050405020304" pitchFamily="18" charset="0"/>
+              </a:rPr>
+              <a:t>wednesday</a:t>
+            </a:r>
+            <a:r>
+              <a:rPr lang="en-US" sz="2600" kern="100" dirty="0">
+                <a:effectLst/>
+                <a:latin typeface="Inter"/>
+                <a:ea typeface="Calibri" panose="020F0502020204030204" pitchFamily="34" charset="0"/>
+                <a:cs typeface="Times New Roman" panose="02020603050405020304" pitchFamily="18" charset="0"/>
+              </a:rPr>
+              <a:t> (-1.73): Specific days of the week suggest timely, event-based reporting. </a:t>
+            </a:r>
+          </a:p>
+          <a:p>
+            <a:pPr marL="514350" indent="-514350">
+              <a:lnSpc>
+                <a:spcPct val="107000"/>
+              </a:lnSpc>
+              <a:spcAft>
+                <a:spcPts val="800"/>
+              </a:spcAft>
+              <a:buFont typeface="+mj-lt"/>
+              <a:buAutoNum type="arabicPeriod"/>
+            </a:pPr>
+            <a:r>
+              <a:rPr lang="en-US" sz="2600" kern="100" dirty="0" err="1">
+                <a:effectLst/>
+                <a:latin typeface="Inter"/>
+                <a:ea typeface="Calibri" panose="020F0502020204030204" pitchFamily="34" charset="0"/>
+                <a:cs typeface="Times New Roman" panose="02020603050405020304" pitchFamily="18" charset="0"/>
+              </a:rPr>
+              <a:t>dont</a:t>
+            </a:r>
+            <a:r>
+              <a:rPr lang="en-US" sz="2600" kern="100" dirty="0">
+                <a:effectLst/>
+                <a:latin typeface="Inter"/>
+                <a:ea typeface="Calibri" panose="020F0502020204030204" pitchFamily="34" charset="0"/>
+                <a:cs typeface="Times New Roman" panose="02020603050405020304" pitchFamily="18" charset="0"/>
+              </a:rPr>
+              <a:t> (-1.76): May appear in quotes or factual statements (e.g., "experts don’t agree"), common in balanced reporting.  </a:t>
+            </a:r>
+            <a:endParaRPr lang="el-GR" sz="2600" kern="100" dirty="0">
+              <a:effectLst/>
+              <a:latin typeface="Inter"/>
+              <a:ea typeface="Calibri" panose="020F0502020204030204" pitchFamily="34" charset="0"/>
+              <a:cs typeface="Times New Roman" panose="02020603050405020304" pitchFamily="18" charset="0"/>
+            </a:endParaRPr>
+          </a:p>
+          <a:p>
+            <a:pPr marL="0" indent="0">
+              <a:buNone/>
+            </a:pPr>
+            <a:endParaRPr lang="el-GR" sz="2600" dirty="0">
+              <a:latin typeface="Inter"/>
+            </a:endParaRPr>
+          </a:p>
+        </p:txBody>
+      </p:sp>
+    </p:spTree>
+    <p:extLst>
+      <p:ext uri="{BB962C8B-B14F-4D97-AF65-F5344CB8AC3E}">
+        <p14:creationId xmlns:p14="http://schemas.microsoft.com/office/powerpoint/2010/main" val="2574052699"/>
+      </p:ext>
+    </p:extLst>
+  </p:cSld>
+  <p:clrMapOvr>
+    <a:masterClrMapping/>
+  </p:clrMapOvr>
+</p:sld>
+</file>
+
+<file path=ppt/slides/slide2.xml><?xml version="1.0" encoding="utf-8"?>
+<p:sld xmlns:a="http://schemas.openxmlformats.org/drawingml/2006/main" xmlns:r="http://schemas.openxmlformats.org/officeDocument/2006/relationships" xmlns:p="http://schemas.openxmlformats.org/presentationml/2006/main" show="0">
   <p:cSld>
     <p:spTree>
       <p:nvGrpSpPr>
@@ -6064,7 +6423,7 @@
           <p:cNvPr id="2" name="Title 1">
             <a:extLst>
               <a:ext uri="{FF2B5EF4-FFF2-40B4-BE49-F238E27FC236}">
-                <a16:creationId xmlns:a16="http://schemas.microsoft.com/office/drawing/2014/main" id="{659698ED-4BC8-3509-070D-0832323E9AE0}"/>
+                <a16:creationId xmlns:a16="http://schemas.microsoft.com/office/drawing/2014/main" id="{34B1F995-B634-2888-C05E-2F39E4BEEAF4}"/>
               </a:ext>
             </a:extLst>
           </p:cNvPr>
@@ -6075,354 +6434,33 @@
             <p:ph type="title"/>
           </p:nvPr>
         </p:nvSpPr>
-        <p:spPr/>
-        <p:txBody>
-          <a:bodyPr>
-            <a:normAutofit fontScale="90000"/>
-          </a:bodyPr>
-          <a:lstStyle/>
-          <a:p>
-            <a:r>
-              <a:rPr lang="en-US" b="1" dirty="0">
-                <a:effectLst/>
-                <a:latin typeface="Arial" panose="020B0604020202020204" pitchFamily="34" charset="0"/>
-              </a:rPr>
-              <a:t>Performance metrics to evaluate model effectiveness and reliability</a:t>
-            </a:r>
-            <a:br>
-              <a:rPr lang="en-US" dirty="0"/>
-            </a:br>
-            <a:endParaRPr lang="el-GR" dirty="0"/>
-          </a:p>
-        </p:txBody>
-      </p:sp>
-      <p:sp>
-        <p:nvSpPr>
-          <p:cNvPr id="3" name="Content Placeholder 2">
-            <a:extLst>
-              <a:ext uri="{FF2B5EF4-FFF2-40B4-BE49-F238E27FC236}">
-                <a16:creationId xmlns:a16="http://schemas.microsoft.com/office/drawing/2014/main" id="{D98F36BA-86C0-08D2-B478-58D9CAD2AD10}"/>
-              </a:ext>
-            </a:extLst>
-          </p:cNvPr>
-          <p:cNvSpPr>
-            <a:spLocks noGrp="1"/>
-          </p:cNvSpPr>
-          <p:nvPr>
-            <p:ph idx="1"/>
-          </p:nvPr>
-        </p:nvSpPr>
-        <p:spPr/>
+        <p:spPr>
+          <a:xfrm>
+            <a:off x="838200" y="365125"/>
+            <a:ext cx="10515600" cy="5833656"/>
+          </a:xfrm>
+        </p:spPr>
         <p:txBody>
           <a:bodyPr/>
           <a:lstStyle/>
           <a:p>
-            <a:pPr marL="514350" indent="-514350">
-              <a:buFont typeface="+mj-lt"/>
-              <a:buAutoNum type="arabicPeriod"/>
-            </a:pPr>
-            <a:r>
-              <a:rPr lang="en-US" dirty="0"/>
-              <a:t>Accuracy as a Primary Metric for Classification Models: Achieving 98.9% accuracy reflects the model's strong performance in distinguishing between fake and real news.</a:t>
-            </a:r>
-          </a:p>
-          <a:p>
-            <a:pPr marL="514350" indent="-514350">
-              <a:buFont typeface="+mj-lt"/>
-              <a:buAutoNum type="arabicPeriod"/>
-            </a:pPr>
-            <a:r>
-              <a:rPr lang="en-US" dirty="0"/>
-              <a:t> Understanding Precision and Recall in Context: Balancing precision and recall is crucial, particularly in tasks where false positives can lead to significant consequences.</a:t>
-            </a:r>
-          </a:p>
-          <a:p>
-            <a:pPr marL="514350" indent="-514350">
-              <a:buFont typeface="+mj-lt"/>
-              <a:buAutoNum type="arabicPeriod"/>
-            </a:pPr>
-            <a:r>
-              <a:rPr lang="en-US" dirty="0"/>
-              <a:t> F1 Score A Comprehensive Evaluation </a:t>
-            </a:r>
-            <a:r>
-              <a:rPr lang="en-US" dirty="0" err="1"/>
-              <a:t>Metric:The</a:t>
-            </a:r>
-            <a:r>
-              <a:rPr lang="en-US" dirty="0"/>
-              <a:t> F1 Score provides a balanced measure of a model's accuracy, considering both precision and recall.</a:t>
-            </a:r>
+            <a:pPr algn="ctr"/>
+            <a:r>
+              <a:rPr lang="en-US" dirty="0">
+                <a:latin typeface="Menlo"/>
+              </a:rPr>
+              <a:t>Reasons why this paradigm was chosen…</a:t>
+            </a:r>
+            <a:endParaRPr lang="el-GR" dirty="0">
+              <a:latin typeface="Menlo"/>
+            </a:endParaRPr>
           </a:p>
         </p:txBody>
       </p:sp>
     </p:spTree>
     <p:extLst>
       <p:ext uri="{BB962C8B-B14F-4D97-AF65-F5344CB8AC3E}">
-        <p14:creationId xmlns:p14="http://schemas.microsoft.com/office/powerpoint/2010/main" val="1908735725"/>
-      </p:ext>
-    </p:extLst>
-  </p:cSld>
-  <p:clrMapOvr>
-    <a:masterClrMapping/>
-  </p:clrMapOvr>
-</p:sld>
-</file>
-
-<file path=ppt/slides/slide2.xml><?xml version="1.0" encoding="utf-8"?>
-<p:sld xmlns:a="http://schemas.openxmlformats.org/drawingml/2006/main" xmlns:r="http://schemas.openxmlformats.org/officeDocument/2006/relationships" xmlns:p="http://schemas.openxmlformats.org/presentationml/2006/main">
-  <p:cSld>
-    <p:spTree>
-      <p:nvGrpSpPr>
-        <p:cNvPr id="1" name=""/>
-        <p:cNvGrpSpPr/>
-        <p:nvPr/>
-      </p:nvGrpSpPr>
-      <p:grpSpPr>
-        <a:xfrm>
-          <a:off x="0" y="0"/>
-          <a:ext cx="0" cy="0"/>
-          <a:chOff x="0" y="0"/>
-          <a:chExt cx="0" cy="0"/>
-        </a:xfrm>
-      </p:grpSpPr>
-      <p:sp>
-        <p:nvSpPr>
-          <p:cNvPr id="2" name="Title 1">
-            <a:extLst>
-              <a:ext uri="{FF2B5EF4-FFF2-40B4-BE49-F238E27FC236}">
-                <a16:creationId xmlns:a16="http://schemas.microsoft.com/office/drawing/2014/main" id="{8695A1D5-9593-24A4-EE48-250F90A3A457}"/>
-              </a:ext>
-            </a:extLst>
-          </p:cNvPr>
-          <p:cNvSpPr>
-            <a:spLocks noGrp="1"/>
-          </p:cNvSpPr>
-          <p:nvPr>
-            <p:ph type="title"/>
-          </p:nvPr>
-        </p:nvSpPr>
-        <p:spPr>
-          <a:xfrm>
-            <a:off x="106326" y="148857"/>
-            <a:ext cx="11247474" cy="1541832"/>
-          </a:xfrm>
-        </p:spPr>
-        <p:txBody>
-          <a:bodyPr>
-            <a:normAutofit/>
-          </a:bodyPr>
-          <a:lstStyle/>
-          <a:p>
-            <a:r>
-              <a:rPr lang="en-US" b="0" i="0" dirty="0">
-                <a:solidFill>
-                  <a:srgbClr val="404040"/>
-                </a:solidFill>
-                <a:effectLst/>
-                <a:latin typeface="Menlo"/>
-              </a:rPr>
-              <a:t>Fake news impacts public opinion and can alter democratic processes.</a:t>
-            </a:r>
-            <a:endParaRPr lang="el-GR" dirty="0"/>
-          </a:p>
-        </p:txBody>
-      </p:sp>
-      <p:sp>
-        <p:nvSpPr>
-          <p:cNvPr id="3" name="Content Placeholder 2">
-            <a:extLst>
-              <a:ext uri="{FF2B5EF4-FFF2-40B4-BE49-F238E27FC236}">
-                <a16:creationId xmlns:a16="http://schemas.microsoft.com/office/drawing/2014/main" id="{27C50356-2082-DF96-1FDA-090C0EF25968}"/>
-              </a:ext>
-            </a:extLst>
-          </p:cNvPr>
-          <p:cNvSpPr>
-            <a:spLocks noGrp="1"/>
-          </p:cNvSpPr>
-          <p:nvPr>
-            <p:ph idx="1"/>
-          </p:nvPr>
-        </p:nvSpPr>
-        <p:spPr>
-          <a:xfrm>
-            <a:off x="838200" y="1935125"/>
-            <a:ext cx="10515600" cy="4518837"/>
-          </a:xfrm>
-        </p:spPr>
-        <p:txBody>
-          <a:bodyPr>
-            <a:normAutofit fontScale="85000" lnSpcReduction="20000"/>
-          </a:bodyPr>
-          <a:lstStyle/>
-          <a:p>
-            <a:pPr algn="l">
-              <a:spcBef>
-                <a:spcPts val="300"/>
-              </a:spcBef>
-              <a:buFont typeface="Arial" panose="020B0604020202020204" pitchFamily="34" charset="0"/>
-              <a:buChar char="•"/>
-            </a:pPr>
-            <a:r>
-              <a:rPr lang="en-US" b="0" i="0" dirty="0">
-                <a:solidFill>
-                  <a:srgbClr val="404040"/>
-                </a:solidFill>
-                <a:effectLst/>
-                <a:latin typeface="Inter"/>
-              </a:rPr>
-              <a:t>Influence of Fake News on Voter </a:t>
-            </a:r>
-            <a:r>
-              <a:rPr lang="en-US" b="0" i="0" dirty="0" err="1">
-                <a:solidFill>
-                  <a:srgbClr val="404040"/>
-                </a:solidFill>
-                <a:effectLst/>
-                <a:latin typeface="Inter"/>
-              </a:rPr>
-              <a:t>Behaviour</a:t>
-            </a:r>
-            <a:r>
-              <a:rPr lang="en-US" b="0" i="0" dirty="0">
-                <a:solidFill>
-                  <a:srgbClr val="404040"/>
-                </a:solidFill>
-                <a:effectLst/>
-                <a:latin typeface="Inter"/>
-              </a:rPr>
-              <a:t>: The dissemination of fake news can sway voter opinions, thereby impacting election outcomes and undermining democratic processes.</a:t>
-            </a:r>
-          </a:p>
-          <a:p>
-            <a:pPr algn="l">
-              <a:spcBef>
-                <a:spcPts val="300"/>
-              </a:spcBef>
-              <a:buFont typeface="Arial" panose="020B0604020202020204" pitchFamily="34" charset="0"/>
-              <a:buChar char="•"/>
-            </a:pPr>
-            <a:endParaRPr lang="en-US" b="0" i="0" dirty="0">
-              <a:solidFill>
-                <a:srgbClr val="404040"/>
-              </a:solidFill>
-              <a:effectLst/>
-              <a:latin typeface="Inter"/>
-            </a:endParaRPr>
-          </a:p>
-          <a:p>
-            <a:pPr algn="l">
-              <a:spcBef>
-                <a:spcPts val="300"/>
-              </a:spcBef>
-              <a:buFont typeface="Arial" panose="020B0604020202020204" pitchFamily="34" charset="0"/>
-              <a:buChar char="•"/>
-            </a:pPr>
-            <a:r>
-              <a:rPr lang="en-US" b="0" i="0" dirty="0">
-                <a:solidFill>
-                  <a:srgbClr val="404040"/>
-                </a:solidFill>
-                <a:effectLst/>
-                <a:latin typeface="Inter"/>
-              </a:rPr>
-              <a:t>Long-term Consequences of Misinformation on Democracy: Persistent exposure to fake news can erode public trust in legitimate news sources, ultimately threatening democratic institutions.</a:t>
-            </a:r>
-          </a:p>
-          <a:p>
-            <a:pPr algn="l">
-              <a:spcBef>
-                <a:spcPts val="300"/>
-              </a:spcBef>
-              <a:buFont typeface="Arial" panose="020B0604020202020204" pitchFamily="34" charset="0"/>
-              <a:buChar char="•"/>
-            </a:pPr>
-            <a:endParaRPr lang="en-US" b="0" i="0" dirty="0">
-              <a:solidFill>
-                <a:srgbClr val="404040"/>
-              </a:solidFill>
-              <a:effectLst/>
-              <a:latin typeface="Inter"/>
-            </a:endParaRPr>
-          </a:p>
-          <a:p>
-            <a:pPr algn="l">
-              <a:spcBef>
-                <a:spcPts val="300"/>
-              </a:spcBef>
-              <a:buFont typeface="Arial" panose="020B0604020202020204" pitchFamily="34" charset="0"/>
-              <a:buChar char="•"/>
-            </a:pPr>
-            <a:r>
-              <a:rPr lang="en-US" b="0" i="0" dirty="0">
-                <a:solidFill>
-                  <a:srgbClr val="404040"/>
-                </a:solidFill>
-                <a:effectLst/>
-                <a:latin typeface="Inter"/>
-              </a:rPr>
-              <a:t>The Role of Social Media in Fake News Propagation: Social media platforms are often breeding grounds for fake news, amplifying its reach and making it difficult for users to discern credible information.</a:t>
-            </a:r>
-          </a:p>
-          <a:p>
-            <a:pPr algn="l">
-              <a:spcBef>
-                <a:spcPts val="300"/>
-              </a:spcBef>
-              <a:buFont typeface="Arial" panose="020B0604020202020204" pitchFamily="34" charset="0"/>
-              <a:buChar char="•"/>
-            </a:pPr>
-            <a:endParaRPr lang="en-US" b="0" i="0" dirty="0">
-              <a:solidFill>
-                <a:srgbClr val="404040"/>
-              </a:solidFill>
-              <a:effectLst/>
-              <a:latin typeface="Inter"/>
-            </a:endParaRPr>
-          </a:p>
-          <a:p>
-            <a:pPr algn="l">
-              <a:spcBef>
-                <a:spcPts val="300"/>
-              </a:spcBef>
-              <a:buFont typeface="Arial" panose="020B0604020202020204" pitchFamily="34" charset="0"/>
-              <a:buChar char="•"/>
-            </a:pPr>
-            <a:r>
-              <a:rPr lang="en-US" b="0" i="0" dirty="0">
-                <a:solidFill>
-                  <a:srgbClr val="404040"/>
-                </a:solidFill>
-                <a:effectLst/>
-                <a:latin typeface="Inter"/>
-              </a:rPr>
-              <a:t>Countermeasures Against Misinformation in Political Arenas: Developing robust strategies to identify and counter misinformation is critical to safeguarding democratic integrity and informed citizenry.</a:t>
-            </a:r>
-          </a:p>
-          <a:p>
-            <a:pPr marL="0" indent="0" algn="l">
-              <a:spcBef>
-                <a:spcPts val="300"/>
-              </a:spcBef>
-              <a:buNone/>
-            </a:pPr>
-            <a:endParaRPr lang="en-US" b="0" i="0" dirty="0">
-              <a:solidFill>
-                <a:srgbClr val="404040"/>
-              </a:solidFill>
-              <a:effectLst/>
-              <a:latin typeface="Inter"/>
-            </a:endParaRPr>
-          </a:p>
-          <a:p>
-            <a:endParaRPr lang="el-GR" dirty="0"/>
-          </a:p>
-        </p:txBody>
-      </p:sp>
-    </p:spTree>
-    <p:extLst>
-      <p:ext uri="{BB962C8B-B14F-4D97-AF65-F5344CB8AC3E}">
-        <p14:creationId xmlns:p14="http://schemas.microsoft.com/office/powerpoint/2010/main" val="587126233"/>
+        <p14:creationId xmlns:p14="http://schemas.microsoft.com/office/powerpoint/2010/main" val="2044119994"/>
       </p:ext>
     </p:extLst>
   </p:cSld>
@@ -6454,7 +6492,7 @@
           <p:cNvPr id="2" name="Title 1">
             <a:extLst>
               <a:ext uri="{FF2B5EF4-FFF2-40B4-BE49-F238E27FC236}">
-                <a16:creationId xmlns:a16="http://schemas.microsoft.com/office/drawing/2014/main" id="{6386065E-4007-54B7-7A4D-CACBFDCCE681}"/>
+                <a16:creationId xmlns:a16="http://schemas.microsoft.com/office/drawing/2014/main" id="{E24B75B4-D234-D3EF-CD26-F9FB64BCB63D}"/>
               </a:ext>
             </a:extLst>
           </p:cNvPr>
@@ -6465,23 +6503,24 @@
             <p:ph type="title"/>
           </p:nvPr>
         </p:nvSpPr>
-        <p:spPr/>
-        <p:txBody>
-          <a:bodyPr>
-            <a:normAutofit/>
-          </a:bodyPr>
-          <a:lstStyle/>
-          <a:p>
-            <a:r>
-              <a:rPr lang="en-US" sz="4000" b="1" dirty="0">
-                <a:latin typeface="Arial" panose="020B0604020202020204" pitchFamily="34" charset="0"/>
-                <a:cs typeface="Arial" panose="020B0604020202020204" pitchFamily="34" charset="0"/>
-              </a:rPr>
-              <a:t>Analysis of Key Predictive Features for Fake News</a:t>
-            </a:r>
-            <a:endParaRPr lang="el-GR" sz="4000" b="1" dirty="0">
-              <a:latin typeface="Arial" panose="020B0604020202020204" pitchFamily="34" charset="0"/>
-              <a:cs typeface="Arial" panose="020B0604020202020204" pitchFamily="34" charset="0"/>
+        <p:spPr>
+          <a:xfrm>
+            <a:off x="0" y="-340242"/>
+            <a:ext cx="11353800" cy="2030931"/>
+          </a:xfrm>
+        </p:spPr>
+        <p:txBody>
+          <a:bodyPr/>
+          <a:lstStyle/>
+          <a:p>
+            <a:r>
+              <a:rPr lang="en-US" b="1" dirty="0">
+                <a:latin typeface="Melon"/>
+              </a:rPr>
+              <a:t>References</a:t>
+            </a:r>
+            <a:endParaRPr lang="el-GR" b="1" dirty="0">
+              <a:latin typeface="Melon"/>
             </a:endParaRPr>
           </a:p>
         </p:txBody>
@@ -6491,7 +6530,7 @@
           <p:cNvPr id="3" name="Content Placeholder 2">
             <a:extLst>
               <a:ext uri="{FF2B5EF4-FFF2-40B4-BE49-F238E27FC236}">
-                <a16:creationId xmlns:a16="http://schemas.microsoft.com/office/drawing/2014/main" id="{560BC354-B96E-A23B-E778-4BF6FA03F329}"/>
+                <a16:creationId xmlns:a16="http://schemas.microsoft.com/office/drawing/2014/main" id="{97472785-9923-2885-D94B-2CC573972BD0}"/>
               </a:ext>
             </a:extLst>
           </p:cNvPr>
@@ -6502,74 +6541,143 @@
             <p:ph idx="1"/>
           </p:nvPr>
         </p:nvSpPr>
-        <p:spPr/>
-        <p:txBody>
-          <a:bodyPr>
-            <a:normAutofit fontScale="92500" lnSpcReduction="10000"/>
-          </a:bodyPr>
-          <a:lstStyle/>
-          <a:p>
-            <a:pPr marL="0" indent="0">
-              <a:buNone/>
-            </a:pPr>
-            <a:r>
-              <a:rPr lang="en-US" dirty="0"/>
-              <a:t>Identifying strong indicators of fake news through feature analysis</a:t>
-            </a:r>
+        <p:spPr>
+          <a:xfrm>
+            <a:off x="116958" y="1690689"/>
+            <a:ext cx="11993526" cy="4486274"/>
+          </a:xfrm>
+        </p:spPr>
+        <p:txBody>
+          <a:bodyPr/>
+          <a:lstStyle/>
+          <a:p>
+            <a:endParaRPr lang="en-US" sz="2400" u="sng" kern="100" dirty="0">
+              <a:solidFill>
+                <a:srgbClr val="0563C1"/>
+              </a:solidFill>
+              <a:latin typeface="Calibri" panose="020F0502020204030204" pitchFamily="34" charset="0"/>
+              <a:ea typeface="Calibri" panose="020F0502020204030204" pitchFamily="34" charset="0"/>
+              <a:cs typeface="Times New Roman" panose="02020603050405020304" pitchFamily="18" charset="0"/>
+              <a:hlinkClick r:id="rId2"/>
+            </a:endParaRPr>
           </a:p>
           <a:p>
             <a:pPr marL="514350" indent="-514350">
               <a:buFont typeface="+mj-lt"/>
-              <a:buAutoNum type="arabicPeriod"/>
+              <a:buAutoNum type="alphaLcParenR"/>
             </a:pPr>
             <a:r>
-              <a:rPr lang="en-US" dirty="0"/>
-              <a:t>Feature Analysis Overview for Fake News Detection: This section elaborates on the crucial features that serve as strong indicators of fake news.</a:t>
+              <a:rPr lang="en-US" sz="2600" kern="100" dirty="0">
+                <a:latin typeface="Inter"/>
+                <a:ea typeface="Calibri" panose="020F0502020204030204" pitchFamily="34" charset="0"/>
+                <a:cs typeface="Times New Roman" panose="02020603050405020304" pitchFamily="18" charset="0"/>
+              </a:rPr>
+              <a:t>https://www.kaggle.com/datasets/emineyetm/fake-news-detection-datasets</a:t>
             </a:r>
           </a:p>
           <a:p>
             <a:pPr marL="514350" indent="-514350">
               <a:buFont typeface="+mj-lt"/>
-              <a:buAutoNum type="arabicPeriod"/>
+              <a:buAutoNum type="alphaLcParenR"/>
             </a:pPr>
-            <a:r>
-              <a:rPr lang="en-US" dirty="0"/>
-              <a:t>Statistical Evaluation of Fake News Markers: Analyzing the frequency and significance of features that commonly appear in fake news articles.</a:t>
-            </a:r>
+            <a:endParaRPr lang="en-US" sz="2600" kern="100" dirty="0">
+              <a:latin typeface="Inter"/>
+              <a:ea typeface="Calibri" panose="020F0502020204030204" pitchFamily="34" charset="0"/>
+              <a:cs typeface="Times New Roman" panose="02020603050405020304" pitchFamily="18" charset="0"/>
+            </a:endParaRPr>
           </a:p>
           <a:p>
             <a:pPr marL="514350" indent="-514350">
               <a:buFont typeface="+mj-lt"/>
-              <a:buAutoNum type="arabicPeriod"/>
+              <a:buAutoNum type="alphaLcParenR"/>
             </a:pPr>
             <a:r>
-              <a:rPr lang="en-US" dirty="0"/>
-              <a:t>Correlation Between Features and Fake News: Exploring how specific features correlate with the classification of news as fake or real.</a:t>
-            </a:r>
+              <a:rPr lang="en-US" sz="2600" kern="100" dirty="0" err="1">
+                <a:latin typeface="Inter"/>
+                <a:ea typeface="Calibri" panose="020F0502020204030204" pitchFamily="34" charset="0"/>
+                <a:cs typeface="Times New Roman" panose="02020603050405020304" pitchFamily="18" charset="0"/>
+              </a:rPr>
+              <a:t>Katsaros</a:t>
+            </a:r>
+            <a:r>
+              <a:rPr lang="en-US" sz="2600" kern="100" dirty="0">
+                <a:latin typeface="Inter"/>
+                <a:ea typeface="Calibri" panose="020F0502020204030204" pitchFamily="34" charset="0"/>
+                <a:cs typeface="Times New Roman" panose="02020603050405020304" pitchFamily="18" charset="0"/>
+              </a:rPr>
+              <a:t> D., Stavropoulos G., and </a:t>
+            </a:r>
+            <a:r>
+              <a:rPr lang="en-US" sz="2600" kern="100" dirty="0" err="1">
+                <a:latin typeface="Inter"/>
+                <a:ea typeface="Calibri" panose="020F0502020204030204" pitchFamily="34" charset="0"/>
+                <a:cs typeface="Times New Roman" panose="02020603050405020304" pitchFamily="18" charset="0"/>
+              </a:rPr>
+              <a:t>Papakostas</a:t>
+            </a:r>
+            <a:r>
+              <a:rPr lang="en-US" sz="2600" kern="100" dirty="0">
+                <a:latin typeface="Inter"/>
+                <a:ea typeface="Calibri" panose="020F0502020204030204" pitchFamily="34" charset="0"/>
+                <a:cs typeface="Times New Roman" panose="02020603050405020304" pitchFamily="18" charset="0"/>
+              </a:rPr>
+              <a:t> D. ,"Which Machine Learning Paradigm for Fake News Detection?" WI '19: IEEE/WIC/ACM International Conference on Web Intelligence, vol. 383-387, 2019, </a:t>
+            </a:r>
+            <a:r>
+              <a:rPr lang="en-US" sz="2600" kern="100" dirty="0">
+                <a:latin typeface="Inter"/>
+                <a:ea typeface="Calibri" panose="020F0502020204030204" pitchFamily="34" charset="0"/>
+                <a:cs typeface="Times New Roman" panose="02020603050405020304" pitchFamily="18" charset="0"/>
+                <a:hlinkClick r:id="rId3"/>
+              </a:rPr>
+              <a:t>https://doi.org/10.1145/3350546.3352552</a:t>
+            </a:r>
+            <a:endParaRPr lang="en-US" sz="2600" kern="100" dirty="0">
+              <a:latin typeface="Inter"/>
+              <a:ea typeface="Calibri" panose="020F0502020204030204" pitchFamily="34" charset="0"/>
+              <a:cs typeface="Times New Roman" panose="02020603050405020304" pitchFamily="18" charset="0"/>
+            </a:endParaRPr>
           </a:p>
           <a:p>
             <a:pPr marL="514350" indent="-514350">
               <a:buFont typeface="+mj-lt"/>
-              <a:buAutoNum type="arabicPeriod"/>
+              <a:buAutoNum type="alphaLcParenR"/>
             </a:pPr>
             <a:r>
-              <a:rPr lang="en-US" dirty="0"/>
-              <a:t>Enhancing Detection Accuracy via Feature Selection: Implementing feature selection techniques to improve the accuracy of fake news detection models.</a:t>
-            </a:r>
-          </a:p>
-          <a:p>
-            <a:pPr marL="514350" indent="-514350">
-              <a:buFont typeface="+mj-lt"/>
-              <a:buAutoNum type="arabicPeriod"/>
+              <a:rPr lang="en-US" sz="2600" kern="100" dirty="0">
+                <a:latin typeface="Inter"/>
+                <a:ea typeface="Calibri" panose="020F0502020204030204" pitchFamily="34" charset="0"/>
+                <a:cs typeface="Times New Roman" panose="02020603050405020304" pitchFamily="18" charset="0"/>
+              </a:rPr>
+              <a:t>https://edition.cnn.com/2025/01/24/us/colorado-dna-analyst-forgery-charges</a:t>
+            </a:r>
+          </a:p>
+          <a:p>
+            <a:endParaRPr lang="el-GR" sz="1800" kern="100" dirty="0">
+              <a:effectLst/>
+              <a:latin typeface="Calibri" panose="020F0502020204030204" pitchFamily="34" charset="0"/>
+              <a:ea typeface="Calibri" panose="020F0502020204030204" pitchFamily="34" charset="0"/>
+              <a:cs typeface="Times New Roman" panose="02020603050405020304" pitchFamily="18" charset="0"/>
+            </a:endParaRPr>
+          </a:p>
+          <a:p>
+            <a:pPr marL="0" indent="0">
+              <a:buNone/>
             </a:pPr>
-            <a:endParaRPr lang="el-GR" dirty="0"/>
+            <a:endParaRPr lang="el-GR" sz="2400" u="sng" kern="100" dirty="0">
+              <a:solidFill>
+                <a:srgbClr val="0563C1"/>
+              </a:solidFill>
+              <a:latin typeface="Calibri" panose="020F0502020204030204" pitchFamily="34" charset="0"/>
+              <a:cs typeface="Times New Roman" panose="02020603050405020304" pitchFamily="18" charset="0"/>
+            </a:endParaRPr>
           </a:p>
         </p:txBody>
       </p:sp>
     </p:spTree>
     <p:extLst>
       <p:ext uri="{BB962C8B-B14F-4D97-AF65-F5344CB8AC3E}">
-        <p14:creationId xmlns:p14="http://schemas.microsoft.com/office/powerpoint/2010/main" val="2658761351"/>
+        <p14:creationId xmlns:p14="http://schemas.microsoft.com/office/powerpoint/2010/main" val="1530436593"/>
       </p:ext>
     </p:extLst>
   </p:cSld>
@@ -6601,473 +6709,75 @@
           <p:cNvPr id="2" name="Title 1">
             <a:extLst>
               <a:ext uri="{FF2B5EF4-FFF2-40B4-BE49-F238E27FC236}">
-                <a16:creationId xmlns:a16="http://schemas.microsoft.com/office/drawing/2014/main" id="{59D42351-3F3D-75BA-376E-77522DB3841B}"/>
-              </a:ext>
-            </a:extLst>
-          </p:cNvPr>
-          <p:cNvSpPr>
-            <a:spLocks noGrp="1"/>
-          </p:cNvSpPr>
-          <p:nvPr>
-            <p:ph type="title"/>
-          </p:nvPr>
-        </p:nvSpPr>
-        <p:spPr/>
+                <a16:creationId xmlns:a16="http://schemas.microsoft.com/office/drawing/2014/main" id="{EA37FBF4-FF4B-1480-B927-61C8250CEFC7}"/>
+              </a:ext>
+            </a:extLst>
+          </p:cNvPr>
+          <p:cNvSpPr>
+            <a:spLocks noGrp="1"/>
+          </p:cNvSpPr>
+          <p:nvPr>
+            <p:ph type="ctrTitle"/>
+          </p:nvPr>
+        </p:nvSpPr>
+        <p:spPr>
+          <a:xfrm>
+            <a:off x="1524000" y="531628"/>
+            <a:ext cx="9144000" cy="3211032"/>
+          </a:xfrm>
+        </p:spPr>
         <p:txBody>
           <a:bodyPr/>
           <a:lstStyle/>
           <a:p>
-            <a:endParaRPr lang="el-GR"/>
-          </a:p>
-        </p:txBody>
-      </p:sp>
-      <p:sp>
-        <p:nvSpPr>
-          <p:cNvPr id="3" name="Content Placeholder 2">
-            <a:extLst>
-              <a:ext uri="{FF2B5EF4-FFF2-40B4-BE49-F238E27FC236}">
-                <a16:creationId xmlns:a16="http://schemas.microsoft.com/office/drawing/2014/main" id="{7E8DA41E-BD59-3324-EC06-FA4C0BFA573C}"/>
-              </a:ext>
-            </a:extLst>
-          </p:cNvPr>
-          <p:cNvSpPr>
-            <a:spLocks noGrp="1"/>
-          </p:cNvSpPr>
-          <p:nvPr>
-            <p:ph idx="1"/>
-          </p:nvPr>
-        </p:nvSpPr>
-        <p:spPr/>
-        <p:txBody>
-          <a:bodyPr>
-            <a:normAutofit lnSpcReduction="10000"/>
-          </a:bodyPr>
-          <a:lstStyle/>
-          <a:p>
-            <a:r>
-              <a:rPr lang="en-US" b="0" i="1" dirty="0">
-                <a:solidFill>
-                  <a:srgbClr val="404040"/>
-                </a:solidFill>
-                <a:effectLst/>
-                <a:latin typeface="Inter"/>
-              </a:rPr>
-              <a:t>In an era where AI-generated content spreads faster than ever, we built a model that detects fake news with 98.9% accuracy using simple but powerful NLP techniques.</a:t>
-            </a:r>
-            <a:r>
-              <a:rPr lang="en-US" b="0" i="0" dirty="0">
-                <a:solidFill>
-                  <a:srgbClr val="404040"/>
-                </a:solidFill>
-                <a:effectLst/>
-                <a:latin typeface="Inter"/>
-              </a:rPr>
-              <a:t> Lightweight model outperforms complex deep learning approaches</a:t>
-            </a:r>
-          </a:p>
-          <a:p>
-            <a:pPr algn="l">
-              <a:spcAft>
-                <a:spcPts val="300"/>
-              </a:spcAft>
-              <a:buFont typeface="+mj-lt"/>
-              <a:buAutoNum type="arabicPeriod"/>
-            </a:pPr>
-            <a:r>
-              <a:rPr lang="en-US" b="1" i="0" dirty="0">
-                <a:solidFill>
-                  <a:srgbClr val="404040"/>
-                </a:solidFill>
-                <a:effectLst/>
-                <a:latin typeface="Inter"/>
-              </a:rPr>
-              <a:t>Sources</a:t>
-            </a:r>
-            <a:r>
-              <a:rPr lang="en-US" b="0" i="0" dirty="0">
-                <a:solidFill>
-                  <a:srgbClr val="404040"/>
-                </a:solidFill>
-                <a:effectLst/>
-                <a:latin typeface="Inter"/>
-              </a:rPr>
-              <a:t>:</a:t>
-            </a:r>
-          </a:p>
-          <a:p>
-            <a:pPr marL="742950" lvl="1" indent="-285750" algn="l">
-              <a:spcBef>
-                <a:spcPts val="300"/>
-              </a:spcBef>
-              <a:buFont typeface="+mj-lt"/>
-              <a:buAutoNum type="arabicPeriod"/>
-            </a:pPr>
-            <a:r>
-              <a:rPr lang="en-US" b="0" i="0" dirty="0">
-                <a:solidFill>
-                  <a:srgbClr val="404040"/>
-                </a:solidFill>
-                <a:effectLst/>
-                <a:latin typeface="Inter"/>
-              </a:rPr>
-              <a:t>22K fake news articles (e.g., "Trump Galactic Mars City")</a:t>
-            </a:r>
-          </a:p>
-          <a:p>
-            <a:pPr marL="742950" lvl="1" indent="-285750" algn="l">
-              <a:spcBef>
-                <a:spcPts val="300"/>
-              </a:spcBef>
-              <a:buFont typeface="+mj-lt"/>
-              <a:buAutoNum type="arabicPeriod"/>
-            </a:pPr>
-            <a:r>
-              <a:rPr lang="en-US" b="0" i="0" dirty="0">
-                <a:solidFill>
-                  <a:srgbClr val="404040"/>
-                </a:solidFill>
-                <a:effectLst/>
-                <a:latin typeface="Inter"/>
-              </a:rPr>
-              <a:t>21K real news from Reuters/Politico</a:t>
-            </a:r>
-          </a:p>
-          <a:p>
-            <a:pPr algn="l">
-              <a:spcBef>
-                <a:spcPts val="300"/>
-              </a:spcBef>
-              <a:spcAft>
-                <a:spcPts val="300"/>
-              </a:spcAft>
-              <a:buFont typeface="+mj-lt"/>
-              <a:buAutoNum type="arabicPeriod"/>
-            </a:pPr>
-            <a:r>
-              <a:rPr lang="en-US" b="1" i="0" dirty="0">
-                <a:solidFill>
-                  <a:srgbClr val="404040"/>
-                </a:solidFill>
-                <a:effectLst/>
-                <a:latin typeface="Inter"/>
-              </a:rPr>
-              <a:t>Key Cleansing Steps</a:t>
-            </a:r>
-            <a:r>
-              <a:rPr lang="en-US" b="0" i="0" dirty="0">
-                <a:solidFill>
-                  <a:srgbClr val="404040"/>
-                </a:solidFill>
-                <a:effectLst/>
-                <a:latin typeface="Inter"/>
-              </a:rPr>
-              <a:t>:</a:t>
-            </a:r>
-          </a:p>
-          <a:p>
-            <a:pPr marL="742950" lvl="1" indent="-285750" algn="l">
-              <a:spcBef>
-                <a:spcPts val="300"/>
-              </a:spcBef>
-              <a:buFont typeface="+mj-lt"/>
-              <a:buAutoNum type="arabicPeriod"/>
-            </a:pPr>
-            <a:r>
-              <a:rPr lang="en-US" b="0" i="0" dirty="0">
-                <a:solidFill>
-                  <a:srgbClr val="404040"/>
-                </a:solidFill>
-                <a:effectLst/>
-                <a:latin typeface="Inter"/>
-              </a:rPr>
-              <a:t>Removed journalist bylines/sources</a:t>
-            </a:r>
-          </a:p>
-          <a:p>
-            <a:pPr marL="742950" lvl="1" indent="-285750" algn="l">
-              <a:spcBef>
-                <a:spcPts val="300"/>
-              </a:spcBef>
-              <a:buFont typeface="+mj-lt"/>
-              <a:buAutoNum type="arabicPeriod"/>
-            </a:pPr>
-            <a:r>
-              <a:rPr lang="en-US" b="0" i="0" dirty="0">
-                <a:solidFill>
-                  <a:srgbClr val="404040"/>
-                </a:solidFill>
-                <a:effectLst/>
-                <a:latin typeface="Inter"/>
-              </a:rPr>
-              <a:t>Stemmed "running" → "run", "troubled" → "trouble"</a:t>
-            </a:r>
-          </a:p>
-          <a:p>
-            <a:pPr marL="742950" lvl="1" indent="-285750" algn="l">
-              <a:spcBef>
-                <a:spcPts val="300"/>
-              </a:spcBef>
-              <a:buFont typeface="+mj-lt"/>
-              <a:buAutoNum type="arabicPeriod"/>
-            </a:pPr>
-            <a:r>
-              <a:rPr lang="en-US" b="0" i="0" dirty="0">
-                <a:solidFill>
-                  <a:srgbClr val="404040"/>
-                </a:solidFill>
-                <a:effectLst/>
-                <a:latin typeface="Inter"/>
-              </a:rPr>
-              <a:t>Filtered 179 </a:t>
-            </a:r>
-            <a:r>
-              <a:rPr lang="en-US" b="0" i="0" dirty="0" err="1">
-                <a:solidFill>
-                  <a:srgbClr val="404040"/>
-                </a:solidFill>
-                <a:effectLst/>
-                <a:latin typeface="Inter"/>
-              </a:rPr>
-              <a:t>stopwords</a:t>
-            </a:r>
-            <a:r>
-              <a:rPr lang="en-US" b="0" i="0" dirty="0">
-                <a:solidFill>
-                  <a:srgbClr val="404040"/>
-                </a:solidFill>
-                <a:effectLst/>
-                <a:latin typeface="Inter"/>
-              </a:rPr>
-              <a:t> ("the", "and", etc.)</a:t>
-            </a:r>
-          </a:p>
-          <a:p>
-            <a:pPr marL="514350" indent="-514350">
-              <a:buFont typeface="+mj-lt"/>
-              <a:buAutoNum type="arabicPeriod"/>
-            </a:pPr>
-            <a:endParaRPr lang="en-US" dirty="0"/>
-          </a:p>
-          <a:p>
-            <a:pPr marL="514350" indent="-514350">
-              <a:buFont typeface="+mj-lt"/>
-              <a:buAutoNum type="arabicPeriod"/>
-            </a:pPr>
-            <a:endParaRPr lang="en-US" dirty="0"/>
-          </a:p>
-          <a:p>
-            <a:pPr marL="514350" indent="-514350">
-              <a:buFont typeface="+mj-lt"/>
-              <a:buAutoNum type="arabicPeriod"/>
-            </a:pPr>
+            <a:r>
+              <a:rPr lang="en-US" dirty="0"/>
+              <a:t>Thank you!</a:t>
+            </a:r>
             <a:endParaRPr lang="el-GR" dirty="0"/>
           </a:p>
         </p:txBody>
       </p:sp>
+      <p:pic>
+        <p:nvPicPr>
+          <p:cNvPr id="8" name="Content Placeholder 4">
+            <a:extLst>
+              <a:ext uri="{FF2B5EF4-FFF2-40B4-BE49-F238E27FC236}">
+                <a16:creationId xmlns:a16="http://schemas.microsoft.com/office/drawing/2014/main" id="{8E1E5785-34B0-66E2-AB67-BED500D5FB08}"/>
+              </a:ext>
+            </a:extLst>
+          </p:cNvPr>
+          <p:cNvPicPr>
+            <a:picLocks noChangeAspect="1"/>
+          </p:cNvPicPr>
+          <p:nvPr/>
+        </p:nvPicPr>
+        <p:blipFill>
+          <a:blip r:embed="rId2">
+            <a:extLst>
+              <a:ext uri="{28A0092B-C50C-407E-A947-70E740481C1C}">
+                <a14:useLocalDpi xmlns:a14="http://schemas.microsoft.com/office/drawing/2010/main" val="0"/>
+              </a:ext>
+            </a:extLst>
+          </a:blip>
+          <a:stretch>
+            <a:fillRect/>
+          </a:stretch>
+        </p:blipFill>
+        <p:spPr>
+          <a:xfrm>
+            <a:off x="7814930" y="148856"/>
+            <a:ext cx="3870253" cy="6440931"/>
+          </a:xfrm>
+          <a:prstGeom prst="rect">
+            <a:avLst/>
+          </a:prstGeom>
+        </p:spPr>
+      </p:pic>
     </p:spTree>
     <p:extLst>
       <p:ext uri="{BB962C8B-B14F-4D97-AF65-F5344CB8AC3E}">
-        <p14:creationId xmlns:p14="http://schemas.microsoft.com/office/powerpoint/2010/main" val="956772184"/>
-      </p:ext>
-    </p:extLst>
-  </p:cSld>
-  <p:clrMapOvr>
-    <a:masterClrMapping/>
-  </p:clrMapOvr>
-</p:sld>
-</file>
-
-<file path=ppt/slides/slide22.xml><?xml version="1.0" encoding="utf-8"?>
-<p:sld xmlns:a="http://schemas.openxmlformats.org/drawingml/2006/main" xmlns:r="http://schemas.openxmlformats.org/officeDocument/2006/relationships" xmlns:p="http://schemas.openxmlformats.org/presentationml/2006/main">
-  <p:cSld>
-    <p:spTree>
-      <p:nvGrpSpPr>
-        <p:cNvPr id="1" name=""/>
-        <p:cNvGrpSpPr/>
-        <p:nvPr/>
-      </p:nvGrpSpPr>
-      <p:grpSpPr>
-        <a:xfrm>
-          <a:off x="0" y="0"/>
-          <a:ext cx="0" cy="0"/>
-          <a:chOff x="0" y="0"/>
-          <a:chExt cx="0" cy="0"/>
-        </a:xfrm>
-      </p:grpSpPr>
-      <p:sp>
-        <p:nvSpPr>
-          <p:cNvPr id="2" name="Title 1">
-            <a:extLst>
-              <a:ext uri="{FF2B5EF4-FFF2-40B4-BE49-F238E27FC236}">
-                <a16:creationId xmlns:a16="http://schemas.microsoft.com/office/drawing/2014/main" id="{E24B75B4-D234-D3EF-CD26-F9FB64BCB63D}"/>
-              </a:ext>
-            </a:extLst>
-          </p:cNvPr>
-          <p:cNvSpPr>
-            <a:spLocks noGrp="1"/>
-          </p:cNvSpPr>
-          <p:nvPr>
-            <p:ph type="title"/>
-          </p:nvPr>
-        </p:nvSpPr>
-        <p:spPr/>
-        <p:txBody>
-          <a:bodyPr/>
-          <a:lstStyle/>
-          <a:p>
-            <a:endParaRPr lang="el-GR"/>
-          </a:p>
-        </p:txBody>
-      </p:sp>
-      <p:sp>
-        <p:nvSpPr>
-          <p:cNvPr id="3" name="Content Placeholder 2">
-            <a:extLst>
-              <a:ext uri="{FF2B5EF4-FFF2-40B4-BE49-F238E27FC236}">
-                <a16:creationId xmlns:a16="http://schemas.microsoft.com/office/drawing/2014/main" id="{97472785-9923-2885-D94B-2CC573972BD0}"/>
-              </a:ext>
-            </a:extLst>
-          </p:cNvPr>
-          <p:cNvSpPr>
-            <a:spLocks noGrp="1"/>
-          </p:cNvSpPr>
-          <p:nvPr>
-            <p:ph idx="1"/>
-          </p:nvPr>
-        </p:nvSpPr>
-        <p:spPr/>
-        <p:txBody>
-          <a:bodyPr/>
-          <a:lstStyle/>
-          <a:p>
-            <a:pPr algn="l"/>
-            <a:r>
-              <a:rPr lang="en-US" b="1" i="0" dirty="0">
-                <a:solidFill>
-                  <a:srgbClr val="404040"/>
-                </a:solidFill>
-                <a:effectLst/>
-                <a:latin typeface="Inter"/>
-              </a:rPr>
-              <a:t>Why Logistic Regression Won</a:t>
-            </a:r>
-            <a:r>
-              <a:rPr lang="en-US" b="0" i="0" dirty="0">
-                <a:solidFill>
-                  <a:srgbClr val="404040"/>
-                </a:solidFill>
-                <a:effectLst/>
-                <a:latin typeface="Inter"/>
-              </a:rPr>
-              <a:t>:</a:t>
-            </a:r>
-          </a:p>
-          <a:p>
-            <a:pPr algn="l">
-              <a:buFont typeface="Arial" panose="020B0604020202020204" pitchFamily="34" charset="0"/>
-              <a:buChar char="•"/>
-            </a:pPr>
-            <a:r>
-              <a:rPr lang="en-US" b="0" i="0" dirty="0">
-                <a:solidFill>
-                  <a:srgbClr val="404040"/>
-                </a:solidFill>
-                <a:effectLst/>
-                <a:latin typeface="Inter"/>
-              </a:rPr>
-              <a:t>Handled high dimensionality (20K+ features) efficiently</a:t>
-            </a:r>
-          </a:p>
-          <a:p>
-            <a:pPr algn="l">
-              <a:spcBef>
-                <a:spcPts val="300"/>
-              </a:spcBef>
-              <a:buFont typeface="Arial" panose="020B0604020202020204" pitchFamily="34" charset="0"/>
-              <a:buChar char="•"/>
-            </a:pPr>
-            <a:r>
-              <a:rPr lang="en-US" b="0" i="0" dirty="0">
-                <a:solidFill>
-                  <a:srgbClr val="404040"/>
-                </a:solidFill>
-                <a:effectLst/>
-                <a:latin typeface="Inter"/>
-              </a:rPr>
-              <a:t>L2 regularization prevented overfitting</a:t>
-            </a:r>
-          </a:p>
-          <a:p>
-            <a:r>
-              <a:rPr lang="en-US" b="1" i="0" dirty="0">
-                <a:solidFill>
-                  <a:srgbClr val="404040"/>
-                </a:solidFill>
-                <a:effectLst/>
-                <a:latin typeface="Inter"/>
-              </a:rPr>
-              <a:t>Key Insight</a:t>
-            </a:r>
-            <a:r>
-              <a:rPr lang="en-US" b="0" i="0" dirty="0">
-                <a:solidFill>
-                  <a:srgbClr val="404040"/>
-                </a:solidFill>
-                <a:effectLst/>
-                <a:latin typeface="Inter"/>
-              </a:rPr>
-              <a:t>: Political proper nouns ("</a:t>
-            </a:r>
-            <a:r>
-              <a:rPr lang="en-US" b="0" i="0" dirty="0" err="1">
-                <a:solidFill>
-                  <a:srgbClr val="404040"/>
-                </a:solidFill>
-                <a:effectLst/>
-                <a:latin typeface="Inter"/>
-              </a:rPr>
-              <a:t>gop</a:t>
-            </a:r>
-            <a:r>
-              <a:rPr lang="en-US" b="0" i="0" dirty="0">
-                <a:solidFill>
-                  <a:srgbClr val="404040"/>
-                </a:solidFill>
-                <a:effectLst/>
-                <a:latin typeface="Inter"/>
-              </a:rPr>
-              <a:t>", "</a:t>
-            </a:r>
-            <a:r>
-              <a:rPr lang="en-US" b="0" i="0" dirty="0" err="1">
-                <a:solidFill>
-                  <a:srgbClr val="404040"/>
-                </a:solidFill>
-                <a:effectLst/>
-                <a:latin typeface="Inter"/>
-              </a:rPr>
-              <a:t>obama</a:t>
-            </a:r>
-            <a:r>
-              <a:rPr lang="en-US" b="0" i="0" dirty="0">
-                <a:solidFill>
-                  <a:srgbClr val="404040"/>
-                </a:solidFill>
-                <a:effectLst/>
-                <a:latin typeface="Inter"/>
-              </a:rPr>
-              <a:t>") were strongest fake indicators</a:t>
-            </a:r>
-          </a:p>
-          <a:p>
-            <a:endParaRPr lang="el-GR" dirty="0"/>
-          </a:p>
-        </p:txBody>
-      </p:sp>
-    </p:spTree>
-    <p:extLst>
-      <p:ext uri="{BB962C8B-B14F-4D97-AF65-F5344CB8AC3E}">
-        <p14:creationId xmlns:p14="http://schemas.microsoft.com/office/powerpoint/2010/main" val="1530436593"/>
+        <p14:creationId xmlns:p14="http://schemas.microsoft.com/office/powerpoint/2010/main" val="3886913819"/>
       </p:ext>
     </p:extLst>
   </p:cSld>
@@ -7110,16 +6820,25 @@
             <p:ph type="title"/>
           </p:nvPr>
         </p:nvSpPr>
-        <p:spPr/>
+        <p:spPr>
+          <a:xfrm>
+            <a:off x="0" y="0"/>
+            <a:ext cx="11353799" cy="1690689"/>
+          </a:xfrm>
+        </p:spPr>
         <p:txBody>
           <a:bodyPr/>
           <a:lstStyle/>
           <a:p>
             <a:r>
-              <a:rPr lang="en-US" dirty="0"/>
+              <a:rPr lang="en-US" b="1" dirty="0">
+                <a:latin typeface="Menlo"/>
+              </a:rPr>
               <a:t>Protecting society from misinformation is crucial in today's digital age.</a:t>
             </a:r>
-            <a:endParaRPr lang="el-GR" dirty="0"/>
+            <a:endParaRPr lang="el-GR" b="1" dirty="0">
+              <a:latin typeface="Menlo"/>
+            </a:endParaRPr>
           </a:p>
         </p:txBody>
       </p:sp>
@@ -7139,36 +6858,51 @@
             <p:ph idx="1"/>
           </p:nvPr>
         </p:nvSpPr>
-        <p:spPr/>
+        <p:spPr>
+          <a:xfrm>
+            <a:off x="0" y="1690688"/>
+            <a:ext cx="12192000" cy="5167311"/>
+          </a:xfrm>
+        </p:spPr>
         <p:txBody>
           <a:bodyPr>
-            <a:normAutofit fontScale="92500" lnSpcReduction="20000"/>
+            <a:normAutofit/>
           </a:bodyPr>
           <a:lstStyle/>
           <a:p>
             <a:r>
-              <a:rPr lang="en-US" dirty="0"/>
+              <a:rPr lang="en-US" dirty="0">
+                <a:latin typeface="Inter"/>
+              </a:rPr>
               <a:t>Importance of Accurate Information for Society's Stability : Ensuring that the information consumed by the public is accurate is vital for societal stability, as misinformation can lead to misguided beliefs and actions.</a:t>
             </a:r>
           </a:p>
           <a:p>
             <a:r>
-              <a:rPr lang="en-US" dirty="0"/>
+              <a:rPr lang="en-US" dirty="0">
+                <a:latin typeface="Inter"/>
+              </a:rPr>
               <a:t>Role of Education in Combatting Misinformation: Educating individuals about the nuances of information and media literacy is essential to protect against the influence of misleading narratives.</a:t>
             </a:r>
           </a:p>
           <a:p>
             <a:r>
-              <a:rPr lang="en-US" dirty="0"/>
+              <a:rPr lang="en-US" dirty="0">
+                <a:latin typeface="Inter"/>
+              </a:rPr>
               <a:t>Impact of Digital Platforms on Information Spread: Digital platforms significantly amplify the spread of misinformation, necessitating proactive measures from both companies and users to mitigate its effects.</a:t>
             </a:r>
           </a:p>
           <a:p>
             <a:r>
-              <a:rPr lang="en-US" dirty="0"/>
+              <a:rPr lang="en-US" dirty="0">
+                <a:latin typeface="Inter"/>
+              </a:rPr>
               <a:t>Strategies for Raising Public Awareness on Misinformation: Implementing public awareness campaigns can effectively inform individuals about the dangers of fake news, enabling them to critically evaluate the information they encounter.</a:t>
             </a:r>
-            <a:endParaRPr lang="el-GR" dirty="0"/>
+            <a:endParaRPr lang="el-GR" dirty="0">
+              <a:latin typeface="Inter"/>
+            </a:endParaRPr>
           </a:p>
         </p:txBody>
       </p:sp>
@@ -7218,7 +6952,12 @@
             <p:ph type="title"/>
           </p:nvPr>
         </p:nvSpPr>
-        <p:spPr/>
+        <p:spPr>
+          <a:xfrm>
+            <a:off x="0" y="0"/>
+            <a:ext cx="12192000" cy="1825625"/>
+          </a:xfrm>
+        </p:spPr>
         <p:txBody>
           <a:bodyPr>
             <a:normAutofit fontScale="90000"/>
@@ -7226,12 +6965,12 @@
           <a:lstStyle/>
           <a:p>
             <a:r>
-              <a:rPr lang="en-US" b="1" dirty="0">
+              <a:rPr lang="en-US" sz="4900" b="1" dirty="0">
                 <a:solidFill>
                   <a:srgbClr val="3B3B3B"/>
                 </a:solidFill>
                 <a:effectLst/>
-                <a:latin typeface="Arial" panose="020B0604020202020204" pitchFamily="34" charset="0"/>
+                <a:latin typeface="Menlo"/>
               </a:rPr>
               <a:t>Detection mechanisms are vital to safeguard less educated individuals.</a:t>
             </a:r>
@@ -7258,11 +6997,52 @@
             <p:ph idx="1"/>
           </p:nvPr>
         </p:nvSpPr>
-        <p:spPr/>
+        <p:spPr>
+          <a:xfrm>
+            <a:off x="0" y="1297172"/>
+            <a:ext cx="12191999" cy="5560827"/>
+          </a:xfrm>
+        </p:spPr>
         <p:txBody>
           <a:bodyPr/>
           <a:lstStyle/>
           <a:p>
+            <a:pPr marL="0" indent="0">
+              <a:buNone/>
+            </a:pPr>
+            <a:endParaRPr lang="en-US" sz="2600" dirty="0">
+              <a:solidFill>
+                <a:srgbClr val="3B3B3B"/>
+              </a:solidFill>
+              <a:effectLst/>
+              <a:latin typeface="Inter"/>
+            </a:endParaRPr>
+          </a:p>
+          <a:p>
+            <a:pPr marL="0" indent="0">
+              <a:buNone/>
+            </a:pPr>
+            <a:endParaRPr lang="en-US" sz="2600" dirty="0">
+              <a:solidFill>
+                <a:srgbClr val="3B3B3B"/>
+              </a:solidFill>
+              <a:latin typeface="Inter"/>
+            </a:endParaRPr>
+          </a:p>
+          <a:p>
+            <a:pPr marL="0" indent="0" algn="ctr">
+              <a:buNone/>
+            </a:pPr>
+            <a:r>
+              <a:rPr lang="en-US" sz="2600" dirty="0">
+                <a:solidFill>
+                  <a:srgbClr val="3B3B3B"/>
+                </a:solidFill>
+                <a:effectLst/>
+                <a:latin typeface="Inter"/>
+              </a:rPr>
+              <a:t>Creating detection systems that are accessible to less educated individuals can help protect them from being misled by false information. Advanced algorithms and AI can enhance detection mechanisms, making them more effective in identifying and flagging fake news. Community programs aimed at improving information literacy can help empower less educated individuals to critically evaluate news sources. Effective detection mechanisms can rebuild public trust in media by ensuring that individuals receive accurate and reliable information</a:t>
+            </a:r>
             <a:r>
               <a:rPr lang="en-US" dirty="0">
                 <a:solidFill>
@@ -7271,7 +7051,7 @@
                 <a:effectLst/>
                 <a:latin typeface="Arial" panose="020B0604020202020204" pitchFamily="34" charset="0"/>
               </a:rPr>
-              <a:t>Creating detection systems that are accessible to less educated individuals can help protect them from being misled by false information. Advanced algorithms and AI can enhance detection mechanisms, making them more effective in identifying and flagging fake news. Community programs aimed at improving information literacy can help empower less educated individuals to critically evaluate news sources. Effective detection mechanisms can rebuild public trust in media by ensuring that individuals receive accurate and reliable information.</a:t>
+              <a:t>.</a:t>
             </a:r>
             <a:endParaRPr lang="en-US" dirty="0"/>
           </a:p>
@@ -7324,7 +7104,7 @@
           <p:cNvPr id="2" name="Title 1">
             <a:extLst>
               <a:ext uri="{FF2B5EF4-FFF2-40B4-BE49-F238E27FC236}">
-                <a16:creationId xmlns:a16="http://schemas.microsoft.com/office/drawing/2014/main" id="{4191DA5D-752C-A03C-7DA5-991299C6F2B1}"/>
+                <a16:creationId xmlns:a16="http://schemas.microsoft.com/office/drawing/2014/main" id="{8695A1D5-9593-24A4-EE48-250F90A3A457}"/>
               </a:ext>
             </a:extLst>
           </p:cNvPr>
@@ -7337,90 +7117,206 @@
         </p:nvSpPr>
         <p:spPr>
           <a:xfrm>
-            <a:off x="838200" y="1509823"/>
-            <a:ext cx="10515600" cy="180865"/>
+            <a:off x="-85060" y="-233916"/>
+            <a:ext cx="11438860" cy="1924605"/>
           </a:xfrm>
         </p:spPr>
         <p:txBody>
           <a:bodyPr>
-            <a:normAutofit fontScale="90000"/>
+            <a:normAutofit/>
           </a:bodyPr>
           <a:lstStyle/>
           <a:p>
-            <a:r>
-              <a:rPr lang="en-US" b="0" i="0" dirty="0">
-                <a:solidFill>
-                  <a:srgbClr val="404040"/>
-                </a:solidFill>
-                <a:effectLst/>
-                <a:latin typeface="Inter"/>
-              </a:rPr>
-              <a:t>Why Fake News Detection Matters →Fake news spreads </a:t>
-            </a:r>
             <a:r>
               <a:rPr lang="en-US" b="1" i="0" dirty="0">
                 <a:solidFill>
                   <a:srgbClr val="404040"/>
                 </a:solidFill>
                 <a:effectLst/>
-                <a:latin typeface="Inter"/>
-              </a:rPr>
-              <a:t>6x faster</a:t>
-            </a:r>
-            <a:r>
-              <a:rPr lang="en-US" b="0" i="0" dirty="0">
+                <a:latin typeface="Menlo"/>
+              </a:rPr>
+              <a:t>Fake news impacts public opinion and can alter democratic processes.</a:t>
+            </a:r>
+            <a:endParaRPr lang="el-GR" b="1" dirty="0"/>
+          </a:p>
+        </p:txBody>
+      </p:sp>
+      <p:sp>
+        <p:nvSpPr>
+          <p:cNvPr id="3" name="Content Placeholder 2">
+            <a:extLst>
+              <a:ext uri="{FF2B5EF4-FFF2-40B4-BE49-F238E27FC236}">
+                <a16:creationId xmlns:a16="http://schemas.microsoft.com/office/drawing/2014/main" id="{27C50356-2082-DF96-1FDA-090C0EF25968}"/>
+              </a:ext>
+            </a:extLst>
+          </p:cNvPr>
+          <p:cNvSpPr>
+            <a:spLocks noGrp="1"/>
+          </p:cNvSpPr>
+          <p:nvPr>
+            <p:ph idx="1"/>
+          </p:nvPr>
+        </p:nvSpPr>
+        <p:spPr>
+          <a:xfrm>
+            <a:off x="0" y="1690689"/>
+            <a:ext cx="12192000" cy="5167311"/>
+          </a:xfrm>
+        </p:spPr>
+        <p:txBody>
+          <a:bodyPr>
+            <a:normAutofit fontScale="92500" lnSpcReduction="20000"/>
+          </a:bodyPr>
+          <a:lstStyle/>
+          <a:p>
+            <a:pPr algn="l">
+              <a:spcBef>
+                <a:spcPts val="300"/>
+              </a:spcBef>
+              <a:buFont typeface="Arial" panose="020B0604020202020204" pitchFamily="34" charset="0"/>
+              <a:buChar char="•"/>
+            </a:pPr>
+            <a:r>
+              <a:rPr lang="en-US" sz="3100" b="0" i="0" dirty="0">
                 <a:solidFill>
                   <a:srgbClr val="404040"/>
                 </a:solidFill>
                 <a:effectLst/>
                 <a:latin typeface="Inter"/>
               </a:rPr>
-              <a:t> than real news ( https://www.science.org/doi/10.1126/science.aap955).</a:t>
-            </a:r>
-            <a:br>
-              <a:rPr lang="en-US" b="0" i="0" dirty="0">
+              <a:t>Influence of Fake News on Voter </a:t>
+            </a:r>
+            <a:r>
+              <a:rPr lang="en-US" sz="3100" b="0" i="0" dirty="0" err="1">
                 <a:solidFill>
                   <a:srgbClr val="404040"/>
                 </a:solidFill>
                 <a:effectLst/>
                 <a:latin typeface="Inter"/>
               </a:rPr>
-            </a:br>
-            <a:br>
-              <a:rPr lang="en-US" b="0" i="0" dirty="0">
+              <a:t>Behaviour</a:t>
+            </a:r>
+            <a:r>
+              <a:rPr lang="en-US" sz="3100" b="0" i="0" dirty="0">
                 <a:solidFill>
                   <a:srgbClr val="404040"/>
                 </a:solidFill>
                 <a:effectLst/>
                 <a:latin typeface="Inter"/>
               </a:rPr>
-            </a:br>
-            <a:endParaRPr lang="el-GR" dirty="0"/>
-          </a:p>
-        </p:txBody>
-      </p:sp>
-      <p:sp>
-        <p:nvSpPr>
-          <p:cNvPr id="3" name="Content Placeholder 2">
-            <a:extLst>
-              <a:ext uri="{FF2B5EF4-FFF2-40B4-BE49-F238E27FC236}">
-                <a16:creationId xmlns:a16="http://schemas.microsoft.com/office/drawing/2014/main" id="{5F41EF36-7F83-903C-DF97-7BF8BD30AC63}"/>
-              </a:ext>
-            </a:extLst>
-          </p:cNvPr>
-          <p:cNvSpPr>
-            <a:spLocks noGrp="1"/>
-          </p:cNvSpPr>
-          <p:nvPr>
-            <p:ph idx="1"/>
-          </p:nvPr>
-        </p:nvSpPr>
-        <p:spPr/>
-        <p:txBody>
-          <a:bodyPr/>
-          <a:lstStyle/>
+              <a:t>: The dissemination of fake news can sway voter opinions, thereby impacting election outcomes and undermining democratic processes.</a:t>
+            </a:r>
+          </a:p>
+          <a:p>
+            <a:pPr algn="l">
+              <a:spcBef>
+                <a:spcPts val="300"/>
+              </a:spcBef>
+              <a:buFont typeface="Arial" panose="020B0604020202020204" pitchFamily="34" charset="0"/>
+              <a:buChar char="•"/>
+            </a:pPr>
+            <a:endParaRPr lang="en-US" sz="3100" b="0" i="0" dirty="0">
+              <a:solidFill>
+                <a:srgbClr val="404040"/>
+              </a:solidFill>
+              <a:effectLst/>
+              <a:latin typeface="Inter"/>
+            </a:endParaRPr>
+          </a:p>
+          <a:p>
+            <a:pPr algn="l">
+              <a:spcBef>
+                <a:spcPts val="300"/>
+              </a:spcBef>
+              <a:buFont typeface="Arial" panose="020B0604020202020204" pitchFamily="34" charset="0"/>
+              <a:buChar char="•"/>
+            </a:pPr>
+            <a:r>
+              <a:rPr lang="en-US" sz="3100" b="0" i="0" dirty="0">
+                <a:solidFill>
+                  <a:srgbClr val="404040"/>
+                </a:solidFill>
+                <a:effectLst/>
+                <a:latin typeface="Inter"/>
+              </a:rPr>
+              <a:t>Long-term Consequences of Misinformation on Democracy: Persistent exposure to fake news can erode public trust in legitimate news sources, ultimately threatening democratic institutions.</a:t>
+            </a:r>
+          </a:p>
+          <a:p>
+            <a:pPr algn="l">
+              <a:spcBef>
+                <a:spcPts val="300"/>
+              </a:spcBef>
+              <a:buFont typeface="Arial" panose="020B0604020202020204" pitchFamily="34" charset="0"/>
+              <a:buChar char="•"/>
+            </a:pPr>
+            <a:endParaRPr lang="en-US" sz="3100" b="0" i="0" dirty="0">
+              <a:solidFill>
+                <a:srgbClr val="404040"/>
+              </a:solidFill>
+              <a:effectLst/>
+              <a:latin typeface="Inter"/>
+            </a:endParaRPr>
+          </a:p>
+          <a:p>
+            <a:pPr algn="l">
+              <a:spcBef>
+                <a:spcPts val="300"/>
+              </a:spcBef>
+              <a:buFont typeface="Arial" panose="020B0604020202020204" pitchFamily="34" charset="0"/>
+              <a:buChar char="•"/>
+            </a:pPr>
+            <a:r>
+              <a:rPr lang="en-US" sz="3100" b="0" i="0" dirty="0">
+                <a:solidFill>
+                  <a:srgbClr val="404040"/>
+                </a:solidFill>
+                <a:effectLst/>
+                <a:latin typeface="Inter"/>
+              </a:rPr>
+              <a:t>The Role of Social Media in Fake News Propagation: Social media platforms are often breeding grounds for fake news, amplifying its reach and making it difficult for users to discern credible information.</a:t>
+            </a:r>
+          </a:p>
+          <a:p>
+            <a:pPr algn="l">
+              <a:spcBef>
+                <a:spcPts val="300"/>
+              </a:spcBef>
+              <a:buFont typeface="Arial" panose="020B0604020202020204" pitchFamily="34" charset="0"/>
+              <a:buChar char="•"/>
+            </a:pPr>
+            <a:endParaRPr lang="en-US" sz="3100" b="0" i="0" dirty="0">
+              <a:solidFill>
+                <a:srgbClr val="404040"/>
+              </a:solidFill>
+              <a:effectLst/>
+              <a:latin typeface="Inter"/>
+            </a:endParaRPr>
+          </a:p>
+          <a:p>
+            <a:pPr algn="l">
+              <a:spcBef>
+                <a:spcPts val="300"/>
+              </a:spcBef>
+              <a:buFont typeface="Arial" panose="020B0604020202020204" pitchFamily="34" charset="0"/>
+              <a:buChar char="•"/>
+            </a:pPr>
+            <a:r>
+              <a:rPr lang="en-US" sz="3100" b="0" i="0" dirty="0">
+                <a:solidFill>
+                  <a:srgbClr val="404040"/>
+                </a:solidFill>
+                <a:effectLst/>
+                <a:latin typeface="Inter"/>
+              </a:rPr>
+              <a:t>Countermeasures Against Misinformation in Political Arenas: Developing robust strategies to identify and counter misinformation is critical to safeguarding democratic integrity and informed citizenry.</a:t>
+            </a:r>
+          </a:p>
           <a:p>
             <a:pPr marL="0" indent="0" algn="l">
+              <a:spcBef>
+                <a:spcPts val="300"/>
+              </a:spcBef>
               <a:buNone/>
             </a:pPr>
             <a:endParaRPr lang="en-US" b="0" i="0" dirty="0">
@@ -7432,197 +7328,6 @@
             </a:endParaRPr>
           </a:p>
           <a:p>
-            <a:pPr algn="l">
-              <a:spcBef>
-                <a:spcPts val="300"/>
-              </a:spcBef>
-              <a:buFont typeface="Arial" panose="020B0604020202020204" pitchFamily="34" charset="0"/>
-              <a:buChar char="•"/>
-            </a:pPr>
-            <a:r>
-              <a:rPr lang="en-US" b="1" i="0" dirty="0">
-                <a:solidFill>
-                  <a:srgbClr val="404040"/>
-                </a:solidFill>
-                <a:effectLst/>
-                <a:latin typeface="Inter"/>
-              </a:rPr>
-              <a:t>Goal</a:t>
-            </a:r>
-            <a:r>
-              <a:rPr lang="en-US" b="0" i="0" dirty="0">
-                <a:solidFill>
-                  <a:srgbClr val="404040"/>
-                </a:solidFill>
-                <a:effectLst/>
-                <a:latin typeface="Inter"/>
-              </a:rPr>
-              <a:t>: Automatically classify news using ML.</a:t>
-            </a:r>
-            <a:br>
-              <a:rPr lang="en-US" b="0" i="0" dirty="0">
-                <a:solidFill>
-                  <a:srgbClr val="404040"/>
-                </a:solidFill>
-                <a:effectLst/>
-                <a:latin typeface="Inter"/>
-              </a:rPr>
-            </a:br>
-            <a:r>
-              <a:rPr lang="en-US" b="1" i="0" dirty="0">
-                <a:solidFill>
-                  <a:srgbClr val="404040"/>
-                </a:solidFill>
-                <a:effectLst/>
-                <a:latin typeface="Inter"/>
-              </a:rPr>
-              <a:t>Approach</a:t>
-            </a:r>
-            <a:r>
-              <a:rPr lang="en-US" b="0" i="0" dirty="0">
-                <a:solidFill>
-                  <a:srgbClr val="404040"/>
-                </a:solidFill>
-                <a:effectLst/>
-                <a:latin typeface="Inter"/>
-              </a:rPr>
-              <a:t>:</a:t>
-            </a:r>
-          </a:p>
-          <a:p>
-            <a:pPr algn="l">
-              <a:buFont typeface="+mj-lt"/>
-              <a:buAutoNum type="arabicPeriod"/>
-            </a:pPr>
-            <a:r>
-              <a:rPr lang="en-US" b="1" i="0" dirty="0">
-                <a:solidFill>
-                  <a:srgbClr val="404040"/>
-                </a:solidFill>
-                <a:effectLst/>
-                <a:latin typeface="Inter"/>
-              </a:rPr>
-              <a:t>Datasets</a:t>
-            </a:r>
-            <a:r>
-              <a:rPr lang="en-US" b="0" i="0" dirty="0">
-                <a:solidFill>
-                  <a:srgbClr val="404040"/>
-                </a:solidFill>
-                <a:effectLst/>
-                <a:latin typeface="Inter"/>
-              </a:rPr>
-              <a:t>: 22k fake + 21k real news articles (Kaggle).</a:t>
-            </a:r>
-          </a:p>
-          <a:p>
-            <a:pPr algn="l">
-              <a:spcBef>
-                <a:spcPts val="300"/>
-              </a:spcBef>
-              <a:buFont typeface="+mj-lt"/>
-              <a:buAutoNum type="arabicPeriod"/>
-            </a:pPr>
-            <a:r>
-              <a:rPr lang="en-US" b="1" i="0" dirty="0">
-                <a:solidFill>
-                  <a:srgbClr val="404040"/>
-                </a:solidFill>
-                <a:effectLst/>
-                <a:latin typeface="Inter"/>
-              </a:rPr>
-              <a:t>Preprocessing</a:t>
-            </a:r>
-            <a:r>
-              <a:rPr lang="en-US" b="0" i="0" dirty="0">
-                <a:solidFill>
-                  <a:srgbClr val="404040"/>
-                </a:solidFill>
-                <a:effectLst/>
-                <a:latin typeface="Inter"/>
-              </a:rPr>
-              <a:t>: Clean text, remove </a:t>
-            </a:r>
-            <a:r>
-              <a:rPr lang="en-US" b="0" i="0" dirty="0" err="1">
-                <a:solidFill>
-                  <a:srgbClr val="404040"/>
-                </a:solidFill>
-                <a:effectLst/>
-                <a:latin typeface="Inter"/>
-              </a:rPr>
-              <a:t>stopwords</a:t>
-            </a:r>
-            <a:r>
-              <a:rPr lang="en-US" b="0" i="0" dirty="0">
-                <a:solidFill>
-                  <a:srgbClr val="404040"/>
-                </a:solidFill>
-                <a:effectLst/>
-                <a:latin typeface="Inter"/>
-              </a:rPr>
-              <a:t>, stemming.</a:t>
-            </a:r>
-          </a:p>
-          <a:p>
-            <a:pPr algn="l">
-              <a:spcBef>
-                <a:spcPts val="300"/>
-              </a:spcBef>
-              <a:buFont typeface="+mj-lt"/>
-              <a:buAutoNum type="arabicPeriod"/>
-            </a:pPr>
-            <a:r>
-              <a:rPr lang="en-US" b="1" i="0" dirty="0">
-                <a:solidFill>
-                  <a:srgbClr val="404040"/>
-                </a:solidFill>
-                <a:effectLst/>
-                <a:latin typeface="Inter"/>
-              </a:rPr>
-              <a:t>Models</a:t>
-            </a:r>
-            <a:r>
-              <a:rPr lang="en-US" b="0" i="0" dirty="0">
-                <a:solidFill>
-                  <a:srgbClr val="404040"/>
-                </a:solidFill>
-                <a:effectLst/>
-                <a:latin typeface="Inter"/>
-              </a:rPr>
-              <a:t>: Logistic Regression, SVM, Naive Bayes, Decision Trees.</a:t>
-            </a:r>
-          </a:p>
-          <a:p>
-            <a:pPr algn="l">
-              <a:spcBef>
-                <a:spcPts val="300"/>
-              </a:spcBef>
-              <a:buFont typeface="+mj-lt"/>
-              <a:buAutoNum type="arabicPeriod"/>
-            </a:pPr>
-            <a:r>
-              <a:rPr lang="en-US" b="1" i="0" dirty="0">
-                <a:solidFill>
-                  <a:srgbClr val="404040"/>
-                </a:solidFill>
-                <a:effectLst/>
-                <a:latin typeface="Inter"/>
-              </a:rPr>
-              <a:t>Vectorizers</a:t>
-            </a:r>
-            <a:r>
-              <a:rPr lang="en-US" b="0" i="0" dirty="0">
-                <a:solidFill>
-                  <a:srgbClr val="404040"/>
-                </a:solidFill>
-                <a:effectLst/>
-                <a:latin typeface="Inter"/>
-              </a:rPr>
-              <a:t>: Binary, TF-IDF, Word2Vec.</a:t>
-            </a:r>
-          </a:p>
-          <a:p>
             <a:endParaRPr lang="el-GR" dirty="0"/>
           </a:p>
         </p:txBody>
@@ -7630,7 +7335,7 @@
     </p:spTree>
     <p:extLst>
       <p:ext uri="{BB962C8B-B14F-4D97-AF65-F5344CB8AC3E}">
-        <p14:creationId xmlns:p14="http://schemas.microsoft.com/office/powerpoint/2010/main" val="4273123374"/>
+        <p14:creationId xmlns:p14="http://schemas.microsoft.com/office/powerpoint/2010/main" val="587126233"/>
       </p:ext>
     </p:extLst>
   </p:cSld>
@@ -7662,7 +7367,7 @@
           <p:cNvPr id="2" name="Title 1">
             <a:extLst>
               <a:ext uri="{FF2B5EF4-FFF2-40B4-BE49-F238E27FC236}">
-                <a16:creationId xmlns:a16="http://schemas.microsoft.com/office/drawing/2014/main" id="{D819536D-B628-381F-6515-0743ACB9757B}"/>
+                <a16:creationId xmlns:a16="http://schemas.microsoft.com/office/drawing/2014/main" id="{B5B0E105-B1F1-C7F2-F3E4-6B49D4A71AB4}"/>
               </a:ext>
             </a:extLst>
           </p:cNvPr>
@@ -7672,995 +7377,94 @@
           <p:nvPr>
             <p:ph type="title"/>
           </p:nvPr>
-        </p:nvSpPr>
-        <p:spPr/>
-        <p:txBody>
-          <a:bodyPr/>
-          <a:lstStyle/>
-          <a:p>
-            <a:r>
-              <a:rPr lang="en-US" b="0" i="0" dirty="0">
-                <a:solidFill>
-                  <a:srgbClr val="404040"/>
-                </a:solidFill>
-                <a:effectLst/>
-                <a:latin typeface="Inter"/>
-              </a:rPr>
-              <a:t>Model Accuracy Comparison</a:t>
-            </a:r>
-            <a:endParaRPr lang="el-GR" dirty="0"/>
-          </a:p>
-        </p:txBody>
-      </p:sp>
-      <p:graphicFrame>
-        <p:nvGraphicFramePr>
-          <p:cNvPr id="4" name="Content Placeholder 3">
-            <a:extLst>
-              <a:ext uri="{FF2B5EF4-FFF2-40B4-BE49-F238E27FC236}">
-                <a16:creationId xmlns:a16="http://schemas.microsoft.com/office/drawing/2014/main" id="{AA3E32DD-054C-2B4D-2B00-1F816178EAC2}"/>
-              </a:ext>
-            </a:extLst>
-          </p:cNvPr>
-          <p:cNvGraphicFramePr>
-            <a:graphicFrameLocks noGrp="1"/>
-          </p:cNvGraphicFramePr>
-          <p:nvPr>
-            <p:ph idx="1"/>
-            <p:extLst>
-              <p:ext uri="{D42A27DB-BD31-4B8C-83A1-F6EECF244321}">
-                <p14:modId xmlns:p14="http://schemas.microsoft.com/office/powerpoint/2010/main" val="1492367501"/>
-              </p:ext>
-            </p:extLst>
-          </p:nvPr>
-        </p:nvGraphicFramePr>
-        <p:xfrm>
-          <a:off x="680484" y="2796361"/>
-          <a:ext cx="5996763" cy="3083444"/>
-        </p:xfrm>
-        <a:graphic>
-          <a:graphicData uri="http://schemas.openxmlformats.org/drawingml/2006/table">
-            <a:tbl>
-              <a:tblPr>
-                <a:effectLst>
-                  <a:outerShdw blurRad="50800" dist="38100" dir="13500000" algn="br" rotWithShape="0">
-                    <a:prstClr val="black">
-                      <a:alpha val="40000"/>
-                    </a:prstClr>
-                  </a:outerShdw>
-                </a:effectLst>
-              </a:tblPr>
-              <a:tblGrid>
-                <a:gridCol w="1998921">
-                  <a:extLst>
-                    <a:ext uri="{9D8B030D-6E8A-4147-A177-3AD203B41FA5}">
-                      <a16:colId xmlns:a16="http://schemas.microsoft.com/office/drawing/2014/main" val="572995947"/>
-                    </a:ext>
-                  </a:extLst>
-                </a:gridCol>
-                <a:gridCol w="1998921">
-                  <a:extLst>
-                    <a:ext uri="{9D8B030D-6E8A-4147-A177-3AD203B41FA5}">
-                      <a16:colId xmlns:a16="http://schemas.microsoft.com/office/drawing/2014/main" val="1717202185"/>
-                    </a:ext>
-                  </a:extLst>
-                </a:gridCol>
-                <a:gridCol w="1998921">
-                  <a:extLst>
-                    <a:ext uri="{9D8B030D-6E8A-4147-A177-3AD203B41FA5}">
-                      <a16:colId xmlns:a16="http://schemas.microsoft.com/office/drawing/2014/main" val="1783868495"/>
-                    </a:ext>
-                  </a:extLst>
-                </a:gridCol>
-              </a:tblGrid>
-              <a:tr h="770861">
-                <a:tc>
-                  <a:txBody>
-                    <a:bodyPr/>
-                    <a:lstStyle/>
-                    <a:p>
-                      <a:pPr algn="l"/>
-                      <a:r>
-                        <a:rPr lang="en-US" b="1">
-                          <a:effectLst/>
-                        </a:rPr>
-                        <a:t>Vectorizer</a:t>
-                      </a:r>
-                    </a:p>
-                  </a:txBody>
-                  <a:tcPr anchor="ctr">
-                    <a:lnL w="12700" cap="flat" cmpd="sng" algn="ctr">
-                      <a:solidFill>
-                        <a:schemeClr val="tx1"/>
-                      </a:solidFill>
-                      <a:prstDash val="solid"/>
-                      <a:round/>
-                      <a:headEnd type="none" w="med" len="med"/>
-                      <a:tailEnd type="none" w="med" len="med"/>
-                    </a:lnL>
-                    <a:lnR w="12700" cap="flat" cmpd="sng" algn="ctr">
-                      <a:solidFill>
-                        <a:schemeClr val="tx1"/>
-                      </a:solidFill>
-                      <a:prstDash val="solid"/>
-                      <a:round/>
-                      <a:headEnd type="none" w="med" len="med"/>
-                      <a:tailEnd type="none" w="med" len="med"/>
-                    </a:lnR>
-                    <a:lnT w="12700" cap="flat" cmpd="sng" algn="ctr">
-                      <a:solidFill>
-                        <a:schemeClr val="tx1"/>
-                      </a:solidFill>
-                      <a:prstDash val="solid"/>
-                      <a:round/>
-                      <a:headEnd type="none" w="med" len="med"/>
-                      <a:tailEnd type="none" w="med" len="med"/>
-                    </a:lnT>
-                    <a:lnB w="12700" cap="flat" cmpd="sng" algn="ctr">
-                      <a:solidFill>
-                        <a:schemeClr val="tx1"/>
-                      </a:solidFill>
-                      <a:prstDash val="solid"/>
-                      <a:round/>
-                      <a:headEnd type="none" w="med" len="med"/>
-                      <a:tailEnd type="none" w="med" len="med"/>
-                    </a:lnB>
-                    <a:lnTlToBr w="12700" cmpd="sng">
-                      <a:noFill/>
-                      <a:prstDash val="solid"/>
-                    </a:lnTlToBr>
-                    <a:lnBlToTr w="12700" cmpd="sng">
-                      <a:noFill/>
-                      <a:prstDash val="solid"/>
-                    </a:lnBlToTr>
-                    <a:noFill/>
-                  </a:tcPr>
-                </a:tc>
-                <a:tc>
-                  <a:txBody>
-                    <a:bodyPr/>
-                    <a:lstStyle/>
-                    <a:p>
-                      <a:pPr algn="l"/>
-                      <a:r>
-                        <a:rPr lang="en-US" b="1">
-                          <a:effectLst/>
-                        </a:rPr>
-                        <a:t>Logistic Reg</a:t>
-                      </a:r>
-                    </a:p>
-                  </a:txBody>
-                  <a:tcPr anchor="ctr">
-                    <a:lnL w="12700" cap="flat" cmpd="sng" algn="ctr">
-                      <a:solidFill>
-                        <a:schemeClr val="tx1"/>
-                      </a:solidFill>
-                      <a:prstDash val="solid"/>
-                      <a:round/>
-                      <a:headEnd type="none" w="med" len="med"/>
-                      <a:tailEnd type="none" w="med" len="med"/>
-                    </a:lnL>
-                    <a:lnR w="12700" cap="flat" cmpd="sng" algn="ctr">
-                      <a:solidFill>
-                        <a:schemeClr val="tx1"/>
-                      </a:solidFill>
-                      <a:prstDash val="solid"/>
-                      <a:round/>
-                      <a:headEnd type="none" w="med" len="med"/>
-                      <a:tailEnd type="none" w="med" len="med"/>
-                    </a:lnR>
-                    <a:lnT w="12700" cap="flat" cmpd="sng" algn="ctr">
-                      <a:solidFill>
-                        <a:schemeClr val="tx1"/>
-                      </a:solidFill>
-                      <a:prstDash val="solid"/>
-                      <a:round/>
-                      <a:headEnd type="none" w="med" len="med"/>
-                      <a:tailEnd type="none" w="med" len="med"/>
-                    </a:lnT>
-                    <a:lnB w="12700" cap="flat" cmpd="sng" algn="ctr">
-                      <a:solidFill>
-                        <a:schemeClr val="tx1"/>
-                      </a:solidFill>
-                      <a:prstDash val="solid"/>
-                      <a:round/>
-                      <a:headEnd type="none" w="med" len="med"/>
-                      <a:tailEnd type="none" w="med" len="med"/>
-                    </a:lnB>
-                    <a:lnTlToBr w="12700" cmpd="sng">
-                      <a:noFill/>
-                      <a:prstDash val="solid"/>
-                    </a:lnTlToBr>
-                    <a:lnBlToTr w="12700" cmpd="sng">
-                      <a:noFill/>
-                      <a:prstDash val="solid"/>
-                    </a:lnBlToTr>
-                    <a:noFill/>
-                  </a:tcPr>
-                </a:tc>
-                <a:tc>
-                  <a:txBody>
-                    <a:bodyPr/>
-                    <a:lstStyle/>
-                    <a:p>
-                      <a:pPr algn="l"/>
-                      <a:r>
-                        <a:rPr lang="en-US" b="1">
-                          <a:effectLst/>
-                        </a:rPr>
-                        <a:t>SVM</a:t>
-                      </a:r>
-                    </a:p>
-                  </a:txBody>
-                  <a:tcPr anchor="ctr">
-                    <a:lnL w="12700" cap="flat" cmpd="sng" algn="ctr">
-                      <a:solidFill>
-                        <a:schemeClr val="tx1"/>
-                      </a:solidFill>
-                      <a:prstDash val="solid"/>
-                      <a:round/>
-                      <a:headEnd type="none" w="med" len="med"/>
-                      <a:tailEnd type="none" w="med" len="med"/>
-                    </a:lnL>
-                    <a:lnR w="12700" cap="flat" cmpd="sng" algn="ctr">
-                      <a:solidFill>
-                        <a:schemeClr val="tx1"/>
-                      </a:solidFill>
-                      <a:prstDash val="solid"/>
-                      <a:round/>
-                      <a:headEnd type="none" w="med" len="med"/>
-                      <a:tailEnd type="none" w="med" len="med"/>
-                    </a:lnR>
-                    <a:lnT w="12700" cap="flat" cmpd="sng" algn="ctr">
-                      <a:solidFill>
-                        <a:schemeClr val="tx1"/>
-                      </a:solidFill>
-                      <a:prstDash val="solid"/>
-                      <a:round/>
-                      <a:headEnd type="none" w="med" len="med"/>
-                      <a:tailEnd type="none" w="med" len="med"/>
-                    </a:lnT>
-                    <a:lnB w="12700" cap="flat" cmpd="sng" algn="ctr">
-                      <a:solidFill>
-                        <a:schemeClr val="tx1"/>
-                      </a:solidFill>
-                      <a:prstDash val="solid"/>
-                      <a:round/>
-                      <a:headEnd type="none" w="med" len="med"/>
-                      <a:tailEnd type="none" w="med" len="med"/>
-                    </a:lnB>
-                    <a:lnTlToBr w="12700" cmpd="sng">
-                      <a:noFill/>
-                      <a:prstDash val="solid"/>
-                    </a:lnTlToBr>
-                    <a:lnBlToTr w="12700" cmpd="sng">
-                      <a:noFill/>
-                      <a:prstDash val="solid"/>
-                    </a:lnBlToTr>
-                    <a:noFill/>
-                  </a:tcPr>
-                </a:tc>
-                <a:extLst>
-                  <a:ext uri="{0D108BD9-81ED-4DB2-BD59-A6C34878D82A}">
-                    <a16:rowId xmlns:a16="http://schemas.microsoft.com/office/drawing/2014/main" val="2028878816"/>
-                  </a:ext>
-                </a:extLst>
-              </a:tr>
-              <a:tr h="770861">
-                <a:tc>
-                  <a:txBody>
-                    <a:bodyPr/>
-                    <a:lstStyle/>
-                    <a:p>
-                      <a:r>
-                        <a:rPr lang="en-US">
-                          <a:effectLst/>
-                        </a:rPr>
-                        <a:t>Binary</a:t>
-                      </a:r>
-                    </a:p>
-                  </a:txBody>
-                  <a:tcPr anchor="ctr">
-                    <a:lnL w="12700" cap="flat" cmpd="sng" algn="ctr">
-                      <a:solidFill>
-                        <a:schemeClr val="tx1"/>
-                      </a:solidFill>
-                      <a:prstDash val="solid"/>
-                      <a:round/>
-                      <a:headEnd type="none" w="med" len="med"/>
-                      <a:tailEnd type="none" w="med" len="med"/>
-                    </a:lnL>
-                    <a:lnR w="12700" cap="flat" cmpd="sng" algn="ctr">
-                      <a:solidFill>
-                        <a:schemeClr val="tx1"/>
-                      </a:solidFill>
-                      <a:prstDash val="solid"/>
-                      <a:round/>
-                      <a:headEnd type="none" w="med" len="med"/>
-                      <a:tailEnd type="none" w="med" len="med"/>
-                    </a:lnR>
-                    <a:lnT w="12700" cap="flat" cmpd="sng" algn="ctr">
-                      <a:solidFill>
-                        <a:schemeClr val="tx1"/>
-                      </a:solidFill>
-                      <a:prstDash val="solid"/>
-                      <a:round/>
-                      <a:headEnd type="none" w="med" len="med"/>
-                      <a:tailEnd type="none" w="med" len="med"/>
-                    </a:lnT>
-                    <a:lnB w="12700" cap="flat" cmpd="sng" algn="ctr">
-                      <a:solidFill>
-                        <a:schemeClr val="tx1"/>
-                      </a:solidFill>
-                      <a:prstDash val="solid"/>
-                      <a:round/>
-                      <a:headEnd type="none" w="med" len="med"/>
-                      <a:tailEnd type="none" w="med" len="med"/>
-                    </a:lnB>
-                    <a:lnTlToBr w="12700" cmpd="sng">
-                      <a:noFill/>
-                      <a:prstDash val="solid"/>
-                    </a:lnTlToBr>
-                    <a:lnBlToTr w="12700" cmpd="sng">
-                      <a:noFill/>
-                      <a:prstDash val="solid"/>
-                    </a:lnBlToTr>
-                    <a:noFill/>
-                  </a:tcPr>
-                </a:tc>
-                <a:tc>
-                  <a:txBody>
-                    <a:bodyPr/>
-                    <a:lstStyle/>
-                    <a:p>
-                      <a:r>
-                        <a:rPr lang="el-GR" dirty="0">
-                          <a:effectLst/>
-                        </a:rPr>
-                        <a:t>98.9%</a:t>
-                      </a:r>
-                    </a:p>
-                  </a:txBody>
-                  <a:tcPr anchor="ctr">
-                    <a:lnL w="12700" cap="flat" cmpd="sng" algn="ctr">
-                      <a:solidFill>
-                        <a:schemeClr val="tx1"/>
-                      </a:solidFill>
-                      <a:prstDash val="solid"/>
-                      <a:round/>
-                      <a:headEnd type="none" w="med" len="med"/>
-                      <a:tailEnd type="none" w="med" len="med"/>
-                    </a:lnL>
-                    <a:lnR w="12700" cap="flat" cmpd="sng" algn="ctr">
-                      <a:solidFill>
-                        <a:schemeClr val="tx1"/>
-                      </a:solidFill>
-                      <a:prstDash val="solid"/>
-                      <a:round/>
-                      <a:headEnd type="none" w="med" len="med"/>
-                      <a:tailEnd type="none" w="med" len="med"/>
-                    </a:lnR>
-                    <a:lnT w="12700" cap="flat" cmpd="sng" algn="ctr">
-                      <a:solidFill>
-                        <a:schemeClr val="tx1"/>
-                      </a:solidFill>
-                      <a:prstDash val="solid"/>
-                      <a:round/>
-                      <a:headEnd type="none" w="med" len="med"/>
-                      <a:tailEnd type="none" w="med" len="med"/>
-                    </a:lnT>
-                    <a:lnB w="12700" cap="flat" cmpd="sng" algn="ctr">
-                      <a:solidFill>
-                        <a:schemeClr val="tx1"/>
-                      </a:solidFill>
-                      <a:prstDash val="solid"/>
-                      <a:round/>
-                      <a:headEnd type="none" w="med" len="med"/>
-                      <a:tailEnd type="none" w="med" len="med"/>
-                    </a:lnB>
-                    <a:lnTlToBr w="12700" cmpd="sng">
-                      <a:noFill/>
-                      <a:prstDash val="solid"/>
-                    </a:lnTlToBr>
-                    <a:lnBlToTr w="12700" cmpd="sng">
-                      <a:noFill/>
-                      <a:prstDash val="solid"/>
-                    </a:lnBlToTr>
-                    <a:noFill/>
-                  </a:tcPr>
-                </a:tc>
-                <a:tc>
-                  <a:txBody>
-                    <a:bodyPr/>
-                    <a:lstStyle/>
-                    <a:p>
-                      <a:r>
-                        <a:rPr lang="el-GR">
-                          <a:effectLst/>
-                        </a:rPr>
-                        <a:t>98.9%</a:t>
-                      </a:r>
-                    </a:p>
-                  </a:txBody>
-                  <a:tcPr anchor="ctr">
-                    <a:lnL w="12700" cap="flat" cmpd="sng" algn="ctr">
-                      <a:solidFill>
-                        <a:schemeClr val="tx1"/>
-                      </a:solidFill>
-                      <a:prstDash val="solid"/>
-                      <a:round/>
-                      <a:headEnd type="none" w="med" len="med"/>
-                      <a:tailEnd type="none" w="med" len="med"/>
-                    </a:lnL>
-                    <a:lnR w="12700" cap="flat" cmpd="sng" algn="ctr">
-                      <a:solidFill>
-                        <a:schemeClr val="tx1"/>
-                      </a:solidFill>
-                      <a:prstDash val="solid"/>
-                      <a:round/>
-                      <a:headEnd type="none" w="med" len="med"/>
-                      <a:tailEnd type="none" w="med" len="med"/>
-                    </a:lnR>
-                    <a:lnT w="12700" cap="flat" cmpd="sng" algn="ctr">
-                      <a:solidFill>
-                        <a:schemeClr val="tx1"/>
-                      </a:solidFill>
-                      <a:prstDash val="solid"/>
-                      <a:round/>
-                      <a:headEnd type="none" w="med" len="med"/>
-                      <a:tailEnd type="none" w="med" len="med"/>
-                    </a:lnT>
-                    <a:lnB w="12700" cap="flat" cmpd="sng" algn="ctr">
-                      <a:solidFill>
-                        <a:schemeClr val="tx1"/>
-                      </a:solidFill>
-                      <a:prstDash val="solid"/>
-                      <a:round/>
-                      <a:headEnd type="none" w="med" len="med"/>
-                      <a:tailEnd type="none" w="med" len="med"/>
-                    </a:lnB>
-                    <a:lnTlToBr w="12700" cmpd="sng">
-                      <a:noFill/>
-                      <a:prstDash val="solid"/>
-                    </a:lnTlToBr>
-                    <a:lnBlToTr w="12700" cmpd="sng">
-                      <a:noFill/>
-                      <a:prstDash val="solid"/>
-                    </a:lnBlToTr>
-                    <a:noFill/>
-                  </a:tcPr>
-                </a:tc>
-                <a:extLst>
-                  <a:ext uri="{0D108BD9-81ED-4DB2-BD59-A6C34878D82A}">
-                    <a16:rowId xmlns:a16="http://schemas.microsoft.com/office/drawing/2014/main" val="3519322203"/>
-                  </a:ext>
-                </a:extLst>
-              </a:tr>
-              <a:tr h="770861">
-                <a:tc>
-                  <a:txBody>
-                    <a:bodyPr/>
-                    <a:lstStyle/>
-                    <a:p>
-                      <a:r>
-                        <a:rPr lang="en-US">
-                          <a:effectLst/>
-                        </a:rPr>
-                        <a:t>TF-IDF</a:t>
-                      </a:r>
-                    </a:p>
-                  </a:txBody>
-                  <a:tcPr anchor="ctr">
-                    <a:lnL w="12700" cap="flat" cmpd="sng" algn="ctr">
-                      <a:solidFill>
-                        <a:schemeClr val="tx1"/>
-                      </a:solidFill>
-                      <a:prstDash val="solid"/>
-                      <a:round/>
-                      <a:headEnd type="none" w="med" len="med"/>
-                      <a:tailEnd type="none" w="med" len="med"/>
-                    </a:lnL>
-                    <a:lnR w="12700" cap="flat" cmpd="sng" algn="ctr">
-                      <a:solidFill>
-                        <a:schemeClr val="tx1"/>
-                      </a:solidFill>
-                      <a:prstDash val="solid"/>
-                      <a:round/>
-                      <a:headEnd type="none" w="med" len="med"/>
-                      <a:tailEnd type="none" w="med" len="med"/>
-                    </a:lnR>
-                    <a:lnT w="12700" cap="flat" cmpd="sng" algn="ctr">
-                      <a:solidFill>
-                        <a:schemeClr val="tx1"/>
-                      </a:solidFill>
-                      <a:prstDash val="solid"/>
-                      <a:round/>
-                      <a:headEnd type="none" w="med" len="med"/>
-                      <a:tailEnd type="none" w="med" len="med"/>
-                    </a:lnT>
-                    <a:lnB w="12700" cap="flat" cmpd="sng" algn="ctr">
-                      <a:solidFill>
-                        <a:schemeClr val="tx1"/>
-                      </a:solidFill>
-                      <a:prstDash val="solid"/>
-                      <a:round/>
-                      <a:headEnd type="none" w="med" len="med"/>
-                      <a:tailEnd type="none" w="med" len="med"/>
-                    </a:lnB>
-                    <a:lnTlToBr w="12700" cmpd="sng">
-                      <a:noFill/>
-                      <a:prstDash val="solid"/>
-                    </a:lnTlToBr>
-                    <a:lnBlToTr w="12700" cmpd="sng">
-                      <a:noFill/>
-                      <a:prstDash val="solid"/>
-                    </a:lnBlToTr>
-                    <a:noFill/>
-                  </a:tcPr>
-                </a:tc>
-                <a:tc>
-                  <a:txBody>
-                    <a:bodyPr/>
-                    <a:lstStyle/>
-                    <a:p>
-                      <a:r>
-                        <a:rPr lang="el-GR" dirty="0">
-                          <a:effectLst/>
-                        </a:rPr>
-                        <a:t>98.6%</a:t>
-                      </a:r>
-                    </a:p>
-                  </a:txBody>
-                  <a:tcPr anchor="ctr">
-                    <a:lnL w="12700" cap="flat" cmpd="sng" algn="ctr">
-                      <a:solidFill>
-                        <a:schemeClr val="tx1"/>
-                      </a:solidFill>
-                      <a:prstDash val="solid"/>
-                      <a:round/>
-                      <a:headEnd type="none" w="med" len="med"/>
-                      <a:tailEnd type="none" w="med" len="med"/>
-                    </a:lnL>
-                    <a:lnR w="12700" cap="flat" cmpd="sng" algn="ctr">
-                      <a:solidFill>
-                        <a:schemeClr val="tx1"/>
-                      </a:solidFill>
-                      <a:prstDash val="solid"/>
-                      <a:round/>
-                      <a:headEnd type="none" w="med" len="med"/>
-                      <a:tailEnd type="none" w="med" len="med"/>
-                    </a:lnR>
-                    <a:lnT w="12700" cap="flat" cmpd="sng" algn="ctr">
-                      <a:solidFill>
-                        <a:schemeClr val="tx1"/>
-                      </a:solidFill>
-                      <a:prstDash val="solid"/>
-                      <a:round/>
-                      <a:headEnd type="none" w="med" len="med"/>
-                      <a:tailEnd type="none" w="med" len="med"/>
-                    </a:lnT>
-                    <a:lnB w="12700" cap="flat" cmpd="sng" algn="ctr">
-                      <a:solidFill>
-                        <a:schemeClr val="tx1"/>
-                      </a:solidFill>
-                      <a:prstDash val="solid"/>
-                      <a:round/>
-                      <a:headEnd type="none" w="med" len="med"/>
-                      <a:tailEnd type="none" w="med" len="med"/>
-                    </a:lnB>
-                    <a:lnTlToBr w="12700" cmpd="sng">
-                      <a:noFill/>
-                      <a:prstDash val="solid"/>
-                    </a:lnTlToBr>
-                    <a:lnBlToTr w="12700" cmpd="sng">
-                      <a:noFill/>
-                      <a:prstDash val="solid"/>
-                    </a:lnBlToTr>
-                    <a:noFill/>
-                  </a:tcPr>
-                </a:tc>
-                <a:tc>
-                  <a:txBody>
-                    <a:bodyPr/>
-                    <a:lstStyle/>
-                    <a:p>
-                      <a:r>
-                        <a:rPr lang="el-GR">
-                          <a:effectLst/>
-                        </a:rPr>
-                        <a:t>98.8%</a:t>
-                      </a:r>
-                    </a:p>
-                  </a:txBody>
-                  <a:tcPr anchor="ctr">
-                    <a:lnL w="12700" cap="flat" cmpd="sng" algn="ctr">
-                      <a:solidFill>
-                        <a:schemeClr val="tx1"/>
-                      </a:solidFill>
-                      <a:prstDash val="solid"/>
-                      <a:round/>
-                      <a:headEnd type="none" w="med" len="med"/>
-                      <a:tailEnd type="none" w="med" len="med"/>
-                    </a:lnL>
-                    <a:lnR w="12700" cap="flat" cmpd="sng" algn="ctr">
-                      <a:solidFill>
-                        <a:schemeClr val="tx1"/>
-                      </a:solidFill>
-                      <a:prstDash val="solid"/>
-                      <a:round/>
-                      <a:headEnd type="none" w="med" len="med"/>
-                      <a:tailEnd type="none" w="med" len="med"/>
-                    </a:lnR>
-                    <a:lnT w="12700" cap="flat" cmpd="sng" algn="ctr">
-                      <a:solidFill>
-                        <a:schemeClr val="tx1"/>
-                      </a:solidFill>
-                      <a:prstDash val="solid"/>
-                      <a:round/>
-                      <a:headEnd type="none" w="med" len="med"/>
-                      <a:tailEnd type="none" w="med" len="med"/>
-                    </a:lnT>
-                    <a:lnB w="12700" cap="flat" cmpd="sng" algn="ctr">
-                      <a:solidFill>
-                        <a:schemeClr val="tx1"/>
-                      </a:solidFill>
-                      <a:prstDash val="solid"/>
-                      <a:round/>
-                      <a:headEnd type="none" w="med" len="med"/>
-                      <a:tailEnd type="none" w="med" len="med"/>
-                    </a:lnB>
-                    <a:lnTlToBr w="12700" cmpd="sng">
-                      <a:noFill/>
-                      <a:prstDash val="solid"/>
-                    </a:lnTlToBr>
-                    <a:lnBlToTr w="12700" cmpd="sng">
-                      <a:noFill/>
-                      <a:prstDash val="solid"/>
-                    </a:lnBlToTr>
-                    <a:noFill/>
-                  </a:tcPr>
-                </a:tc>
-                <a:extLst>
-                  <a:ext uri="{0D108BD9-81ED-4DB2-BD59-A6C34878D82A}">
-                    <a16:rowId xmlns:a16="http://schemas.microsoft.com/office/drawing/2014/main" val="4045436287"/>
-                  </a:ext>
-                </a:extLst>
-              </a:tr>
-              <a:tr h="770861">
-                <a:tc>
-                  <a:txBody>
-                    <a:bodyPr/>
-                    <a:lstStyle/>
-                    <a:p>
-                      <a:r>
-                        <a:rPr lang="en-US">
-                          <a:effectLst/>
-                        </a:rPr>
-                        <a:t>Word2Vec</a:t>
-                      </a:r>
-                    </a:p>
-                  </a:txBody>
-                  <a:tcPr anchor="ctr">
-                    <a:lnL w="12700" cap="flat" cmpd="sng" algn="ctr">
-                      <a:solidFill>
-                        <a:schemeClr val="tx1"/>
-                      </a:solidFill>
-                      <a:prstDash val="solid"/>
-                      <a:round/>
-                      <a:headEnd type="none" w="med" len="med"/>
-                      <a:tailEnd type="none" w="med" len="med"/>
-                    </a:lnL>
-                    <a:lnR w="12700" cap="flat" cmpd="sng" algn="ctr">
-                      <a:solidFill>
-                        <a:schemeClr val="tx1"/>
-                      </a:solidFill>
-                      <a:prstDash val="solid"/>
-                      <a:round/>
-                      <a:headEnd type="none" w="med" len="med"/>
-                      <a:tailEnd type="none" w="med" len="med"/>
-                    </a:lnR>
-                    <a:lnT w="12700" cap="flat" cmpd="sng" algn="ctr">
-                      <a:solidFill>
-                        <a:schemeClr val="tx1"/>
-                      </a:solidFill>
-                      <a:prstDash val="solid"/>
-                      <a:round/>
-                      <a:headEnd type="none" w="med" len="med"/>
-                      <a:tailEnd type="none" w="med" len="med"/>
-                    </a:lnT>
-                    <a:lnB w="12700" cap="flat" cmpd="sng" algn="ctr">
-                      <a:solidFill>
-                        <a:schemeClr val="tx1"/>
-                      </a:solidFill>
-                      <a:prstDash val="solid"/>
-                      <a:round/>
-                      <a:headEnd type="none" w="med" len="med"/>
-                      <a:tailEnd type="none" w="med" len="med"/>
-                    </a:lnB>
-                    <a:lnTlToBr w="12700" cmpd="sng">
-                      <a:noFill/>
-                      <a:prstDash val="solid"/>
-                    </a:lnTlToBr>
-                    <a:lnBlToTr w="12700" cmpd="sng">
-                      <a:noFill/>
-                      <a:prstDash val="solid"/>
-                    </a:lnBlToTr>
-                    <a:noFill/>
-                  </a:tcPr>
-                </a:tc>
-                <a:tc>
-                  <a:txBody>
-                    <a:bodyPr/>
-                    <a:lstStyle/>
-                    <a:p>
-                      <a:r>
-                        <a:rPr lang="el-GR" dirty="0">
-                          <a:effectLst/>
-                        </a:rPr>
-                        <a:t>97.0%</a:t>
-                      </a:r>
-                    </a:p>
-                  </a:txBody>
-                  <a:tcPr anchor="ctr">
-                    <a:lnL w="12700" cap="flat" cmpd="sng" algn="ctr">
-                      <a:solidFill>
-                        <a:schemeClr val="tx1"/>
-                      </a:solidFill>
-                      <a:prstDash val="solid"/>
-                      <a:round/>
-                      <a:headEnd type="none" w="med" len="med"/>
-                      <a:tailEnd type="none" w="med" len="med"/>
-                    </a:lnL>
-                    <a:lnR w="12700" cap="flat" cmpd="sng" algn="ctr">
-                      <a:solidFill>
-                        <a:schemeClr val="tx1"/>
-                      </a:solidFill>
-                      <a:prstDash val="solid"/>
-                      <a:round/>
-                      <a:headEnd type="none" w="med" len="med"/>
-                      <a:tailEnd type="none" w="med" len="med"/>
-                    </a:lnR>
-                    <a:lnT w="12700" cap="flat" cmpd="sng" algn="ctr">
-                      <a:solidFill>
-                        <a:schemeClr val="tx1"/>
-                      </a:solidFill>
-                      <a:prstDash val="solid"/>
-                      <a:round/>
-                      <a:headEnd type="none" w="med" len="med"/>
-                      <a:tailEnd type="none" w="med" len="med"/>
-                    </a:lnT>
-                    <a:lnB w="12700" cap="flat" cmpd="sng" algn="ctr">
-                      <a:solidFill>
-                        <a:schemeClr val="tx1"/>
-                      </a:solidFill>
-                      <a:prstDash val="solid"/>
-                      <a:round/>
-                      <a:headEnd type="none" w="med" len="med"/>
-                      <a:tailEnd type="none" w="med" len="med"/>
-                    </a:lnB>
-                    <a:lnTlToBr w="12700" cmpd="sng">
-                      <a:noFill/>
-                      <a:prstDash val="solid"/>
-                    </a:lnTlToBr>
-                    <a:lnBlToTr w="12700" cmpd="sng">
-                      <a:noFill/>
-                      <a:prstDash val="solid"/>
-                    </a:lnBlToTr>
-                    <a:noFill/>
-                  </a:tcPr>
-                </a:tc>
-                <a:tc>
-                  <a:txBody>
-                    <a:bodyPr/>
-                    <a:lstStyle/>
-                    <a:p>
-                      <a:r>
-                        <a:rPr lang="el-GR" dirty="0">
-                          <a:effectLst/>
-                        </a:rPr>
-                        <a:t>97.5%</a:t>
-                      </a:r>
-                    </a:p>
-                  </a:txBody>
-                  <a:tcPr anchor="ctr">
-                    <a:lnL w="12700" cap="flat" cmpd="sng" algn="ctr">
-                      <a:solidFill>
-                        <a:schemeClr val="tx1"/>
-                      </a:solidFill>
-                      <a:prstDash val="solid"/>
-                      <a:round/>
-                      <a:headEnd type="none" w="med" len="med"/>
-                      <a:tailEnd type="none" w="med" len="med"/>
-                    </a:lnL>
-                    <a:lnR w="12700" cap="flat" cmpd="sng" algn="ctr">
-                      <a:solidFill>
-                        <a:schemeClr val="tx1"/>
-                      </a:solidFill>
-                      <a:prstDash val="solid"/>
-                      <a:round/>
-                      <a:headEnd type="none" w="med" len="med"/>
-                      <a:tailEnd type="none" w="med" len="med"/>
-                    </a:lnR>
-                    <a:lnT w="12700" cap="flat" cmpd="sng" algn="ctr">
-                      <a:solidFill>
-                        <a:schemeClr val="tx1"/>
-                      </a:solidFill>
-                      <a:prstDash val="solid"/>
-                      <a:round/>
-                      <a:headEnd type="none" w="med" len="med"/>
-                      <a:tailEnd type="none" w="med" len="med"/>
-                    </a:lnT>
-                    <a:lnB w="12700" cap="flat" cmpd="sng" algn="ctr">
-                      <a:solidFill>
-                        <a:schemeClr val="tx1"/>
-                      </a:solidFill>
-                      <a:prstDash val="solid"/>
-                      <a:round/>
-                      <a:headEnd type="none" w="med" len="med"/>
-                      <a:tailEnd type="none" w="med" len="med"/>
-                    </a:lnB>
-                    <a:lnTlToBr w="12700" cmpd="sng">
-                      <a:noFill/>
-                      <a:prstDash val="solid"/>
-                    </a:lnTlToBr>
-                    <a:lnBlToTr w="12700" cmpd="sng">
-                      <a:noFill/>
-                      <a:prstDash val="solid"/>
-                    </a:lnBlToTr>
-                    <a:noFill/>
-                  </a:tcPr>
-                </a:tc>
-                <a:extLst>
-                  <a:ext uri="{0D108BD9-81ED-4DB2-BD59-A6C34878D82A}">
-                    <a16:rowId xmlns:a16="http://schemas.microsoft.com/office/drawing/2014/main" val="1471713969"/>
-                  </a:ext>
-                </a:extLst>
-              </a:tr>
-            </a:tbl>
-          </a:graphicData>
-        </a:graphic>
-      </p:graphicFrame>
-      <p:sp>
-        <p:nvSpPr>
-          <p:cNvPr id="5" name="TextBox 4">
-            <a:extLst>
-              <a:ext uri="{FF2B5EF4-FFF2-40B4-BE49-F238E27FC236}">
-                <a16:creationId xmlns:a16="http://schemas.microsoft.com/office/drawing/2014/main" id="{AF6A746B-1BB2-3943-077E-A4B9561A8464}"/>
-              </a:ext>
-            </a:extLst>
-          </p:cNvPr>
-          <p:cNvSpPr txBox="1"/>
-          <p:nvPr/>
         </p:nvSpPr>
         <p:spPr>
           <a:xfrm>
-            <a:off x="838200" y="1690689"/>
-            <a:ext cx="7114953" cy="1000274"/>
+            <a:off x="0" y="-308344"/>
+            <a:ext cx="11353800" cy="1999033"/>
           </a:xfrm>
-          <a:prstGeom prst="rect">
-            <a:avLst/>
-          </a:prstGeom>
-          <a:noFill/>
         </p:spPr>
         <p:txBody>
-          <a:bodyPr wrap="square" rtlCol="0">
-            <a:spAutoFit/>
+          <a:bodyPr/>
+          <a:lstStyle/>
+          <a:p>
+            <a:r>
+              <a:rPr lang="en-US" b="1" dirty="0">
+                <a:latin typeface="Menlo"/>
+              </a:rPr>
+              <a:t>Diverse datasets enable comprehensive performance evaluations.</a:t>
+            </a:r>
+            <a:endParaRPr lang="el-GR" b="1" dirty="0">
+              <a:latin typeface="Menlo"/>
+            </a:endParaRPr>
+          </a:p>
+        </p:txBody>
+      </p:sp>
+      <p:sp>
+        <p:nvSpPr>
+          <p:cNvPr id="3" name="Content Placeholder 2">
+            <a:extLst>
+              <a:ext uri="{FF2B5EF4-FFF2-40B4-BE49-F238E27FC236}">
+                <a16:creationId xmlns:a16="http://schemas.microsoft.com/office/drawing/2014/main" id="{06E44B26-104A-E2FA-88F7-FF0D49B52A8A}"/>
+              </a:ext>
+            </a:extLst>
+          </p:cNvPr>
+          <p:cNvSpPr>
+            <a:spLocks noGrp="1"/>
+          </p:cNvSpPr>
+          <p:nvPr>
+            <p:ph idx="1"/>
+          </p:nvPr>
+        </p:nvSpPr>
+        <p:spPr>
+          <a:xfrm>
+            <a:off x="0" y="1690689"/>
+            <a:ext cx="12192000" cy="5167310"/>
+          </a:xfrm>
+        </p:spPr>
+        <p:txBody>
+          <a:bodyPr>
+            <a:normAutofit/>
           </a:bodyPr>
           <a:lstStyle/>
           <a:p>
-            <a:pPr algn="l">
-              <a:buFont typeface="Arial" panose="020B0604020202020204" pitchFamily="34" charset="0"/>
-              <a:buChar char="•"/>
-            </a:pPr>
-            <a:r>
-              <a:rPr lang="en-US" b="1" i="0" dirty="0">
-                <a:solidFill>
-                  <a:srgbClr val="404040"/>
-                </a:solidFill>
-                <a:effectLst/>
-                <a:latin typeface="Inter"/>
-              </a:rPr>
-              <a:t>Top Model</a:t>
-            </a:r>
-            <a:r>
-              <a:rPr lang="en-US" b="0" i="0" dirty="0">
-                <a:solidFill>
-                  <a:srgbClr val="404040"/>
-                </a:solidFill>
-                <a:effectLst/>
-                <a:latin typeface="Inter"/>
-              </a:rPr>
-              <a:t>: Logistic Regression (L2) – </a:t>
-            </a:r>
-            <a:r>
-              <a:rPr lang="en-US" b="1" i="0" dirty="0">
-                <a:solidFill>
-                  <a:srgbClr val="404040"/>
-                </a:solidFill>
-                <a:effectLst/>
-                <a:latin typeface="Inter"/>
-              </a:rPr>
-              <a:t>98.9% accuracy</a:t>
-            </a:r>
-            <a:r>
-              <a:rPr lang="en-US" b="0" i="0" dirty="0">
-                <a:solidFill>
-                  <a:srgbClr val="404040"/>
-                </a:solidFill>
-                <a:effectLst/>
-                <a:latin typeface="Inter"/>
-              </a:rPr>
-              <a:t> (Binary Vectorizer).</a:t>
-            </a:r>
-          </a:p>
-          <a:p>
-            <a:pPr algn="l">
-              <a:spcBef>
-                <a:spcPts val="300"/>
-              </a:spcBef>
-              <a:spcAft>
-                <a:spcPts val="300"/>
-              </a:spcAft>
-              <a:buFont typeface="Arial" panose="020B0604020202020204" pitchFamily="34" charset="0"/>
-              <a:buChar char="•"/>
-            </a:pPr>
-            <a:r>
-              <a:rPr lang="en-US" b="1" i="0" dirty="0">
-                <a:solidFill>
-                  <a:srgbClr val="404040"/>
-                </a:solidFill>
-                <a:effectLst/>
-                <a:latin typeface="Inter"/>
-              </a:rPr>
-              <a:t>Worst Performer</a:t>
-            </a:r>
-            <a:r>
-              <a:rPr lang="en-US" b="0" i="0" dirty="0">
-                <a:solidFill>
-                  <a:srgbClr val="404040"/>
-                </a:solidFill>
-                <a:effectLst/>
-                <a:latin typeface="Inter"/>
-              </a:rPr>
-              <a:t>: Decision Trees (~92% accuracy).</a:t>
-            </a:r>
-          </a:p>
-          <a:p>
-            <a:endParaRPr lang="el-GR" dirty="0"/>
-          </a:p>
-        </p:txBody>
-      </p:sp>
-      <p:graphicFrame>
-        <p:nvGraphicFramePr>
-          <p:cNvPr id="9" name="Chart 8">
-            <a:extLst>
-              <a:ext uri="{FF2B5EF4-FFF2-40B4-BE49-F238E27FC236}">
-                <a16:creationId xmlns:a16="http://schemas.microsoft.com/office/drawing/2014/main" id="{1C1319C6-8B3C-DB0E-E2E1-980EDBF50F38}"/>
-              </a:ext>
-            </a:extLst>
-          </p:cNvPr>
-          <p:cNvGraphicFramePr/>
-          <p:nvPr>
-            <p:extLst>
-              <p:ext uri="{D42A27DB-BD31-4B8C-83A1-F6EECF244321}">
-                <p14:modId xmlns:p14="http://schemas.microsoft.com/office/powerpoint/2010/main" val="553758587"/>
-              </p:ext>
-            </p:extLst>
-          </p:nvPr>
-        </p:nvGraphicFramePr>
-        <p:xfrm>
-          <a:off x="7049386" y="2551813"/>
-          <a:ext cx="4848447" cy="3327992"/>
-        </p:xfrm>
-        <a:graphic>
-          <a:graphicData uri="http://schemas.openxmlformats.org/drawingml/2006/chart">
-            <c:chart xmlns:c="http://schemas.openxmlformats.org/drawingml/2006/chart" xmlns:r="http://schemas.openxmlformats.org/officeDocument/2006/relationships" r:id="rId2"/>
-          </a:graphicData>
-        </a:graphic>
-      </p:graphicFrame>
+            <a:r>
+              <a:rPr lang="en-US" dirty="0">
+                <a:latin typeface="Inter"/>
+              </a:rPr>
+              <a:t>Role of Diverse Datasets in Evaluations: Diverse datasets are integral in evaluating the generalizability of machine learning algorithms across various contexts and scenarios.</a:t>
+            </a:r>
+          </a:p>
+          <a:p>
+            <a:r>
+              <a:rPr lang="en-US" dirty="0">
+                <a:latin typeface="Inter"/>
+              </a:rPr>
+              <a:t>Challenges in Dataset Diversity: Ensuring dataset diversity poses challenges, including bias mitigation and ensuring representative samples to reflect real-world complexities.</a:t>
+            </a:r>
+          </a:p>
+          <a:p>
+            <a:r>
+              <a:rPr lang="en-US" dirty="0">
+                <a:latin typeface="Inter"/>
+              </a:rPr>
+              <a:t>Creating Balanced Datasets for Fair Evaluation: Creating balanced datasets is crucial for fair evaluation, ensuring algorithms are tested on equally represented classes of data.</a:t>
+            </a:r>
+          </a:p>
+          <a:p>
+            <a:r>
+              <a:rPr lang="en-US" dirty="0">
+                <a:latin typeface="Inter"/>
+              </a:rPr>
+              <a:t>Impact of Dataset Quality on Evaluation: The quality of datasets directly impacts the evaluation outcomes, making it essential to utilize high-quality, well-structured datasets.</a:t>
+            </a:r>
+          </a:p>
+        </p:txBody>
+      </p:sp>
     </p:spTree>
     <p:extLst>
       <p:ext uri="{BB962C8B-B14F-4D97-AF65-F5344CB8AC3E}">
-        <p14:creationId xmlns:p14="http://schemas.microsoft.com/office/powerpoint/2010/main" val="1541087771"/>
+        <p14:creationId xmlns:p14="http://schemas.microsoft.com/office/powerpoint/2010/main" val="274171542"/>
       </p:ext>
     </p:extLst>
   </p:cSld>
@@ -8692,7 +7496,7 @@
           <p:cNvPr id="2" name="Title 1">
             <a:extLst>
               <a:ext uri="{FF2B5EF4-FFF2-40B4-BE49-F238E27FC236}">
-                <a16:creationId xmlns:a16="http://schemas.microsoft.com/office/drawing/2014/main" id="{40384BC8-3102-1FBC-49FC-7786179CEC25}"/>
+                <a16:creationId xmlns:a16="http://schemas.microsoft.com/office/drawing/2014/main" id="{2437488A-6615-5FA9-001B-51C4A3ACE3B7}"/>
               </a:ext>
             </a:extLst>
           </p:cNvPr>
@@ -8703,103 +7507,160 @@
             <p:ph type="title"/>
           </p:nvPr>
         </p:nvSpPr>
-        <p:spPr/>
-        <p:txBody>
-          <a:bodyPr>
-            <a:normAutofit fontScale="90000"/>
-          </a:bodyPr>
+        <p:spPr>
+          <a:xfrm>
+            <a:off x="0" y="-542260"/>
+            <a:ext cx="11353800" cy="2232949"/>
+          </a:xfrm>
+        </p:spPr>
+        <p:txBody>
+          <a:bodyPr/>
           <a:lstStyle/>
           <a:p>
             <a:r>
               <a:rPr lang="en-US" b="1" dirty="0">
-                <a:solidFill>
-                  <a:srgbClr val="525252"/>
-                </a:solidFill>
+                <a:latin typeface="Menlo"/>
+              </a:rPr>
+              <a:t>The Dataset</a:t>
+            </a:r>
+            <a:endParaRPr lang="el-GR" b="1" dirty="0">
+              <a:latin typeface="Menlo"/>
+            </a:endParaRPr>
+          </a:p>
+        </p:txBody>
+      </p:sp>
+      <p:sp>
+        <p:nvSpPr>
+          <p:cNvPr id="3" name="Content Placeholder 2">
+            <a:extLst>
+              <a:ext uri="{FF2B5EF4-FFF2-40B4-BE49-F238E27FC236}">
+                <a16:creationId xmlns:a16="http://schemas.microsoft.com/office/drawing/2014/main" id="{BFD04782-BBCF-9944-13E0-A09621D8AF60}"/>
+              </a:ext>
+            </a:extLst>
+          </p:cNvPr>
+          <p:cNvSpPr>
+            <a:spLocks noGrp="1"/>
+          </p:cNvSpPr>
+          <p:nvPr>
+            <p:ph idx="1"/>
+          </p:nvPr>
+        </p:nvSpPr>
+        <p:spPr>
+          <a:xfrm>
+            <a:off x="838200" y="1307804"/>
+            <a:ext cx="10515600" cy="5320007"/>
+          </a:xfrm>
+        </p:spPr>
+        <p:txBody>
+          <a:bodyPr/>
+          <a:lstStyle/>
+          <a:p>
+            <a:pPr>
+              <a:lnSpc>
+                <a:spcPct val="107000"/>
+              </a:lnSpc>
+              <a:spcAft>
+                <a:spcPts val="800"/>
+              </a:spcAft>
+            </a:pPr>
+            <a:r>
+              <a:rPr lang="en-US" sz="2600" kern="100" dirty="0">
                 <a:effectLst/>
-                <a:latin typeface="Arial" panose="020B0604020202020204" pitchFamily="34" charset="0"/>
-              </a:rPr>
-              <a:t>Regression techniques effectively classify fake news with precision.</a:t>
-            </a:r>
-            <a:br>
-              <a:rPr lang="en-US" dirty="0"/>
-            </a:br>
+                <a:latin typeface="Calibri" panose="020F0502020204030204" pitchFamily="34" charset="0"/>
+                <a:ea typeface="Calibri" panose="020F0502020204030204" pitchFamily="34" charset="0"/>
+                <a:cs typeface="Times New Roman" panose="02020603050405020304" pitchFamily="18" charset="0"/>
+              </a:rPr>
+              <a:t>The domain chosen was Natural Language Processing and we decided to address a fake vs true news classification problem and proceeded as the exercise indicated. Where are the data from? </a:t>
+            </a:r>
+            <a:endParaRPr lang="el-GR" sz="2600" kern="100" dirty="0">
+              <a:effectLst/>
+              <a:latin typeface="Calibri" panose="020F0502020204030204" pitchFamily="34" charset="0"/>
+              <a:ea typeface="Calibri" panose="020F0502020204030204" pitchFamily="34" charset="0"/>
+              <a:cs typeface="Times New Roman" panose="02020603050405020304" pitchFamily="18" charset="0"/>
+            </a:endParaRPr>
+          </a:p>
+          <a:p>
+            <a:pPr>
+              <a:lnSpc>
+                <a:spcPct val="107000"/>
+              </a:lnSpc>
+              <a:spcAft>
+                <a:spcPts val="800"/>
+              </a:spcAft>
+            </a:pPr>
+            <a:endParaRPr lang="el-GR" sz="1800" kern="100" dirty="0">
+              <a:latin typeface="Inter"/>
+              <a:ea typeface="Calibri" panose="020F0502020204030204" pitchFamily="34" charset="0"/>
+              <a:cs typeface="Times New Roman" panose="02020603050405020304" pitchFamily="18" charset="0"/>
+            </a:endParaRPr>
+          </a:p>
+          <a:p>
+            <a:pPr marL="0" indent="0">
+              <a:lnSpc>
+                <a:spcPct val="107000"/>
+              </a:lnSpc>
+              <a:spcAft>
+                <a:spcPts val="800"/>
+              </a:spcAft>
+              <a:buNone/>
+            </a:pPr>
+            <a:endParaRPr lang="el-GR" sz="1800" kern="100" dirty="0">
+              <a:effectLst/>
+              <a:latin typeface="Calibri" panose="020F0502020204030204" pitchFamily="34" charset="0"/>
+              <a:ea typeface="Calibri" panose="020F0502020204030204" pitchFamily="34" charset="0"/>
+              <a:cs typeface="Times New Roman" panose="02020603050405020304" pitchFamily="18" charset="0"/>
+            </a:endParaRPr>
+          </a:p>
+          <a:p>
             <a:endParaRPr lang="el-GR" dirty="0"/>
           </a:p>
         </p:txBody>
       </p:sp>
-      <p:sp>
-        <p:nvSpPr>
-          <p:cNvPr id="3" name="Content Placeholder 2">
-            <a:extLst>
-              <a:ext uri="{FF2B5EF4-FFF2-40B4-BE49-F238E27FC236}">
-                <a16:creationId xmlns:a16="http://schemas.microsoft.com/office/drawing/2014/main" id="{1E042163-BE85-EF62-C780-889F3D5FE28D}"/>
-              </a:ext>
-            </a:extLst>
-          </p:cNvPr>
-          <p:cNvSpPr>
-            <a:spLocks noGrp="1"/>
-          </p:cNvSpPr>
-          <p:nvPr>
-            <p:ph idx="1"/>
-          </p:nvPr>
-        </p:nvSpPr>
-        <p:spPr/>
-        <p:txBody>
-          <a:bodyPr/>
-          <a:lstStyle/>
-          <a:p>
-            <a:r>
-              <a:rPr lang="en-US" b="1" dirty="0">
-                <a:solidFill>
-                  <a:srgbClr val="525252"/>
-                </a:solidFill>
-                <a:effectLst/>
-                <a:latin typeface="Arial" panose="020B0604020202020204" pitchFamily="34" charset="0"/>
-              </a:rPr>
-              <a:t>Logistic Regression Application</a:t>
-            </a:r>
-            <a:endParaRPr lang="en-US" dirty="0"/>
-          </a:p>
-          <a:p>
-            <a:pPr marL="0" indent="0">
-              <a:buNone/>
-            </a:pPr>
-            <a:r>
-              <a:rPr lang="en-US" dirty="0">
-                <a:solidFill>
-                  <a:srgbClr val="525252"/>
-                </a:solidFill>
-                <a:latin typeface="Arial" panose="020B0604020202020204" pitchFamily="34" charset="0"/>
-              </a:rPr>
-              <a:t>R</a:t>
-            </a:r>
-            <a:r>
-              <a:rPr lang="en-US" dirty="0">
-                <a:solidFill>
-                  <a:srgbClr val="525252"/>
-                </a:solidFill>
-                <a:effectLst/>
-                <a:latin typeface="Arial" panose="020B0604020202020204" pitchFamily="34" charset="0"/>
-              </a:rPr>
-              <a:t>egularized logistic regression is employed for binary classification to distinguish between true and fake news effectively. The overall performance of logistic regression models shows high accuracy on various datasets, enhancing fake news detection. Feature selection and preprocessing significantly impact the performance of logistic regression in news classification. The use of Lasso and Ridge as well.</a:t>
-            </a:r>
-            <a:endParaRPr lang="en-US" dirty="0"/>
-          </a:p>
-          <a:p>
-            <a:endParaRPr lang="en-US" dirty="0"/>
-          </a:p>
-          <a:p>
-            <a:endParaRPr lang="en-US" dirty="0"/>
-          </a:p>
-          <a:p>
-            <a:endParaRPr lang="el-GR" dirty="0"/>
-          </a:p>
-        </p:txBody>
-      </p:sp>
+      <p:pic>
+        <p:nvPicPr>
+          <p:cNvPr id="4" name="Picture 3">
+            <a:extLst>
+              <a:ext uri="{FF2B5EF4-FFF2-40B4-BE49-F238E27FC236}">
+                <a16:creationId xmlns:a16="http://schemas.microsoft.com/office/drawing/2014/main" id="{990D389A-D75D-4F0F-9A99-98898E0E47FD}"/>
+              </a:ext>
+            </a:extLst>
+          </p:cNvPr>
+          <p:cNvPicPr>
+            <a:picLocks noChangeAspect="1"/>
+          </p:cNvPicPr>
+          <p:nvPr/>
+        </p:nvPicPr>
+        <p:blipFill>
+          <a:blip r:embed="rId2" cstate="print">
+            <a:extLst>
+              <a:ext uri="{28A0092B-C50C-407E-A947-70E740481C1C}">
+                <a14:useLocalDpi xmlns:a14="http://schemas.microsoft.com/office/drawing/2010/main" val="0"/>
+              </a:ext>
+            </a:extLst>
+          </a:blip>
+          <a:srcRect/>
+          <a:stretch>
+            <a:fillRect/>
+          </a:stretch>
+        </p:blipFill>
+        <p:spPr bwMode="auto">
+          <a:xfrm>
+            <a:off x="2392325" y="2796363"/>
+            <a:ext cx="6569149" cy="3714491"/>
+          </a:xfrm>
+          <a:prstGeom prst="rect">
+            <a:avLst/>
+          </a:prstGeom>
+          <a:noFill/>
+          <a:ln>
+            <a:noFill/>
+          </a:ln>
+        </p:spPr>
+      </p:pic>
     </p:spTree>
     <p:extLst>
       <p:ext uri="{BB962C8B-B14F-4D97-AF65-F5344CB8AC3E}">
-        <p14:creationId xmlns:p14="http://schemas.microsoft.com/office/powerpoint/2010/main" val="452977544"/>
+        <p14:creationId xmlns:p14="http://schemas.microsoft.com/office/powerpoint/2010/main" val="2008473502"/>
       </p:ext>
     </p:extLst>
   </p:cSld>
@@ -8831,7 +7692,7 @@
           <p:cNvPr id="2" name="Title 1">
             <a:extLst>
               <a:ext uri="{FF2B5EF4-FFF2-40B4-BE49-F238E27FC236}">
-                <a16:creationId xmlns:a16="http://schemas.microsoft.com/office/drawing/2014/main" id="{2A0D4775-F339-DD78-85EC-DC3F2CDF9D02}"/>
+                <a16:creationId xmlns:a16="http://schemas.microsoft.com/office/drawing/2014/main" id="{F5F8F384-F967-5813-1127-D108C0A1B2DB}"/>
               </a:ext>
             </a:extLst>
           </p:cNvPr>
@@ -8842,7 +7703,12 @@
             <p:ph type="title"/>
           </p:nvPr>
         </p:nvSpPr>
-        <p:spPr/>
+        <p:spPr>
+          <a:xfrm>
+            <a:off x="0" y="85061"/>
+            <a:ext cx="12192000" cy="1669311"/>
+          </a:xfrm>
+        </p:spPr>
         <p:txBody>
           <a:bodyPr>
             <a:normAutofit fontScale="90000"/>
@@ -8850,14 +7716,11 @@
           <a:lstStyle/>
           <a:p>
             <a:r>
-              <a:rPr lang="en-US" b="1" dirty="0">
-                <a:solidFill>
-                  <a:srgbClr val="525252"/>
-                </a:solidFill>
+              <a:rPr lang="en-US" sz="4900" b="1" dirty="0">
                 <a:effectLst/>
                 <a:latin typeface="Arial" panose="020B0604020202020204" pitchFamily="34" charset="0"/>
               </a:rPr>
-              <a:t>Support Vector Machines offer robust classification for diverse datasets.</a:t>
+              <a:t>Import Packages and Data Preparation Steps</a:t>
             </a:r>
             <a:br>
               <a:rPr lang="en-US" dirty="0"/>
@@ -8871,7 +7734,7 @@
           <p:cNvPr id="3" name="Content Placeholder 2">
             <a:extLst>
               <a:ext uri="{FF2B5EF4-FFF2-40B4-BE49-F238E27FC236}">
-                <a16:creationId xmlns:a16="http://schemas.microsoft.com/office/drawing/2014/main" id="{2C52B651-5FD6-2EA1-DBDB-B15D936F2C87}"/>
+                <a16:creationId xmlns:a16="http://schemas.microsoft.com/office/drawing/2014/main" id="{1A40A7C8-501F-D138-7FD4-2A63A0634A31}"/>
               </a:ext>
             </a:extLst>
           </p:cNvPr>
@@ -8882,38 +7745,70 @@
             <p:ph idx="1"/>
           </p:nvPr>
         </p:nvSpPr>
-        <p:spPr/>
-        <p:txBody>
-          <a:bodyPr/>
-          <a:lstStyle/>
-          <a:p>
-            <a:r>
-              <a:rPr lang="en-US" dirty="0">
-                <a:solidFill>
-                  <a:srgbClr val="525252"/>
-                </a:solidFill>
-                <a:effectLst/>
-                <a:latin typeface="Arial" panose="020B0604020202020204" pitchFamily="34" charset="0"/>
-              </a:rPr>
-              <a:t>Support Vector Machines excel in handling complex datasets and are effective in classifying fake news. SVM models require careful hyperparameter tuning to achieve optimal performance in fake news classification tasks. The use of kernel functions enhances SVM's ability to classify data points in higher-dimensional spaces.</a:t>
-            </a:r>
-            <a:endParaRPr lang="en-US" dirty="0"/>
-          </a:p>
-          <a:p>
-            <a:endParaRPr lang="en-US" dirty="0"/>
-          </a:p>
-          <a:p>
-            <a:endParaRPr lang="en-US" dirty="0"/>
-          </a:p>
-          <a:p>
-            <a:endParaRPr lang="el-GR" dirty="0"/>
+        <p:spPr>
+          <a:xfrm>
+            <a:off x="0" y="1669311"/>
+            <a:ext cx="12192000" cy="5103627"/>
+          </a:xfrm>
+        </p:spPr>
+        <p:txBody>
+          <a:bodyPr>
+            <a:normAutofit/>
+          </a:bodyPr>
+          <a:lstStyle/>
+          <a:p>
+            <a:r>
+              <a:rPr lang="en-US" sz="2600" dirty="0">
+                <a:latin typeface="Inter"/>
+              </a:rPr>
+              <a:t>Core Libraries for Data Manipulation and Analysis: Essential libraries such as pandas simplify data handling, enabling efficient data analysis and manipulation during the project.</a:t>
+            </a:r>
+          </a:p>
+          <a:p>
+            <a:r>
+              <a:rPr lang="en-US" sz="2600" dirty="0">
+                <a:latin typeface="Inter"/>
+              </a:rPr>
+              <a:t>Text Processing with NLTK for Enhanced Data Quality: Utilizing NLTK for comprehensive text processing ensures refined data by removing </a:t>
+            </a:r>
+            <a:r>
+              <a:rPr lang="en-US" sz="2600" dirty="0" err="1">
+                <a:latin typeface="Inter"/>
+              </a:rPr>
+              <a:t>stopwords</a:t>
+            </a:r>
+            <a:r>
+              <a:rPr lang="en-US" sz="2600" dirty="0">
+                <a:latin typeface="Inter"/>
+              </a:rPr>
+              <a:t> and performing stemming. </a:t>
+            </a:r>
+          </a:p>
+          <a:p>
+            <a:r>
+              <a:rPr lang="en-US" sz="2600" dirty="0">
+                <a:latin typeface="Inter"/>
+              </a:rPr>
+              <a:t>Machine Learning Frameworks for Model Development: Scikit-learn provides a robust framework for implementing various machine learning algorithms, enhancing model accuracy and evaluation.</a:t>
+            </a:r>
+          </a:p>
+          <a:p>
+            <a:r>
+              <a:rPr lang="en-US" sz="2600" dirty="0">
+                <a:latin typeface="Inter"/>
+              </a:rPr>
+              <a:t>Word Embeddings with Word2Vec for Semantic Understanding:Word2Vec captures the semantic meaning of words, enriching text representation through 300-dimensional embeddings for improved model performance.</a:t>
+            </a:r>
+            <a:endParaRPr lang="el-GR" sz="2600" dirty="0">
+              <a:latin typeface="Inter"/>
+            </a:endParaRPr>
           </a:p>
         </p:txBody>
       </p:sp>
     </p:spTree>
     <p:extLst>
       <p:ext uri="{BB962C8B-B14F-4D97-AF65-F5344CB8AC3E}">
-        <p14:creationId xmlns:p14="http://schemas.microsoft.com/office/powerpoint/2010/main" val="2021686846"/>
+        <p14:creationId xmlns:p14="http://schemas.microsoft.com/office/powerpoint/2010/main" val="3643897768"/>
       </p:ext>
     </p:extLst>
   </p:cSld>
@@ -8942,39 +7837,10 @@
       </p:grpSpPr>
       <p:sp>
         <p:nvSpPr>
-          <p:cNvPr id="2" name="Title 1">
-            <a:extLst>
-              <a:ext uri="{FF2B5EF4-FFF2-40B4-BE49-F238E27FC236}">
-                <a16:creationId xmlns:a16="http://schemas.microsoft.com/office/drawing/2014/main" id="{12866582-9671-7E18-1257-589343562B1F}"/>
-              </a:ext>
-            </a:extLst>
-          </p:cNvPr>
-          <p:cNvSpPr>
-            <a:spLocks noGrp="1"/>
-          </p:cNvSpPr>
-          <p:nvPr>
-            <p:ph type="title"/>
-          </p:nvPr>
-        </p:nvSpPr>
-        <p:spPr/>
-        <p:txBody>
-          <a:bodyPr/>
-          <a:lstStyle/>
-          <a:p>
-            <a:r>
-              <a:rPr lang="en-US" dirty="0"/>
-              <a:t>Speed and accuracy metrics are crucial for algorithm comparison.</a:t>
-            </a:r>
-            <a:endParaRPr lang="el-GR" dirty="0"/>
-          </a:p>
-        </p:txBody>
-      </p:sp>
-      <p:sp>
-        <p:nvSpPr>
           <p:cNvPr id="3" name="Content Placeholder 2">
             <a:extLst>
               <a:ext uri="{FF2B5EF4-FFF2-40B4-BE49-F238E27FC236}">
-                <a16:creationId xmlns:a16="http://schemas.microsoft.com/office/drawing/2014/main" id="{5F65A17A-ED83-58A8-8B53-387927266F7C}"/>
+                <a16:creationId xmlns:a16="http://schemas.microsoft.com/office/drawing/2014/main" id="{1DA35F94-B8D4-C73E-150E-A9360E9FA561}"/>
               </a:ext>
             </a:extLst>
           </p:cNvPr>
@@ -8985,35 +7851,162 @@
             <p:ph idx="1"/>
           </p:nvPr>
         </p:nvSpPr>
-        <p:spPr/>
-        <p:txBody>
-          <a:bodyPr/>
-          <a:lstStyle/>
-          <a:p>
-            <a:r>
-              <a:rPr lang="en-US" dirty="0"/>
-              <a:t>Speed Metrics in Algorithm Evaluation: Speed metrics help gauge how quickly an algorithm processes data, influencing real-time applications where immediate results are necessary.</a:t>
-            </a:r>
-          </a:p>
-          <a:p>
-            <a:r>
-              <a:rPr lang="en-US" dirty="0"/>
-              <a:t>Accuracy Metrics for Reliable Outcomes: Accuracy metrics are vital for ensuring that algorithms produce reliable outcomes, particularly in critical applications like fake news detection.</a:t>
-            </a:r>
-          </a:p>
-          <a:p>
-            <a:r>
-              <a:rPr lang="en-US" dirty="0"/>
-              <a:t>Balancing Speed and Accuracy: Finding the right balance between speed and accuracy is key, as algorithms must perform efficiently without sacrificing the quality of results.</a:t>
-            </a:r>
-            <a:endParaRPr lang="el-GR" dirty="0"/>
+        <p:spPr>
+          <a:xfrm>
+            <a:off x="0" y="2009553"/>
+            <a:ext cx="12192000" cy="4848447"/>
+          </a:xfrm>
+        </p:spPr>
+        <p:txBody>
+          <a:bodyPr>
+            <a:normAutofit/>
+          </a:bodyPr>
+          <a:lstStyle/>
+          <a:p>
+            <a:pPr marL="514350" indent="-514350">
+              <a:buFont typeface="+mj-lt"/>
+              <a:buAutoNum type="arabicPeriod"/>
+            </a:pPr>
+            <a:r>
+              <a:rPr lang="en-US" sz="2600" b="1" dirty="0">
+                <a:latin typeface="Inter"/>
+              </a:rPr>
+              <a:t>Critical Text Cleaning Steps for Data Refinement</a:t>
+            </a:r>
+            <a:r>
+              <a:rPr lang="en-US" sz="2600" dirty="0">
+                <a:latin typeface="Inter"/>
+              </a:rPr>
+              <a:t>: Implementing a rigorous cleaning pipeline with NLTK ensures that the dataset is devoid of noise and irrelevant information.</a:t>
+            </a:r>
+            <a:endParaRPr lang="en-US" sz="2600" b="1" dirty="0">
+              <a:latin typeface="Inter"/>
+            </a:endParaRPr>
+          </a:p>
+          <a:p>
+            <a:pPr marL="514350" indent="-514350">
+              <a:buFont typeface="+mj-lt"/>
+              <a:buAutoNum type="arabicPeriod"/>
+            </a:pPr>
+            <a:r>
+              <a:rPr lang="en-US" sz="2600" b="1" dirty="0">
+                <a:latin typeface="Inter"/>
+              </a:rPr>
+              <a:t>Tokenization for Structured Text Analysis</a:t>
+            </a:r>
+            <a:r>
+              <a:rPr lang="en-US" sz="2600" dirty="0">
+                <a:latin typeface="Inter"/>
+              </a:rPr>
+              <a:t>: Tokenization transforms raw text into manageable pieces, allowing for deeper analysis and understanding of textual content.</a:t>
+            </a:r>
+          </a:p>
+          <a:p>
+            <a:pPr marL="514350" indent="-514350">
+              <a:buFont typeface="+mj-lt"/>
+              <a:buAutoNum type="arabicPeriod"/>
+            </a:pPr>
+            <a:r>
+              <a:rPr lang="en-US" sz="2600" b="1" dirty="0">
+                <a:latin typeface="Inter"/>
+              </a:rPr>
+              <a:t>Stemming to Normalize Text Data</a:t>
+            </a:r>
+            <a:r>
+              <a:rPr lang="en-US" sz="2600" dirty="0">
+                <a:latin typeface="Inter"/>
+              </a:rPr>
+              <a:t>: Applying stemming reduces words to their root forms, standardizing variations and enhancing model training consistency.</a:t>
+            </a:r>
+          </a:p>
+          <a:p>
+            <a:pPr marL="514350" indent="-514350">
+              <a:buFont typeface="+mj-lt"/>
+              <a:buAutoNum type="arabicPeriod"/>
+            </a:pPr>
+            <a:r>
+              <a:rPr lang="en-US" sz="2600" b="1" dirty="0" err="1">
+                <a:latin typeface="Inter"/>
+              </a:rPr>
+              <a:t>Stopword</a:t>
+            </a:r>
+            <a:r>
+              <a:rPr lang="en-US" sz="2600" b="1" dirty="0">
+                <a:latin typeface="Inter"/>
+              </a:rPr>
+              <a:t> Removal to Enhance Model Focus</a:t>
+            </a:r>
+            <a:r>
+              <a:rPr lang="en-US" sz="2600" dirty="0">
+                <a:latin typeface="Inter"/>
+              </a:rPr>
+              <a:t>: Eliminating common </a:t>
+            </a:r>
+            <a:r>
+              <a:rPr lang="en-US" sz="2600" dirty="0" err="1">
+                <a:latin typeface="Inter"/>
+              </a:rPr>
+              <a:t>stopwords</a:t>
+            </a:r>
+            <a:r>
+              <a:rPr lang="en-US" sz="2600" dirty="0">
+                <a:latin typeface="Inter"/>
+              </a:rPr>
+              <a:t> through NLTK sharpens the focus of models on significant words that convey meaning.</a:t>
+            </a:r>
+          </a:p>
+        </p:txBody>
+      </p:sp>
+      <p:sp>
+        <p:nvSpPr>
+          <p:cNvPr id="2" name="TextBox 1">
+            <a:extLst>
+              <a:ext uri="{FF2B5EF4-FFF2-40B4-BE49-F238E27FC236}">
+                <a16:creationId xmlns:a16="http://schemas.microsoft.com/office/drawing/2014/main" id="{7B2C82A2-A652-B4DC-9E21-39448186D425}"/>
+              </a:ext>
+            </a:extLst>
+          </p:cNvPr>
+          <p:cNvSpPr txBox="1"/>
+          <p:nvPr/>
+        </p:nvSpPr>
+        <p:spPr>
+          <a:xfrm>
+            <a:off x="0" y="0"/>
+            <a:ext cx="12192000" cy="2123658"/>
+          </a:xfrm>
+          <a:prstGeom prst="rect">
+            <a:avLst/>
+          </a:prstGeom>
+          <a:noFill/>
+        </p:spPr>
+        <p:txBody>
+          <a:bodyPr wrap="square" rtlCol="0">
+            <a:spAutoFit/>
+          </a:bodyPr>
+          <a:lstStyle/>
+          <a:p>
+            <a:r>
+              <a:rPr lang="en-US" sz="4400" b="1" dirty="0">
+                <a:effectLst/>
+                <a:latin typeface="Menlo"/>
+              </a:rPr>
+              <a:t>Leveraging NLTK for comprehensive text preprocessing steps</a:t>
+            </a:r>
+            <a:endParaRPr lang="en-US" sz="4400" dirty="0">
+              <a:latin typeface="Menlo"/>
+            </a:endParaRPr>
+          </a:p>
+          <a:p>
+            <a:endParaRPr lang="el-GR" sz="4400" dirty="0">
+              <a:latin typeface="Menlo"/>
+            </a:endParaRPr>
           </a:p>
         </p:txBody>
       </p:sp>
     </p:spTree>
     <p:extLst>
       <p:ext uri="{BB962C8B-B14F-4D97-AF65-F5344CB8AC3E}">
-        <p14:creationId xmlns:p14="http://schemas.microsoft.com/office/powerpoint/2010/main" val="288916582"/>
+        <p14:creationId xmlns:p14="http://schemas.microsoft.com/office/powerpoint/2010/main" val="1550567387"/>
       </p:ext>
     </p:extLst>
   </p:cSld>
@@ -9316,4 +8309,299 @@
     </a:ext>
   </a:extLst>
 </a:theme>
+</file>
+
+<file path=ppt/theme/theme2.xml><?xml version="1.0" encoding="utf-8"?>
+<a:theme xmlns:a="http://schemas.openxmlformats.org/drawingml/2006/main" name="Office Theme">
+  <a:themeElements>
+    <a:clrScheme name="Office">
+      <a:dk1>
+        <a:sysClr val="windowText" lastClr="000000"/>
+      </a:dk1>
+      <a:lt1>
+        <a:sysClr val="window" lastClr="FFFFFF"/>
+      </a:lt1>
+      <a:dk2>
+        <a:srgbClr val="44546A"/>
+      </a:dk2>
+      <a:lt2>
+        <a:srgbClr val="E7E6E6"/>
+      </a:lt2>
+      <a:accent1>
+        <a:srgbClr val="4472C4"/>
+      </a:accent1>
+      <a:accent2>
+        <a:srgbClr val="ED7D31"/>
+      </a:accent2>
+      <a:accent3>
+        <a:srgbClr val="A5A5A5"/>
+      </a:accent3>
+      <a:accent4>
+        <a:srgbClr val="FFC000"/>
+      </a:accent4>
+      <a:accent5>
+        <a:srgbClr val="5B9BD5"/>
+      </a:accent5>
+      <a:accent6>
+        <a:srgbClr val="70AD47"/>
+      </a:accent6>
+      <a:hlink>
+        <a:srgbClr val="0563C1"/>
+      </a:hlink>
+      <a:folHlink>
+        <a:srgbClr val="954F72"/>
+      </a:folHlink>
+    </a:clrScheme>
+    <a:fontScheme name="Office">
+      <a:majorFont>
+        <a:latin typeface="Calibri Light" panose="020F0302020204030204"/>
+        <a:ea typeface=""/>
+        <a:cs typeface=""/>
+        <a:font script="Jpan" typeface="游ゴシック Light"/>
+        <a:font script="Hang" typeface="맑은 고딕"/>
+        <a:font script="Hans" typeface="等线 Light"/>
+        <a:font script="Hant" typeface="新細明體"/>
+        <a:font script="Arab" typeface="Times New Roman"/>
+        <a:font script="Hebr" typeface="Times New Roman"/>
+        <a:font script="Thai" typeface="Angsana New"/>
+        <a:font script="Ethi" typeface="Nyala"/>
+        <a:font script="Beng" typeface="Vrinda"/>
+        <a:font script="Gujr" typeface="Shruti"/>
+        <a:font script="Khmr" typeface="MoolBoran"/>
+        <a:font script="Knda" typeface="Tunga"/>
+        <a:font script="Guru" typeface="Raavi"/>
+        <a:font script="Cans" typeface="Euphemia"/>
+        <a:font script="Cher" typeface="Plantagenet Cherokee"/>
+        <a:font script="Yiii" typeface="Microsoft Yi Baiti"/>
+        <a:font script="Tibt" typeface="Microsoft Himalaya"/>
+        <a:font script="Thaa" typeface="MV Boli"/>
+        <a:font script="Deva" typeface="Mangal"/>
+        <a:font script="Telu" typeface="Gautami"/>
+        <a:font script="Taml" typeface="Latha"/>
+        <a:font script="Syrc" typeface="Estrangelo Edessa"/>
+        <a:font script="Orya" typeface="Kalinga"/>
+        <a:font script="Mlym" typeface="Kartika"/>
+        <a:font script="Laoo" typeface="DokChampa"/>
+        <a:font script="Sinh" typeface="Iskoola Pota"/>
+        <a:font script="Mong" typeface="Mongolian Baiti"/>
+        <a:font script="Viet" typeface="Times New Roman"/>
+        <a:font script="Uigh" typeface="Microsoft Uighur"/>
+        <a:font script="Geor" typeface="Sylfaen"/>
+        <a:font script="Armn" typeface="Arial"/>
+        <a:font script="Bugi" typeface="Leelawadee UI"/>
+        <a:font script="Bopo" typeface="Microsoft JhengHei"/>
+        <a:font script="Java" typeface="Javanese Text"/>
+        <a:font script="Lisu" typeface="Segoe UI"/>
+        <a:font script="Mymr" typeface="Myanmar Text"/>
+        <a:font script="Nkoo" typeface="Ebrima"/>
+        <a:font script="Olck" typeface="Nirmala UI"/>
+        <a:font script="Osma" typeface="Ebrima"/>
+        <a:font script="Phag" typeface="Phagspa"/>
+        <a:font script="Syrn" typeface="Estrangelo Edessa"/>
+        <a:font script="Syrj" typeface="Estrangelo Edessa"/>
+        <a:font script="Syre" typeface="Estrangelo Edessa"/>
+        <a:font script="Sora" typeface="Nirmala UI"/>
+        <a:font script="Tale" typeface="Microsoft Tai Le"/>
+        <a:font script="Talu" typeface="Microsoft New Tai Lue"/>
+        <a:font script="Tfng" typeface="Ebrima"/>
+      </a:majorFont>
+      <a:minorFont>
+        <a:latin typeface="Calibri" panose="020F0502020204030204"/>
+        <a:ea typeface=""/>
+        <a:cs typeface=""/>
+        <a:font script="Jpan" typeface="游ゴシック"/>
+        <a:font script="Hang" typeface="맑은 고딕"/>
+        <a:font script="Hans" typeface="等线"/>
+        <a:font script="Hant" typeface="新細明體"/>
+        <a:font script="Arab" typeface="Arial"/>
+        <a:font script="Hebr" typeface="Arial"/>
+        <a:font script="Thai" typeface="Cordia New"/>
+        <a:font script="Ethi" typeface="Nyala"/>
+        <a:font script="Beng" typeface="Vrinda"/>
+        <a:font script="Gujr" typeface="Shruti"/>
+        <a:font script="Khmr" typeface="DaunPenh"/>
+        <a:font script="Knda" typeface="Tunga"/>
+        <a:font script="Guru" typeface="Raavi"/>
+        <a:font script="Cans" typeface="Euphemia"/>
+        <a:font script="Cher" typeface="Plantagenet Cherokee"/>
+        <a:font script="Yiii" typeface="Microsoft Yi Baiti"/>
+        <a:font script="Tibt" typeface="Microsoft Himalaya"/>
+        <a:font script="Thaa" typeface="MV Boli"/>
+        <a:font script="Deva" typeface="Mangal"/>
+        <a:font script="Telu" typeface="Gautami"/>
+        <a:font script="Taml" typeface="Latha"/>
+        <a:font script="Syrc" typeface="Estrangelo Edessa"/>
+        <a:font script="Orya" typeface="Kalinga"/>
+        <a:font script="Mlym" typeface="Kartika"/>
+        <a:font script="Laoo" typeface="DokChampa"/>
+        <a:font script="Sinh" typeface="Iskoola Pota"/>
+        <a:font script="Mong" typeface="Mongolian Baiti"/>
+        <a:font script="Viet" typeface="Arial"/>
+        <a:font script="Uigh" typeface="Microsoft Uighur"/>
+        <a:font script="Geor" typeface="Sylfaen"/>
+        <a:font script="Armn" typeface="Arial"/>
+        <a:font script="Bugi" typeface="Leelawadee UI"/>
+        <a:font script="Bopo" typeface="Microsoft JhengHei"/>
+        <a:font script="Java" typeface="Javanese Text"/>
+        <a:font script="Lisu" typeface="Segoe UI"/>
+        <a:font script="Mymr" typeface="Myanmar Text"/>
+        <a:font script="Nkoo" typeface="Ebrima"/>
+        <a:font script="Olck" typeface="Nirmala UI"/>
+        <a:font script="Osma" typeface="Ebrima"/>
+        <a:font script="Phag" typeface="Phagspa"/>
+        <a:font script="Syrn" typeface="Estrangelo Edessa"/>
+        <a:font script="Syrj" typeface="Estrangelo Edessa"/>
+        <a:font script="Syre" typeface="Estrangelo Edessa"/>
+        <a:font script="Sora" typeface="Nirmala UI"/>
+        <a:font script="Tale" typeface="Microsoft Tai Le"/>
+        <a:font script="Talu" typeface="Microsoft New Tai Lue"/>
+        <a:font script="Tfng" typeface="Ebrima"/>
+      </a:minorFont>
+    </a:fontScheme>
+    <a:fmtScheme name="Office">
+      <a:fillStyleLst>
+        <a:solidFill>
+          <a:schemeClr val="phClr"/>
+        </a:solidFill>
+        <a:gradFill rotWithShape="1">
+          <a:gsLst>
+            <a:gs pos="0">
+              <a:schemeClr val="phClr">
+                <a:lumMod val="110000"/>
+                <a:satMod val="105000"/>
+                <a:tint val="67000"/>
+              </a:schemeClr>
+            </a:gs>
+            <a:gs pos="50000">
+              <a:schemeClr val="phClr">
+                <a:lumMod val="105000"/>
+                <a:satMod val="103000"/>
+                <a:tint val="73000"/>
+              </a:schemeClr>
+            </a:gs>
+            <a:gs pos="100000">
+              <a:schemeClr val="phClr">
+                <a:lumMod val="105000"/>
+                <a:satMod val="109000"/>
+                <a:tint val="81000"/>
+              </a:schemeClr>
+            </a:gs>
+          </a:gsLst>
+          <a:lin ang="5400000" scaled="0"/>
+        </a:gradFill>
+        <a:gradFill rotWithShape="1">
+          <a:gsLst>
+            <a:gs pos="0">
+              <a:schemeClr val="phClr">
+                <a:satMod val="103000"/>
+                <a:lumMod val="102000"/>
+                <a:tint val="94000"/>
+              </a:schemeClr>
+            </a:gs>
+            <a:gs pos="50000">
+              <a:schemeClr val="phClr">
+                <a:satMod val="110000"/>
+                <a:lumMod val="100000"/>
+                <a:shade val="100000"/>
+              </a:schemeClr>
+            </a:gs>
+            <a:gs pos="100000">
+              <a:schemeClr val="phClr">
+                <a:lumMod val="99000"/>
+                <a:satMod val="120000"/>
+                <a:shade val="78000"/>
+              </a:schemeClr>
+            </a:gs>
+          </a:gsLst>
+          <a:lin ang="5400000" scaled="0"/>
+        </a:gradFill>
+      </a:fillStyleLst>
+      <a:lnStyleLst>
+        <a:ln w="6350" cap="flat" cmpd="sng" algn="ctr">
+          <a:solidFill>
+            <a:schemeClr val="phClr"/>
+          </a:solidFill>
+          <a:prstDash val="solid"/>
+          <a:miter lim="800000"/>
+        </a:ln>
+        <a:ln w="12700" cap="flat" cmpd="sng" algn="ctr">
+          <a:solidFill>
+            <a:schemeClr val="phClr"/>
+          </a:solidFill>
+          <a:prstDash val="solid"/>
+          <a:miter lim="800000"/>
+        </a:ln>
+        <a:ln w="19050" cap="flat" cmpd="sng" algn="ctr">
+          <a:solidFill>
+            <a:schemeClr val="phClr"/>
+          </a:solidFill>
+          <a:prstDash val="solid"/>
+          <a:miter lim="800000"/>
+        </a:ln>
+      </a:lnStyleLst>
+      <a:effectStyleLst>
+        <a:effectStyle>
+          <a:effectLst/>
+        </a:effectStyle>
+        <a:effectStyle>
+          <a:effectLst/>
+        </a:effectStyle>
+        <a:effectStyle>
+          <a:effectLst>
+            <a:outerShdw blurRad="57150" dist="19050" dir="5400000" algn="ctr" rotWithShape="0">
+              <a:srgbClr val="000000">
+                <a:alpha val="63000"/>
+              </a:srgbClr>
+            </a:outerShdw>
+          </a:effectLst>
+        </a:effectStyle>
+      </a:effectStyleLst>
+      <a:bgFillStyleLst>
+        <a:solidFill>
+          <a:schemeClr val="phClr"/>
+        </a:solidFill>
+        <a:solidFill>
+          <a:schemeClr val="phClr">
+            <a:tint val="95000"/>
+            <a:satMod val="170000"/>
+          </a:schemeClr>
+        </a:solidFill>
+        <a:gradFill rotWithShape="1">
+          <a:gsLst>
+            <a:gs pos="0">
+              <a:schemeClr val="phClr">
+                <a:tint val="93000"/>
+                <a:satMod val="150000"/>
+                <a:shade val="98000"/>
+                <a:lumMod val="102000"/>
+              </a:schemeClr>
+            </a:gs>
+            <a:gs pos="50000">
+              <a:schemeClr val="phClr">
+                <a:tint val="98000"/>
+                <a:satMod val="130000"/>
+                <a:shade val="90000"/>
+                <a:lumMod val="103000"/>
+              </a:schemeClr>
+            </a:gs>
+            <a:gs pos="100000">
+              <a:schemeClr val="phClr">
+                <a:shade val="63000"/>
+                <a:satMod val="120000"/>
+              </a:schemeClr>
+            </a:gs>
+          </a:gsLst>
+          <a:lin ang="5400000" scaled="0"/>
+        </a:gradFill>
+      </a:bgFillStyleLst>
+    </a:fmtScheme>
+  </a:themeElements>
+  <a:objectDefaults/>
+  <a:extraClrSchemeLst/>
+  <a:extLst>
+    <a:ext uri="{05A4C25C-085E-4340-85A3-A5531E510DB2}">
+      <thm15:themeFamily xmlns:thm15="http://schemas.microsoft.com/office/thememl/2012/main" name="Office Theme" id="{62F939B6-93AF-4DB8-9C6B-D6C7DFDC589F}" vid="{4A3C46E8-61CC-4603-A589-7422A47A8E4A}"/>
+    </a:ext>
+  </a:extLst>
+</a:theme>
 </file>